--- a/COA intro.pptx
+++ b/COA intro.pptx
@@ -41,6 +41,7 @@
     <p:sldId id="284" r:id="rId34"/>
     <p:sldId id="285" r:id="rId35"/>
     <p:sldId id="286" r:id="rId36"/>
+    <p:sldId id="287" r:id="rId37"/>
   </p:sldIdLst>
   <p:sldSz cx="10080625" cy="7559675"/>
   <p:notesSz cx="7559675" cy="10691812"/>
@@ -259,7 +260,7 @@
           <a:bodyPr lIns="0" rIns="0" tIns="0" bIns="0" anchor="b"/>
           <a:p>
             <a:pPr algn="r"/>
-            <a:fld id="{33201084-F23C-476F-81D4-75385C1E73FB}" type="slidenum">
+            <a:fld id="{BAAC17EB-F357-4B80-8E49-CA17D6F0DE4E}" type="slidenum">
               <a:rPr b="0" lang="en-US" sz="1400" spc="-1" strike="noStrike">
                 <a:latin typeface="Times New Roman"/>
               </a:rPr>
@@ -296,14 +297,14 @@
       </p:grpSpPr>
       <p:sp>
         <p:nvSpPr>
-          <p:cNvPr id="220" name="CustomShape 1"/>
+          <p:cNvPr id="221" name="CustomShape 1"/>
           <p:cNvSpPr/>
           <p:nvPr/>
         </p:nvSpPr>
         <p:spPr>
           <a:xfrm>
             <a:off x="756360" y="5079600"/>
-            <a:ext cx="6046560" cy="4811040"/>
+            <a:ext cx="6046200" cy="4810680"/>
           </a:xfrm>
           <a:prstGeom prst="rect">
             <a:avLst/>
@@ -322,14 +323,14 @@
       </p:sp>
       <p:sp>
         <p:nvSpPr>
-          <p:cNvPr id="221" name="CustomShape 2"/>
+          <p:cNvPr id="222" name="CustomShape 2"/>
           <p:cNvSpPr/>
           <p:nvPr/>
         </p:nvSpPr>
         <p:spPr>
           <a:xfrm>
             <a:off x="4280400" y="10156680"/>
-            <a:ext cx="3276000" cy="534600"/>
+            <a:ext cx="3275640" cy="534240"/>
           </a:xfrm>
           <a:prstGeom prst="rect">
             <a:avLst/>
@@ -348,7 +349,7 @@
         <p:txBody>
           <a:bodyPr lIns="92520" rIns="92520" tIns="46080" bIns="46080" anchor="b"/>
           <a:p>
-            <a:pPr marL="216000" indent="-216000" algn="r">
+            <a:pPr marL="216000" indent="-215640" algn="r">
               <a:lnSpc>
                 <a:spcPct val="100000"/>
               </a:lnSpc>
@@ -356,11 +357,14 @@
                 <a:srgbClr val="000000"/>
               </a:buClr>
               <a:buSzPct val="45000"/>
-              <a:buFont typeface="Wingdings"/>
-              <a:buChar char="l"/>
-            </a:pPr>
-            <a:fld id="{57275EA4-474D-413E-ADE7-BADF82257731}" type="slidenum">
+              <a:buFont typeface="Wingdings" charset="2"/>
+              <a:buChar char=""/>
+            </a:pPr>
+            <a:fld id="{2B028316-108F-44E3-BA9C-1E0F52E8066E}" type="slidenum">
               <a:rPr b="0" lang="en-US" sz="1200" spc="-1" strike="noStrike">
+                <a:solidFill>
+                  <a:srgbClr val="000000"/>
+                </a:solidFill>
                 <a:latin typeface="Arial"/>
               </a:rPr>
               <a:t>&lt;number&gt;</a:t>
@@ -395,14 +399,14 @@
       </p:grpSpPr>
       <p:sp>
         <p:nvSpPr>
-          <p:cNvPr id="222" name="CustomShape 1"/>
+          <p:cNvPr id="223" name="CustomShape 1"/>
           <p:cNvSpPr/>
           <p:nvPr/>
         </p:nvSpPr>
         <p:spPr>
           <a:xfrm>
             <a:off x="756360" y="5079600"/>
-            <a:ext cx="6046560" cy="4811040"/>
+            <a:ext cx="6046200" cy="4810680"/>
           </a:xfrm>
           <a:prstGeom prst="rect">
             <a:avLst/>
@@ -421,14 +425,14 @@
       </p:sp>
       <p:sp>
         <p:nvSpPr>
-          <p:cNvPr id="223" name="CustomShape 2"/>
+          <p:cNvPr id="224" name="CustomShape 2"/>
           <p:cNvSpPr/>
           <p:nvPr/>
         </p:nvSpPr>
         <p:spPr>
           <a:xfrm>
             <a:off x="4280400" y="10156320"/>
-            <a:ext cx="3276000" cy="534600"/>
+            <a:ext cx="3275640" cy="534240"/>
           </a:xfrm>
           <a:prstGeom prst="rect">
             <a:avLst/>
@@ -447,7 +451,7 @@
         <p:txBody>
           <a:bodyPr lIns="92520" rIns="92520" tIns="46080" bIns="46080" anchor="b"/>
           <a:p>
-            <a:pPr marL="216000" indent="-216000" algn="r">
+            <a:pPr marL="216000" indent="-215640" algn="r">
               <a:lnSpc>
                 <a:spcPct val="100000"/>
               </a:lnSpc>
@@ -455,11 +459,14 @@
                 <a:srgbClr val="000000"/>
               </a:buClr>
               <a:buSzPct val="45000"/>
-              <a:buFont typeface="Wingdings"/>
-              <a:buChar char="l"/>
-            </a:pPr>
-            <a:fld id="{B939872E-007C-441D-9C5D-BCC69BBE2EBB}" type="slidenum">
+              <a:buFont typeface="Wingdings" charset="2"/>
+              <a:buChar char=""/>
+            </a:pPr>
+            <a:fld id="{EF9FEFFF-1966-4339-B9AB-CEC899B21975}" type="slidenum">
               <a:rPr b="0" lang="en-US" sz="1200" spc="-1" strike="noStrike">
+                <a:solidFill>
+                  <a:srgbClr val="000000"/>
+                </a:solidFill>
                 <a:latin typeface="Arial"/>
               </a:rPr>
               <a:t>&lt;number&gt;</a:t>
@@ -494,14 +501,14 @@
       </p:grpSpPr>
       <p:sp>
         <p:nvSpPr>
-          <p:cNvPr id="224" name="CustomShape 1"/>
+          <p:cNvPr id="225" name="CustomShape 1"/>
           <p:cNvSpPr/>
           <p:nvPr/>
         </p:nvSpPr>
         <p:spPr>
           <a:xfrm>
             <a:off x="756360" y="5079600"/>
-            <a:ext cx="6046560" cy="4811040"/>
+            <a:ext cx="6046200" cy="4810680"/>
           </a:xfrm>
           <a:prstGeom prst="rect">
             <a:avLst/>
@@ -520,14 +527,14 @@
       </p:sp>
       <p:sp>
         <p:nvSpPr>
-          <p:cNvPr id="225" name="CustomShape 2"/>
+          <p:cNvPr id="226" name="CustomShape 2"/>
           <p:cNvSpPr/>
           <p:nvPr/>
         </p:nvSpPr>
         <p:spPr>
           <a:xfrm>
             <a:off x="4280400" y="10156320"/>
-            <a:ext cx="3276000" cy="534600"/>
+            <a:ext cx="3275640" cy="534240"/>
           </a:xfrm>
           <a:prstGeom prst="rect">
             <a:avLst/>
@@ -546,7 +553,7 @@
         <p:txBody>
           <a:bodyPr lIns="92520" rIns="92520" tIns="46080" bIns="46080" anchor="b"/>
           <a:p>
-            <a:pPr marL="216000" indent="-216000" algn="r">
+            <a:pPr marL="216000" indent="-215640" algn="r">
               <a:lnSpc>
                 <a:spcPct val="100000"/>
               </a:lnSpc>
@@ -554,11 +561,14 @@
                 <a:srgbClr val="000000"/>
               </a:buClr>
               <a:buSzPct val="45000"/>
-              <a:buFont typeface="Wingdings"/>
-              <a:buChar char="l"/>
-            </a:pPr>
-            <a:fld id="{7CA6F51A-D90A-4A91-B469-60BD8A17ECF2}" type="slidenum">
+              <a:buFont typeface="Wingdings" charset="2"/>
+              <a:buChar char=""/>
+            </a:pPr>
+            <a:fld id="{4609B5E3-7ABE-4248-B752-947CD63CB01C}" type="slidenum">
               <a:rPr b="0" lang="en-US" sz="1200" spc="-1" strike="noStrike">
+                <a:solidFill>
+                  <a:srgbClr val="000000"/>
+                </a:solidFill>
                 <a:latin typeface="Arial"/>
               </a:rPr>
               <a:t>&lt;number&gt;</a:t>
@@ -593,14 +603,14 @@
       </p:grpSpPr>
       <p:sp>
         <p:nvSpPr>
-          <p:cNvPr id="226" name="CustomShape 1"/>
+          <p:cNvPr id="227" name="CustomShape 1"/>
           <p:cNvSpPr/>
           <p:nvPr/>
         </p:nvSpPr>
         <p:spPr>
           <a:xfrm>
             <a:off x="756360" y="5079600"/>
-            <a:ext cx="6046560" cy="4811040"/>
+            <a:ext cx="6046200" cy="4810680"/>
           </a:xfrm>
           <a:prstGeom prst="rect">
             <a:avLst/>
@@ -619,14 +629,14 @@
       </p:sp>
       <p:sp>
         <p:nvSpPr>
-          <p:cNvPr id="227" name="CustomShape 2"/>
+          <p:cNvPr id="228" name="CustomShape 2"/>
           <p:cNvSpPr/>
           <p:nvPr/>
         </p:nvSpPr>
         <p:spPr>
           <a:xfrm>
             <a:off x="4280400" y="10156680"/>
-            <a:ext cx="3276000" cy="534600"/>
+            <a:ext cx="3275640" cy="534240"/>
           </a:xfrm>
           <a:prstGeom prst="rect">
             <a:avLst/>
@@ -645,7 +655,7 @@
         <p:txBody>
           <a:bodyPr lIns="92520" rIns="92520" tIns="46080" bIns="46080" anchor="b"/>
           <a:p>
-            <a:pPr marL="216000" indent="-216000" algn="r">
+            <a:pPr marL="216000" indent="-215640" algn="r">
               <a:lnSpc>
                 <a:spcPct val="100000"/>
               </a:lnSpc>
@@ -653,11 +663,14 @@
                 <a:srgbClr val="000000"/>
               </a:buClr>
               <a:buSzPct val="45000"/>
-              <a:buFont typeface="Wingdings"/>
-              <a:buChar char="l"/>
-            </a:pPr>
-            <a:fld id="{3A470D71-928B-45D6-BDF7-482D47E42184}" type="slidenum">
+              <a:buFont typeface="Wingdings" charset="2"/>
+              <a:buChar char=""/>
+            </a:pPr>
+            <a:fld id="{46C8F719-1E1C-4739-AF87-7ED515C178A8}" type="slidenum">
               <a:rPr b="0" lang="en-US" sz="1200" spc="-1" strike="noStrike">
+                <a:solidFill>
+                  <a:srgbClr val="000000"/>
+                </a:solidFill>
                 <a:latin typeface="Arial"/>
               </a:rPr>
               <a:t>&lt;number&gt;</a:t>
@@ -692,14 +705,14 @@
       </p:grpSpPr>
       <p:sp>
         <p:nvSpPr>
-          <p:cNvPr id="228" name="CustomShape 1"/>
+          <p:cNvPr id="229" name="CustomShape 1"/>
           <p:cNvSpPr/>
           <p:nvPr/>
         </p:nvSpPr>
         <p:spPr>
           <a:xfrm>
             <a:off x="756360" y="5079600"/>
-            <a:ext cx="6046560" cy="4811040"/>
+            <a:ext cx="6046200" cy="4810680"/>
           </a:xfrm>
           <a:prstGeom prst="rect">
             <a:avLst/>
@@ -718,14 +731,14 @@
       </p:sp>
       <p:sp>
         <p:nvSpPr>
-          <p:cNvPr id="229" name="CustomShape 2"/>
+          <p:cNvPr id="230" name="CustomShape 2"/>
           <p:cNvSpPr/>
           <p:nvPr/>
         </p:nvSpPr>
         <p:spPr>
           <a:xfrm>
             <a:off x="4280400" y="10156680"/>
-            <a:ext cx="3276000" cy="534600"/>
+            <a:ext cx="3275640" cy="534240"/>
           </a:xfrm>
           <a:prstGeom prst="rect">
             <a:avLst/>
@@ -744,7 +757,7 @@
         <p:txBody>
           <a:bodyPr lIns="92520" rIns="92520" tIns="46080" bIns="46080" anchor="b"/>
           <a:p>
-            <a:pPr marL="216000" indent="-216000" algn="r">
+            <a:pPr marL="216000" indent="-215640" algn="r">
               <a:lnSpc>
                 <a:spcPct val="100000"/>
               </a:lnSpc>
@@ -752,11 +765,14 @@
                 <a:srgbClr val="000000"/>
               </a:buClr>
               <a:buSzPct val="45000"/>
-              <a:buFont typeface="Wingdings"/>
-              <a:buChar char="l"/>
-            </a:pPr>
-            <a:fld id="{5F0C8ADE-E501-469B-8C0E-1C2F094DEB90}" type="slidenum">
+              <a:buFont typeface="Wingdings" charset="2"/>
+              <a:buChar char=""/>
+            </a:pPr>
+            <a:fld id="{0AE5E87C-9C05-43D1-8986-13FB0E74CB54}" type="slidenum">
               <a:rPr b="0" lang="en-US" sz="1200" spc="-1" strike="noStrike">
+                <a:solidFill>
+                  <a:srgbClr val="000000"/>
+                </a:solidFill>
                 <a:latin typeface="Arial"/>
               </a:rPr>
               <a:t>&lt;number&gt;</a:t>
@@ -791,14 +807,14 @@
       </p:grpSpPr>
       <p:sp>
         <p:nvSpPr>
-          <p:cNvPr id="230" name="CustomShape 1"/>
+          <p:cNvPr id="231" name="CustomShape 1"/>
           <p:cNvSpPr/>
           <p:nvPr/>
         </p:nvSpPr>
         <p:spPr>
           <a:xfrm>
             <a:off x="756360" y="5079600"/>
-            <a:ext cx="6046560" cy="4811040"/>
+            <a:ext cx="6046200" cy="4810680"/>
           </a:xfrm>
           <a:prstGeom prst="rect">
             <a:avLst/>
@@ -817,14 +833,14 @@
       </p:sp>
       <p:sp>
         <p:nvSpPr>
-          <p:cNvPr id="231" name="CustomShape 2"/>
+          <p:cNvPr id="232" name="CustomShape 2"/>
           <p:cNvSpPr/>
           <p:nvPr/>
         </p:nvSpPr>
         <p:spPr>
           <a:xfrm>
             <a:off x="4280400" y="10156320"/>
-            <a:ext cx="3276000" cy="534600"/>
+            <a:ext cx="3275640" cy="534240"/>
           </a:xfrm>
           <a:prstGeom prst="rect">
             <a:avLst/>
@@ -843,7 +859,7 @@
         <p:txBody>
           <a:bodyPr lIns="92520" rIns="92520" tIns="46080" bIns="46080" anchor="b"/>
           <a:p>
-            <a:pPr marL="216000" indent="-216000" algn="r">
+            <a:pPr marL="216000" indent="-215640" algn="r">
               <a:lnSpc>
                 <a:spcPct val="100000"/>
               </a:lnSpc>
@@ -851,11 +867,14 @@
                 <a:srgbClr val="000000"/>
               </a:buClr>
               <a:buSzPct val="45000"/>
-              <a:buFont typeface="Wingdings"/>
-              <a:buChar char="l"/>
-            </a:pPr>
-            <a:fld id="{AF81A9E0-56A7-45D6-9616-6B517C7813D8}" type="slidenum">
+              <a:buFont typeface="Wingdings" charset="2"/>
+              <a:buChar char=""/>
+            </a:pPr>
+            <a:fld id="{6C130C73-8513-48CB-8F73-5A0071130442}" type="slidenum">
               <a:rPr b="0" lang="en-US" sz="1200" spc="-1" strike="noStrike">
+                <a:solidFill>
+                  <a:srgbClr val="000000"/>
+                </a:solidFill>
                 <a:latin typeface="Arial"/>
               </a:rPr>
               <a:t>&lt;number&gt;</a:t>
@@ -890,14 +909,14 @@
       </p:grpSpPr>
       <p:sp>
         <p:nvSpPr>
-          <p:cNvPr id="232" name="CustomShape 1"/>
+          <p:cNvPr id="233" name="CustomShape 1"/>
           <p:cNvSpPr/>
           <p:nvPr/>
         </p:nvSpPr>
         <p:spPr>
           <a:xfrm>
             <a:off x="756360" y="5079600"/>
-            <a:ext cx="6046560" cy="4811040"/>
+            <a:ext cx="6046200" cy="4810680"/>
           </a:xfrm>
           <a:prstGeom prst="rect">
             <a:avLst/>
@@ -916,14 +935,14 @@
       </p:sp>
       <p:sp>
         <p:nvSpPr>
-          <p:cNvPr id="233" name="CustomShape 2"/>
+          <p:cNvPr id="234" name="CustomShape 2"/>
           <p:cNvSpPr/>
           <p:nvPr/>
         </p:nvSpPr>
         <p:spPr>
           <a:xfrm>
             <a:off x="4280400" y="10156680"/>
-            <a:ext cx="3276000" cy="534600"/>
+            <a:ext cx="3275640" cy="534240"/>
           </a:xfrm>
           <a:prstGeom prst="rect">
             <a:avLst/>
@@ -942,7 +961,7 @@
         <p:txBody>
           <a:bodyPr lIns="92520" rIns="92520" tIns="46080" bIns="46080" anchor="b"/>
           <a:p>
-            <a:pPr marL="216000" indent="-216000" algn="r">
+            <a:pPr marL="216000" indent="-215640" algn="r">
               <a:lnSpc>
                 <a:spcPct val="100000"/>
               </a:lnSpc>
@@ -950,11 +969,14 @@
                 <a:srgbClr val="000000"/>
               </a:buClr>
               <a:buSzPct val="45000"/>
-              <a:buFont typeface="Wingdings"/>
-              <a:buChar char="l"/>
-            </a:pPr>
-            <a:fld id="{5287023C-6077-4B85-84FB-CA62E7CF35AE}" type="slidenum">
+              <a:buFont typeface="Wingdings" charset="2"/>
+              <a:buChar char=""/>
+            </a:pPr>
+            <a:fld id="{E5959CE3-1844-492E-A5A5-70B64984B8A7}" type="slidenum">
               <a:rPr b="0" lang="en-US" sz="1200" spc="-1" strike="noStrike">
+                <a:solidFill>
+                  <a:srgbClr val="000000"/>
+                </a:solidFill>
                 <a:latin typeface="Arial"/>
               </a:rPr>
               <a:t>&lt;number&gt;</a:t>
@@ -989,14 +1011,14 @@
       </p:grpSpPr>
       <p:sp>
         <p:nvSpPr>
-          <p:cNvPr id="234" name="CustomShape 1"/>
+          <p:cNvPr id="235" name="CustomShape 1"/>
           <p:cNvSpPr/>
           <p:nvPr/>
         </p:nvSpPr>
         <p:spPr>
           <a:xfrm>
             <a:off x="756360" y="5079600"/>
-            <a:ext cx="6046560" cy="4811040"/>
+            <a:ext cx="6046200" cy="4810680"/>
           </a:xfrm>
           <a:prstGeom prst="rect">
             <a:avLst/>
@@ -1037,14 +1059,14 @@
       </p:grpSpPr>
       <p:sp>
         <p:nvSpPr>
-          <p:cNvPr id="235" name="CustomShape 1"/>
+          <p:cNvPr id="236" name="CustomShape 1"/>
           <p:cNvSpPr/>
           <p:nvPr/>
         </p:nvSpPr>
         <p:spPr>
           <a:xfrm>
             <a:off x="756360" y="5079600"/>
-            <a:ext cx="6046560" cy="4811040"/>
+            <a:ext cx="6046200" cy="4810680"/>
           </a:xfrm>
           <a:prstGeom prst="rect">
             <a:avLst/>
@@ -1063,14 +1085,14 @@
       </p:sp>
       <p:sp>
         <p:nvSpPr>
-          <p:cNvPr id="236" name="CustomShape 2"/>
+          <p:cNvPr id="237" name="CustomShape 2"/>
           <p:cNvSpPr/>
           <p:nvPr/>
         </p:nvSpPr>
         <p:spPr>
           <a:xfrm>
             <a:off x="4280400" y="10156320"/>
-            <a:ext cx="3276000" cy="534600"/>
+            <a:ext cx="3275640" cy="534240"/>
           </a:xfrm>
           <a:prstGeom prst="rect">
             <a:avLst/>
@@ -1089,7 +1111,7 @@
         <p:txBody>
           <a:bodyPr lIns="92520" rIns="92520" tIns="46080" bIns="46080" anchor="b"/>
           <a:p>
-            <a:pPr marL="216000" indent="-216000" algn="r">
+            <a:pPr marL="216000" indent="-215640" algn="r">
               <a:lnSpc>
                 <a:spcPct val="100000"/>
               </a:lnSpc>
@@ -1097,11 +1119,14 @@
                 <a:srgbClr val="000000"/>
               </a:buClr>
               <a:buSzPct val="45000"/>
-              <a:buFont typeface="Wingdings"/>
-              <a:buChar char="l"/>
-            </a:pPr>
-            <a:fld id="{30C3B978-B2B6-4856-8E51-2184620EFBAF}" type="slidenum">
+              <a:buFont typeface="Wingdings" charset="2"/>
+              <a:buChar char=""/>
+            </a:pPr>
+            <a:fld id="{3DB06AE0-AB8D-4555-8F94-CF182DC6E28B}" type="slidenum">
               <a:rPr b="0" lang="en-US" sz="1200" spc="-1" strike="noStrike">
+                <a:solidFill>
+                  <a:srgbClr val="000000"/>
+                </a:solidFill>
                 <a:latin typeface="Arial"/>
               </a:rPr>
               <a:t>&lt;number&gt;</a:t>
@@ -1136,14 +1161,14 @@
       </p:grpSpPr>
       <p:sp>
         <p:nvSpPr>
-          <p:cNvPr id="237" name="CustomShape 1"/>
+          <p:cNvPr id="238" name="CustomShape 1"/>
           <p:cNvSpPr/>
           <p:nvPr/>
         </p:nvSpPr>
         <p:spPr>
           <a:xfrm>
             <a:off x="756360" y="5079600"/>
-            <a:ext cx="6046560" cy="4811040"/>
+            <a:ext cx="6046200" cy="4810680"/>
           </a:xfrm>
           <a:prstGeom prst="rect">
             <a:avLst/>
@@ -1162,14 +1187,14 @@
       </p:sp>
       <p:sp>
         <p:nvSpPr>
-          <p:cNvPr id="238" name="CustomShape 2"/>
+          <p:cNvPr id="239" name="CustomShape 2"/>
           <p:cNvSpPr/>
           <p:nvPr/>
         </p:nvSpPr>
         <p:spPr>
           <a:xfrm>
             <a:off x="4280400" y="10156320"/>
-            <a:ext cx="3276000" cy="534600"/>
+            <a:ext cx="3275640" cy="534240"/>
           </a:xfrm>
           <a:prstGeom prst="rect">
             <a:avLst/>
@@ -1188,7 +1213,7 @@
         <p:txBody>
           <a:bodyPr lIns="92520" rIns="92520" tIns="46080" bIns="46080" anchor="b"/>
           <a:p>
-            <a:pPr marL="216000" indent="-216000" algn="r">
+            <a:pPr marL="216000" indent="-215640" algn="r">
               <a:lnSpc>
                 <a:spcPct val="100000"/>
               </a:lnSpc>
@@ -1196,11 +1221,14 @@
                 <a:srgbClr val="000000"/>
               </a:buClr>
               <a:buSzPct val="45000"/>
-              <a:buFont typeface="Wingdings"/>
-              <a:buChar char="l"/>
-            </a:pPr>
-            <a:fld id="{5FBA2E2D-F731-4590-8F12-1C952CEB0CEF}" type="slidenum">
+              <a:buFont typeface="Wingdings" charset="2"/>
+              <a:buChar char=""/>
+            </a:pPr>
+            <a:fld id="{CE163F12-307B-4C8E-8A9F-1A2557D3B7C2}" type="slidenum">
               <a:rPr b="0" lang="en-US" sz="1200" spc="-1" strike="noStrike">
+                <a:solidFill>
+                  <a:srgbClr val="000000"/>
+                </a:solidFill>
                 <a:latin typeface="Arial"/>
               </a:rPr>
               <a:t>&lt;number&gt;</a:t>
@@ -1235,14 +1263,14 @@
       </p:grpSpPr>
       <p:sp>
         <p:nvSpPr>
-          <p:cNvPr id="239" name="CustomShape 1"/>
+          <p:cNvPr id="240" name="CustomShape 1"/>
           <p:cNvSpPr/>
           <p:nvPr/>
         </p:nvSpPr>
         <p:spPr>
           <a:xfrm>
             <a:off x="756360" y="5079600"/>
-            <a:ext cx="6046560" cy="4811040"/>
+            <a:ext cx="6046200" cy="4810680"/>
           </a:xfrm>
           <a:prstGeom prst="rect">
             <a:avLst/>
@@ -1261,14 +1289,14 @@
       </p:sp>
       <p:sp>
         <p:nvSpPr>
-          <p:cNvPr id="240" name="CustomShape 2"/>
+          <p:cNvPr id="241" name="CustomShape 2"/>
           <p:cNvSpPr/>
           <p:nvPr/>
         </p:nvSpPr>
         <p:spPr>
           <a:xfrm>
             <a:off x="4280400" y="10156320"/>
-            <a:ext cx="3276000" cy="534600"/>
+            <a:ext cx="3275640" cy="534240"/>
           </a:xfrm>
           <a:prstGeom prst="rect">
             <a:avLst/>
@@ -1287,7 +1315,7 @@
         <p:txBody>
           <a:bodyPr lIns="92520" rIns="92520" tIns="46080" bIns="46080" anchor="b"/>
           <a:p>
-            <a:pPr marL="216000" indent="-216000" algn="r">
+            <a:pPr marL="216000" indent="-215640" algn="r">
               <a:lnSpc>
                 <a:spcPct val="100000"/>
               </a:lnSpc>
@@ -1295,11 +1323,14 @@
                 <a:srgbClr val="000000"/>
               </a:buClr>
               <a:buSzPct val="45000"/>
-              <a:buFont typeface="Wingdings"/>
-              <a:buChar char="l"/>
-            </a:pPr>
-            <a:fld id="{AA7EB07B-C544-4624-9EEC-85C0FBC9E967}" type="slidenum">
+              <a:buFont typeface="Wingdings" charset="2"/>
+              <a:buChar char=""/>
+            </a:pPr>
+            <a:fld id="{DA9E6895-C10F-44C9-89C0-644AB7229548}" type="slidenum">
               <a:rPr b="0" lang="en-US" sz="1200" spc="-1" strike="noStrike">
+                <a:solidFill>
+                  <a:srgbClr val="000000"/>
+                </a:solidFill>
                 <a:latin typeface="Arial"/>
               </a:rPr>
               <a:t>&lt;number&gt;</a:t>
@@ -1334,14 +1365,14 @@
       </p:grpSpPr>
       <p:sp>
         <p:nvSpPr>
-          <p:cNvPr id="241" name="CustomShape 1"/>
+          <p:cNvPr id="242" name="CustomShape 1"/>
           <p:cNvSpPr/>
           <p:nvPr/>
         </p:nvSpPr>
         <p:spPr>
           <a:xfrm>
             <a:off x="756360" y="5079600"/>
-            <a:ext cx="6046560" cy="4811040"/>
+            <a:ext cx="6046200" cy="4810680"/>
           </a:xfrm>
           <a:prstGeom prst="rect">
             <a:avLst/>
@@ -1360,14 +1391,14 @@
       </p:sp>
       <p:sp>
         <p:nvSpPr>
-          <p:cNvPr id="242" name="CustomShape 2"/>
+          <p:cNvPr id="243" name="CustomShape 2"/>
           <p:cNvSpPr/>
           <p:nvPr/>
         </p:nvSpPr>
         <p:spPr>
           <a:xfrm>
             <a:off x="4280400" y="10156320"/>
-            <a:ext cx="3276000" cy="534600"/>
+            <a:ext cx="3275640" cy="534240"/>
           </a:xfrm>
           <a:prstGeom prst="rect">
             <a:avLst/>
@@ -1386,7 +1417,7 @@
         <p:txBody>
           <a:bodyPr lIns="92520" rIns="92520" tIns="46080" bIns="46080" anchor="b"/>
           <a:p>
-            <a:pPr marL="216000" indent="-216000" algn="r">
+            <a:pPr marL="216000" indent="-215640" algn="r">
               <a:lnSpc>
                 <a:spcPct val="100000"/>
               </a:lnSpc>
@@ -1394,11 +1425,14 @@
                 <a:srgbClr val="000000"/>
               </a:buClr>
               <a:buSzPct val="45000"/>
-              <a:buFont typeface="Wingdings"/>
-              <a:buChar char="l"/>
-            </a:pPr>
-            <a:fld id="{233FD3B1-6755-4659-BF6C-1130D4B6460A}" type="slidenum">
+              <a:buFont typeface="Wingdings" charset="2"/>
+              <a:buChar char=""/>
+            </a:pPr>
+            <a:fld id="{99B69F6C-C085-4C81-AC66-A57B55E76F00}" type="slidenum">
               <a:rPr b="0" lang="en-US" sz="1200" spc="-1" strike="noStrike">
+                <a:solidFill>
+                  <a:srgbClr val="000000"/>
+                </a:solidFill>
                 <a:latin typeface="Arial"/>
               </a:rPr>
               <a:t>&lt;number&gt;</a:t>
@@ -1433,14 +1467,14 @@
       </p:grpSpPr>
       <p:sp>
         <p:nvSpPr>
-          <p:cNvPr id="243" name="CustomShape 1"/>
+          <p:cNvPr id="244" name="CustomShape 1"/>
           <p:cNvSpPr/>
           <p:nvPr/>
         </p:nvSpPr>
         <p:spPr>
           <a:xfrm>
             <a:off x="756360" y="5079600"/>
-            <a:ext cx="6046560" cy="4811040"/>
+            <a:ext cx="6046200" cy="4810680"/>
           </a:xfrm>
           <a:prstGeom prst="rect">
             <a:avLst/>
@@ -1459,14 +1493,14 @@
       </p:sp>
       <p:sp>
         <p:nvSpPr>
-          <p:cNvPr id="244" name="CustomShape 2"/>
+          <p:cNvPr id="245" name="CustomShape 2"/>
           <p:cNvSpPr/>
           <p:nvPr/>
         </p:nvSpPr>
         <p:spPr>
           <a:xfrm>
             <a:off x="4280400" y="10156320"/>
-            <a:ext cx="3276000" cy="534600"/>
+            <a:ext cx="3275640" cy="534240"/>
           </a:xfrm>
           <a:prstGeom prst="rect">
             <a:avLst/>
@@ -1485,7 +1519,7 @@
         <p:txBody>
           <a:bodyPr lIns="92520" rIns="92520" tIns="46080" bIns="46080" anchor="b"/>
           <a:p>
-            <a:pPr marL="216000" indent="-216000" algn="r">
+            <a:pPr marL="216000" indent="-215640" algn="r">
               <a:lnSpc>
                 <a:spcPct val="100000"/>
               </a:lnSpc>
@@ -1493,11 +1527,14 @@
                 <a:srgbClr val="000000"/>
               </a:buClr>
               <a:buSzPct val="45000"/>
-              <a:buFont typeface="Wingdings"/>
-              <a:buChar char="l"/>
-            </a:pPr>
-            <a:fld id="{AE40565C-4449-4B30-94E0-2FB9B115B003}" type="slidenum">
+              <a:buFont typeface="Wingdings" charset="2"/>
+              <a:buChar char=""/>
+            </a:pPr>
+            <a:fld id="{8DAE430C-06C9-4083-A899-A104D7346F27}" type="slidenum">
               <a:rPr b="0" lang="en-US" sz="1200" spc="-1" strike="noStrike">
+                <a:solidFill>
+                  <a:srgbClr val="000000"/>
+                </a:solidFill>
                 <a:latin typeface="Arial"/>
               </a:rPr>
               <a:t>&lt;number&gt;</a:t>
@@ -1532,14 +1569,14 @@
       </p:grpSpPr>
       <p:sp>
         <p:nvSpPr>
-          <p:cNvPr id="245" name="CustomShape 1"/>
+          <p:cNvPr id="246" name="CustomShape 1"/>
           <p:cNvSpPr/>
           <p:nvPr/>
         </p:nvSpPr>
         <p:spPr>
           <a:xfrm>
             <a:off x="756360" y="5079600"/>
-            <a:ext cx="6046560" cy="4811040"/>
+            <a:ext cx="6046200" cy="4810680"/>
           </a:xfrm>
           <a:prstGeom prst="rect">
             <a:avLst/>
@@ -1558,14 +1595,14 @@
       </p:sp>
       <p:sp>
         <p:nvSpPr>
-          <p:cNvPr id="246" name="CustomShape 2"/>
+          <p:cNvPr id="247" name="CustomShape 2"/>
           <p:cNvSpPr/>
           <p:nvPr/>
         </p:nvSpPr>
         <p:spPr>
           <a:xfrm>
             <a:off x="4280400" y="10156320"/>
-            <a:ext cx="3276000" cy="534600"/>
+            <a:ext cx="3275640" cy="534240"/>
           </a:xfrm>
           <a:prstGeom prst="rect">
             <a:avLst/>
@@ -1584,7 +1621,7 @@
         <p:txBody>
           <a:bodyPr lIns="92520" rIns="92520" tIns="46080" bIns="46080" anchor="b"/>
           <a:p>
-            <a:pPr marL="216000" indent="-216000" algn="r">
+            <a:pPr marL="216000" indent="-215640" algn="r">
               <a:lnSpc>
                 <a:spcPct val="100000"/>
               </a:lnSpc>
@@ -1592,11 +1629,14 @@
                 <a:srgbClr val="000000"/>
               </a:buClr>
               <a:buSzPct val="45000"/>
-              <a:buFont typeface="Wingdings"/>
-              <a:buChar char="l"/>
-            </a:pPr>
-            <a:fld id="{BFBFA218-768A-474A-BB59-9A4E89EE4EE8}" type="slidenum">
+              <a:buFont typeface="Wingdings" charset="2"/>
+              <a:buChar char=""/>
+            </a:pPr>
+            <a:fld id="{1A6B6D58-F1C9-4C19-A981-5E1A430973A9}" type="slidenum">
               <a:rPr b="0" lang="en-US" sz="1200" spc="-1" strike="noStrike">
+                <a:solidFill>
+                  <a:srgbClr val="000000"/>
+                </a:solidFill>
                 <a:latin typeface="Arial"/>
               </a:rPr>
               <a:t>&lt;number&gt;</a:t>
@@ -1631,14 +1671,14 @@
       </p:grpSpPr>
       <p:sp>
         <p:nvSpPr>
-          <p:cNvPr id="247" name="CustomShape 1"/>
+          <p:cNvPr id="248" name="CustomShape 1"/>
           <p:cNvSpPr/>
           <p:nvPr/>
         </p:nvSpPr>
         <p:spPr>
           <a:xfrm>
             <a:off x="756360" y="5079600"/>
-            <a:ext cx="6046560" cy="4811040"/>
+            <a:ext cx="6046200" cy="4810680"/>
           </a:xfrm>
           <a:prstGeom prst="rect">
             <a:avLst/>
@@ -1657,14 +1697,14 @@
       </p:sp>
       <p:sp>
         <p:nvSpPr>
-          <p:cNvPr id="248" name="CustomShape 2"/>
+          <p:cNvPr id="249" name="CustomShape 2"/>
           <p:cNvSpPr/>
           <p:nvPr/>
         </p:nvSpPr>
         <p:spPr>
           <a:xfrm>
             <a:off x="4280400" y="10156320"/>
-            <a:ext cx="3276000" cy="534600"/>
+            <a:ext cx="3275640" cy="534240"/>
           </a:xfrm>
           <a:prstGeom prst="rect">
             <a:avLst/>
@@ -1683,7 +1723,7 @@
         <p:txBody>
           <a:bodyPr lIns="92520" rIns="92520" tIns="46080" bIns="46080" anchor="b"/>
           <a:p>
-            <a:pPr marL="216000" indent="-216000" algn="r">
+            <a:pPr marL="216000" indent="-215640" algn="r">
               <a:lnSpc>
                 <a:spcPct val="100000"/>
               </a:lnSpc>
@@ -1691,11 +1731,14 @@
                 <a:srgbClr val="000000"/>
               </a:buClr>
               <a:buSzPct val="45000"/>
-              <a:buFont typeface="Wingdings"/>
-              <a:buChar char="l"/>
-            </a:pPr>
-            <a:fld id="{A0AF1C65-8415-45BE-83D2-3C9FC5066E94}" type="slidenum">
+              <a:buFont typeface="Wingdings" charset="2"/>
+              <a:buChar char=""/>
+            </a:pPr>
+            <a:fld id="{5FF629F7-8A6B-46F0-BE18-6BF0C1A5043A}" type="slidenum">
               <a:rPr b="0" lang="en-US" sz="1200" spc="-1" strike="noStrike">
+                <a:solidFill>
+                  <a:srgbClr val="000000"/>
+                </a:solidFill>
                 <a:latin typeface="Arial"/>
               </a:rPr>
               <a:t>&lt;number&gt;</a:t>
@@ -1730,14 +1773,14 @@
       </p:grpSpPr>
       <p:sp>
         <p:nvSpPr>
-          <p:cNvPr id="249" name="CustomShape 1"/>
+          <p:cNvPr id="250" name="CustomShape 1"/>
           <p:cNvSpPr/>
           <p:nvPr/>
         </p:nvSpPr>
         <p:spPr>
           <a:xfrm>
             <a:off x="756360" y="5079600"/>
-            <a:ext cx="6046560" cy="4811040"/>
+            <a:ext cx="6046200" cy="4810680"/>
           </a:xfrm>
           <a:prstGeom prst="rect">
             <a:avLst/>
@@ -1756,14 +1799,14 @@
       </p:sp>
       <p:sp>
         <p:nvSpPr>
-          <p:cNvPr id="250" name="CustomShape 2"/>
+          <p:cNvPr id="251" name="CustomShape 2"/>
           <p:cNvSpPr/>
           <p:nvPr/>
         </p:nvSpPr>
         <p:spPr>
           <a:xfrm>
             <a:off x="4280400" y="10156320"/>
-            <a:ext cx="3276000" cy="534600"/>
+            <a:ext cx="3275640" cy="534240"/>
           </a:xfrm>
           <a:prstGeom prst="rect">
             <a:avLst/>
@@ -1782,7 +1825,7 @@
         <p:txBody>
           <a:bodyPr lIns="92520" rIns="92520" tIns="46080" bIns="46080" anchor="b"/>
           <a:p>
-            <a:pPr marL="216000" indent="-216000" algn="r">
+            <a:pPr marL="216000" indent="-215640" algn="r">
               <a:lnSpc>
                 <a:spcPct val="100000"/>
               </a:lnSpc>
@@ -1790,11 +1833,14 @@
                 <a:srgbClr val="000000"/>
               </a:buClr>
               <a:buSzPct val="45000"/>
-              <a:buFont typeface="Wingdings"/>
-              <a:buChar char="l"/>
-            </a:pPr>
-            <a:fld id="{14CAAC20-FC8F-4AEC-BA4E-B371ED69B848}" type="slidenum">
+              <a:buFont typeface="Wingdings" charset="2"/>
+              <a:buChar char=""/>
+            </a:pPr>
+            <a:fld id="{168AF01F-0D4C-4510-8556-0D9A28F28C75}" type="slidenum">
               <a:rPr b="0" lang="en-US" sz="1200" spc="-1" strike="noStrike">
+                <a:solidFill>
+                  <a:srgbClr val="000000"/>
+                </a:solidFill>
                 <a:latin typeface="Arial"/>
               </a:rPr>
               <a:t>&lt;number&gt;</a:t>
@@ -1829,14 +1875,14 @@
       </p:grpSpPr>
       <p:sp>
         <p:nvSpPr>
-          <p:cNvPr id="251" name="CustomShape 1"/>
+          <p:cNvPr id="252" name="CustomShape 1"/>
           <p:cNvSpPr/>
           <p:nvPr/>
         </p:nvSpPr>
         <p:spPr>
           <a:xfrm>
             <a:off x="756360" y="5079600"/>
-            <a:ext cx="6046560" cy="4811040"/>
+            <a:ext cx="6046200" cy="4810680"/>
           </a:xfrm>
           <a:prstGeom prst="rect">
             <a:avLst/>
@@ -1855,14 +1901,14 @@
       </p:sp>
       <p:sp>
         <p:nvSpPr>
-          <p:cNvPr id="252" name="CustomShape 2"/>
+          <p:cNvPr id="253" name="CustomShape 2"/>
           <p:cNvSpPr/>
           <p:nvPr/>
         </p:nvSpPr>
         <p:spPr>
           <a:xfrm>
             <a:off x="4280400" y="10156320"/>
-            <a:ext cx="3276000" cy="534600"/>
+            <a:ext cx="3275640" cy="534240"/>
           </a:xfrm>
           <a:prstGeom prst="rect">
             <a:avLst/>
@@ -1881,7 +1927,7 @@
         <p:txBody>
           <a:bodyPr lIns="92520" rIns="92520" tIns="46080" bIns="46080" anchor="b"/>
           <a:p>
-            <a:pPr marL="216000" indent="-216000" algn="r">
+            <a:pPr marL="216000" indent="-215640" algn="r">
               <a:lnSpc>
                 <a:spcPct val="100000"/>
               </a:lnSpc>
@@ -1889,11 +1935,14 @@
                 <a:srgbClr val="000000"/>
               </a:buClr>
               <a:buSzPct val="45000"/>
-              <a:buFont typeface="Wingdings"/>
-              <a:buChar char="l"/>
-            </a:pPr>
-            <a:fld id="{5F17375A-3E92-4049-AFD2-17967C41EF20}" type="slidenum">
+              <a:buFont typeface="Wingdings" charset="2"/>
+              <a:buChar char=""/>
+            </a:pPr>
+            <a:fld id="{A96C4427-08AB-4D2D-8924-1BE167064952}" type="slidenum">
               <a:rPr b="0" lang="en-US" sz="1200" spc="-1" strike="noStrike">
+                <a:solidFill>
+                  <a:srgbClr val="000000"/>
+                </a:solidFill>
                 <a:latin typeface="Arial"/>
               </a:rPr>
               <a:t>&lt;number&gt;</a:t>
@@ -1928,14 +1977,14 @@
       </p:grpSpPr>
       <p:sp>
         <p:nvSpPr>
-          <p:cNvPr id="253" name="CustomShape 1"/>
+          <p:cNvPr id="254" name="CustomShape 1"/>
           <p:cNvSpPr/>
           <p:nvPr/>
         </p:nvSpPr>
         <p:spPr>
           <a:xfrm>
             <a:off x="756360" y="5079600"/>
-            <a:ext cx="6046560" cy="4811040"/>
+            <a:ext cx="6046200" cy="4810680"/>
           </a:xfrm>
           <a:prstGeom prst="rect">
             <a:avLst/>
@@ -1954,14 +2003,14 @@
       </p:sp>
       <p:sp>
         <p:nvSpPr>
-          <p:cNvPr id="254" name="CustomShape 2"/>
+          <p:cNvPr id="255" name="CustomShape 2"/>
           <p:cNvSpPr/>
           <p:nvPr/>
         </p:nvSpPr>
         <p:spPr>
           <a:xfrm>
             <a:off x="4280400" y="10156320"/>
-            <a:ext cx="3276000" cy="534600"/>
+            <a:ext cx="3275640" cy="534240"/>
           </a:xfrm>
           <a:prstGeom prst="rect">
             <a:avLst/>
@@ -1980,7 +2029,7 @@
         <p:txBody>
           <a:bodyPr lIns="92520" rIns="92520" tIns="46080" bIns="46080" anchor="b"/>
           <a:p>
-            <a:pPr marL="216000" indent="-216000" algn="r">
+            <a:pPr marL="216000" indent="-215640" algn="r">
               <a:lnSpc>
                 <a:spcPct val="100000"/>
               </a:lnSpc>
@@ -1988,11 +2037,14 @@
                 <a:srgbClr val="000000"/>
               </a:buClr>
               <a:buSzPct val="45000"/>
-              <a:buFont typeface="Wingdings"/>
-              <a:buChar char="l"/>
-            </a:pPr>
-            <a:fld id="{DD77E006-B04C-40E8-B857-58CBFD43DEEC}" type="slidenum">
+              <a:buFont typeface="Wingdings" charset="2"/>
+              <a:buChar char=""/>
+            </a:pPr>
+            <a:fld id="{EE3A4147-B660-48DB-AA2F-0F5C9698E671}" type="slidenum">
               <a:rPr b="0" lang="en-US" sz="1200" spc="-1" strike="noStrike">
+                <a:solidFill>
+                  <a:srgbClr val="000000"/>
+                </a:solidFill>
                 <a:latin typeface="Arial"/>
               </a:rPr>
               <a:t>&lt;number&gt;</a:t>
@@ -2027,14 +2079,14 @@
       </p:grpSpPr>
       <p:sp>
         <p:nvSpPr>
-          <p:cNvPr id="255" name="CustomShape 1"/>
+          <p:cNvPr id="256" name="CustomShape 1"/>
           <p:cNvSpPr/>
           <p:nvPr/>
         </p:nvSpPr>
         <p:spPr>
           <a:xfrm>
             <a:off x="756360" y="5079600"/>
-            <a:ext cx="6046560" cy="4811040"/>
+            <a:ext cx="6046200" cy="4810680"/>
           </a:xfrm>
           <a:prstGeom prst="rect">
             <a:avLst/>
@@ -2075,14 +2127,14 @@
       </p:grpSpPr>
       <p:sp>
         <p:nvSpPr>
-          <p:cNvPr id="256" name="CustomShape 1"/>
+          <p:cNvPr id="257" name="CustomShape 1"/>
           <p:cNvSpPr/>
           <p:nvPr/>
         </p:nvSpPr>
         <p:spPr>
           <a:xfrm>
             <a:off x="756360" y="5079600"/>
-            <a:ext cx="6046560" cy="4811040"/>
+            <a:ext cx="6046200" cy="4810680"/>
           </a:xfrm>
           <a:prstGeom prst="rect">
             <a:avLst/>
@@ -2101,14 +2153,14 @@
       </p:sp>
       <p:sp>
         <p:nvSpPr>
-          <p:cNvPr id="257" name="CustomShape 2"/>
+          <p:cNvPr id="258" name="CustomShape 2"/>
           <p:cNvSpPr/>
           <p:nvPr/>
         </p:nvSpPr>
         <p:spPr>
           <a:xfrm>
             <a:off x="4280400" y="10156320"/>
-            <a:ext cx="3275640" cy="534600"/>
+            <a:ext cx="3275280" cy="534240"/>
           </a:xfrm>
           <a:prstGeom prst="rect">
             <a:avLst/>
@@ -2127,7 +2179,7 @@
         <p:txBody>
           <a:bodyPr lIns="92520" rIns="92520" tIns="46080" bIns="46080" anchor="b"/>
           <a:p>
-            <a:pPr marL="216000" indent="-216000" algn="r">
+            <a:pPr marL="216000" indent="-215640" algn="r">
               <a:lnSpc>
                 <a:spcPct val="100000"/>
               </a:lnSpc>
@@ -2135,11 +2187,14 @@
                 <a:srgbClr val="000000"/>
               </a:buClr>
               <a:buSzPct val="45000"/>
-              <a:buFont typeface="Wingdings"/>
-              <a:buChar char="l"/>
-            </a:pPr>
-            <a:fld id="{F00ECC3E-ED60-42D6-B766-03B27850E6EE}" type="slidenum">
+              <a:buFont typeface="Wingdings" charset="2"/>
+              <a:buChar char=""/>
+            </a:pPr>
+            <a:fld id="{F63A04BB-743C-4A07-9BA9-B892A17D14F2}" type="slidenum">
               <a:rPr b="0" lang="en-US" sz="1200" spc="-1" strike="noStrike">
+                <a:solidFill>
+                  <a:srgbClr val="000000"/>
+                </a:solidFill>
                 <a:latin typeface="Arial"/>
               </a:rPr>
               <a:t>&lt;number&gt;</a:t>
@@ -2174,14 +2229,14 @@
       </p:grpSpPr>
       <p:sp>
         <p:nvSpPr>
-          <p:cNvPr id="258" name="CustomShape 1"/>
+          <p:cNvPr id="259" name="CustomShape 1"/>
           <p:cNvSpPr/>
           <p:nvPr/>
         </p:nvSpPr>
         <p:spPr>
           <a:xfrm>
             <a:off x="756360" y="5079600"/>
-            <a:ext cx="6046560" cy="4811040"/>
+            <a:ext cx="6046200" cy="4810680"/>
           </a:xfrm>
           <a:prstGeom prst="rect">
             <a:avLst/>
@@ -2200,14 +2255,14 @@
       </p:sp>
       <p:sp>
         <p:nvSpPr>
-          <p:cNvPr id="259" name="CustomShape 2"/>
+          <p:cNvPr id="260" name="CustomShape 2"/>
           <p:cNvSpPr/>
           <p:nvPr/>
         </p:nvSpPr>
         <p:spPr>
           <a:xfrm>
             <a:off x="4280400" y="10156320"/>
-            <a:ext cx="3275640" cy="534600"/>
+            <a:ext cx="3275280" cy="534240"/>
           </a:xfrm>
           <a:prstGeom prst="rect">
             <a:avLst/>
@@ -2226,7 +2281,7 @@
         <p:txBody>
           <a:bodyPr lIns="92520" rIns="92520" tIns="46080" bIns="46080" anchor="b"/>
           <a:p>
-            <a:pPr marL="216000" indent="-216000" algn="r">
+            <a:pPr marL="216000" indent="-215640" algn="r">
               <a:lnSpc>
                 <a:spcPct val="100000"/>
               </a:lnSpc>
@@ -2234,11 +2289,14 @@
                 <a:srgbClr val="000000"/>
               </a:buClr>
               <a:buSzPct val="45000"/>
-              <a:buFont typeface="Wingdings"/>
-              <a:buChar char="l"/>
-            </a:pPr>
-            <a:fld id="{E79E9B81-BA55-4525-910F-FD5AAE1E0A0C}" type="slidenum">
+              <a:buFont typeface="Wingdings" charset="2"/>
+              <a:buChar char=""/>
+            </a:pPr>
+            <a:fld id="{1CF2121C-9B58-47BA-AFBE-25998968E03D}" type="slidenum">
               <a:rPr b="0" lang="en-US" sz="1200" spc="-1" strike="noStrike">
+                <a:solidFill>
+                  <a:srgbClr val="000000"/>
+                </a:solidFill>
                 <a:latin typeface="Arial"/>
               </a:rPr>
               <a:t>&lt;number&gt;</a:t>
@@ -6280,7 +6338,7 @@
         <p:spPr>
           <a:xfrm>
             <a:off x="504000" y="301320"/>
-            <a:ext cx="9071280" cy="1262160"/>
+            <a:ext cx="9071640" cy="1261440"/>
           </a:xfrm>
           <a:prstGeom prst="rect">
             <a:avLst/>
@@ -6314,7 +6372,7 @@
         <p:spPr>
           <a:xfrm>
             <a:off x="504000" y="1768680"/>
-            <a:ext cx="9072000" cy="4384080"/>
+            <a:ext cx="9071640" cy="4383720"/>
           </a:xfrm>
           <a:prstGeom prst="rect">
             <a:avLst/>
@@ -6337,12 +6395,12 @@
               <a:buChar char=""/>
             </a:pPr>
             <a:r>
-              <a:rPr b="0" lang="en-US" sz="3200" spc="-1" strike="noStrike">
+              <a:rPr b="0" lang="en-US" sz="1800" spc="-1" strike="noStrike">
                 <a:latin typeface="Arial"/>
               </a:rPr>
               <a:t>Click to edit the outline text format</a:t>
             </a:r>
-            <a:endParaRPr b="0" lang="en-US" sz="3200" spc="-1" strike="noStrike">
+            <a:endParaRPr b="0" lang="en-US" sz="1800" spc="-1" strike="noStrike">
               <a:latin typeface="Arial"/>
             </a:endParaRPr>
           </a:p>
@@ -6359,12 +6417,12 @@
               <a:buChar char=""/>
             </a:pPr>
             <a:r>
-              <a:rPr b="0" lang="en-US" sz="2800" spc="-1" strike="noStrike">
+              <a:rPr b="0" lang="en-US" sz="1800" spc="-1" strike="noStrike">
                 <a:latin typeface="Arial"/>
               </a:rPr>
               <a:t>Second Outline Level</a:t>
             </a:r>
-            <a:endParaRPr b="0" lang="en-US" sz="2800" spc="-1" strike="noStrike">
+            <a:endParaRPr b="0" lang="en-US" sz="1800" spc="-1" strike="noStrike">
               <a:latin typeface="Arial"/>
             </a:endParaRPr>
           </a:p>
@@ -6381,12 +6439,12 @@
               <a:buChar char=""/>
             </a:pPr>
             <a:r>
-              <a:rPr b="0" lang="en-US" sz="2400" spc="-1" strike="noStrike">
+              <a:rPr b="0" lang="en-US" sz="1800" spc="-1" strike="noStrike">
                 <a:latin typeface="Arial"/>
               </a:rPr>
               <a:t>Third Outline Level</a:t>
             </a:r>
-            <a:endParaRPr b="0" lang="en-US" sz="2400" spc="-1" strike="noStrike">
+            <a:endParaRPr b="0" lang="en-US" sz="1800" spc="-1" strike="noStrike">
               <a:latin typeface="Arial"/>
             </a:endParaRPr>
           </a:p>
@@ -6403,12 +6461,12 @@
               <a:buChar char=""/>
             </a:pPr>
             <a:r>
-              <a:rPr b="0" lang="en-US" sz="2000" spc="-1" strike="noStrike">
+              <a:rPr b="0" lang="en-US" sz="1800" spc="-1" strike="noStrike">
                 <a:latin typeface="Arial"/>
               </a:rPr>
               <a:t>Fourth Outline Level</a:t>
             </a:r>
-            <a:endParaRPr b="0" lang="en-US" sz="2000" spc="-1" strike="noStrike">
+            <a:endParaRPr b="0" lang="en-US" sz="1800" spc="-1" strike="noStrike">
               <a:latin typeface="Arial"/>
             </a:endParaRPr>
           </a:p>
@@ -6425,12 +6483,12 @@
               <a:buChar char=""/>
             </a:pPr>
             <a:r>
-              <a:rPr b="0" lang="en-US" sz="2000" spc="-1" strike="noStrike">
+              <a:rPr b="0" lang="en-US" sz="1800" spc="-1" strike="noStrike">
                 <a:latin typeface="Arial"/>
               </a:rPr>
               <a:t>Fifth Outline Level</a:t>
             </a:r>
-            <a:endParaRPr b="0" lang="en-US" sz="2000" spc="-1" strike="noStrike">
+            <a:endParaRPr b="0" lang="en-US" sz="1800" spc="-1" strike="noStrike">
               <a:latin typeface="Arial"/>
             </a:endParaRPr>
           </a:p>
@@ -6447,12 +6505,12 @@
               <a:buChar char=""/>
             </a:pPr>
             <a:r>
-              <a:rPr b="0" lang="en-US" sz="2000" spc="-1" strike="noStrike">
+              <a:rPr b="0" lang="en-US" sz="1800" spc="-1" strike="noStrike">
                 <a:latin typeface="Arial"/>
               </a:rPr>
               <a:t>Sixth Outline Level</a:t>
             </a:r>
-            <a:endParaRPr b="0" lang="en-US" sz="2000" spc="-1" strike="noStrike">
+            <a:endParaRPr b="0" lang="en-US" sz="1800" spc="-1" strike="noStrike">
               <a:latin typeface="Arial"/>
             </a:endParaRPr>
           </a:p>
@@ -6469,12 +6527,12 @@
               <a:buChar char=""/>
             </a:pPr>
             <a:r>
-              <a:rPr b="0" lang="en-US" sz="2000" spc="-1" strike="noStrike">
+              <a:rPr b="0" lang="en-US" sz="1800" spc="-1" strike="noStrike">
                 <a:latin typeface="Arial"/>
               </a:rPr>
               <a:t>Seventh Outline Level</a:t>
             </a:r>
-            <a:endParaRPr b="0" lang="en-US" sz="2000" spc="-1" strike="noStrike">
+            <a:endParaRPr b="0" lang="en-US" sz="1800" spc="-1" strike="noStrike">
               <a:latin typeface="Arial"/>
             </a:endParaRPr>
           </a:p>
@@ -6530,7 +6588,7 @@
         <p:spPr>
           <a:xfrm>
             <a:off x="504000" y="301320"/>
-            <a:ext cx="9071280" cy="1262160"/>
+            <a:ext cx="9072000" cy="1261800"/>
           </a:xfrm>
           <a:prstGeom prst="rect">
             <a:avLst/>
@@ -6539,13 +6597,14 @@
         <p:txBody>
           <a:bodyPr lIns="0" rIns="0" tIns="0" bIns="0" anchor="ctr"/>
           <a:p>
-            <a:r>
-              <a:rPr b="0" lang="en-US" sz="1800" spc="-1" strike="noStrike">
+            <a:pPr algn="ctr"/>
+            <a:r>
+              <a:rPr b="0" lang="en-US" sz="4400" spc="-1" strike="noStrike">
                 <a:latin typeface="Arial"/>
               </a:rPr>
               <a:t>Click to edit the title text format</a:t>
             </a:r>
-            <a:endParaRPr b="0" lang="en-US" sz="1800" spc="-1" strike="noStrike">
+            <a:endParaRPr b="0" lang="en-US" sz="4400" spc="-1" strike="noStrike">
               <a:latin typeface="Arial"/>
             </a:endParaRPr>
           </a:p>
@@ -6563,15 +6622,17 @@
         </p:nvSpPr>
         <p:spPr>
           <a:xfrm>
-            <a:off x="504000" y="1769040"/>
-            <a:ext cx="9071280" cy="4384080"/>
-          </a:xfrm>
-          <a:prstGeom prst="rect">
-            <a:avLst/>
-          </a:prstGeom>
-        </p:spPr>
-        <p:txBody>
-          <a:bodyPr lIns="0" rIns="0" tIns="0" bIns="0"/>
+            <a:off x="504000" y="1768680"/>
+            <a:ext cx="9072000" cy="4384080"/>
+          </a:xfrm>
+          <a:prstGeom prst="rect">
+            <a:avLst/>
+          </a:prstGeom>
+        </p:spPr>
+        <p:txBody>
+          <a:bodyPr lIns="0" rIns="0" tIns="0" bIns="0">
+            <a:normAutofit/>
+          </a:bodyPr>
           <a:p>
             <a:pPr marL="432000" indent="-324000">
               <a:spcBef>
@@ -6585,12 +6646,12 @@
               <a:buChar char=""/>
             </a:pPr>
             <a:r>
-              <a:rPr b="0" lang="en-US" sz="1800" spc="-1" strike="noStrike">
+              <a:rPr b="0" lang="en-US" sz="3200" spc="-1" strike="noStrike">
                 <a:latin typeface="Arial"/>
               </a:rPr>
               <a:t>Click to edit the outline text format</a:t>
             </a:r>
-            <a:endParaRPr b="0" lang="en-US" sz="1800" spc="-1" strike="noStrike">
+            <a:endParaRPr b="0" lang="en-US" sz="3200" spc="-1" strike="noStrike">
               <a:latin typeface="Arial"/>
             </a:endParaRPr>
           </a:p>
@@ -6607,12 +6668,12 @@
               <a:buChar char=""/>
             </a:pPr>
             <a:r>
-              <a:rPr b="0" lang="en-US" sz="1800" spc="-1" strike="noStrike">
+              <a:rPr b="0" lang="en-US" sz="2800" spc="-1" strike="noStrike">
                 <a:latin typeface="Arial"/>
               </a:rPr>
               <a:t>Second Outline Level</a:t>
             </a:r>
-            <a:endParaRPr b="0" lang="en-US" sz="1800" spc="-1" strike="noStrike">
+            <a:endParaRPr b="0" lang="en-US" sz="2800" spc="-1" strike="noStrike">
               <a:latin typeface="Arial"/>
             </a:endParaRPr>
           </a:p>
@@ -6629,12 +6690,12 @@
               <a:buChar char=""/>
             </a:pPr>
             <a:r>
-              <a:rPr b="0" lang="en-US" sz="1800" spc="-1" strike="noStrike">
+              <a:rPr b="0" lang="en-US" sz="2400" spc="-1" strike="noStrike">
                 <a:latin typeface="Arial"/>
               </a:rPr>
               <a:t>Third Outline Level</a:t>
             </a:r>
-            <a:endParaRPr b="0" lang="en-US" sz="1800" spc="-1" strike="noStrike">
+            <a:endParaRPr b="0" lang="en-US" sz="2400" spc="-1" strike="noStrike">
               <a:latin typeface="Arial"/>
             </a:endParaRPr>
           </a:p>
@@ -6651,12 +6712,12 @@
               <a:buChar char=""/>
             </a:pPr>
             <a:r>
-              <a:rPr b="0" lang="en-US" sz="1800" spc="-1" strike="noStrike">
+              <a:rPr b="0" lang="en-US" sz="2000" spc="-1" strike="noStrike">
                 <a:latin typeface="Arial"/>
               </a:rPr>
               <a:t>Fourth Outline Level</a:t>
             </a:r>
-            <a:endParaRPr b="0" lang="en-US" sz="1800" spc="-1" strike="noStrike">
+            <a:endParaRPr b="0" lang="en-US" sz="2000" spc="-1" strike="noStrike">
               <a:latin typeface="Arial"/>
             </a:endParaRPr>
           </a:p>
@@ -6673,12 +6734,12 @@
               <a:buChar char=""/>
             </a:pPr>
             <a:r>
-              <a:rPr b="0" lang="en-US" sz="1800" spc="-1" strike="noStrike">
+              <a:rPr b="0" lang="en-US" sz="2000" spc="-1" strike="noStrike">
                 <a:latin typeface="Arial"/>
               </a:rPr>
               <a:t>Fifth Outline Level</a:t>
             </a:r>
-            <a:endParaRPr b="0" lang="en-US" sz="1800" spc="-1" strike="noStrike">
+            <a:endParaRPr b="0" lang="en-US" sz="2000" spc="-1" strike="noStrike">
               <a:latin typeface="Arial"/>
             </a:endParaRPr>
           </a:p>
@@ -6695,12 +6756,12 @@
               <a:buChar char=""/>
             </a:pPr>
             <a:r>
-              <a:rPr b="0" lang="en-US" sz="1800" spc="-1" strike="noStrike">
+              <a:rPr b="0" lang="en-US" sz="2000" spc="-1" strike="noStrike">
                 <a:latin typeface="Arial"/>
               </a:rPr>
               <a:t>Sixth Outline Level</a:t>
             </a:r>
-            <a:endParaRPr b="0" lang="en-US" sz="1800" spc="-1" strike="noStrike">
+            <a:endParaRPr b="0" lang="en-US" sz="2000" spc="-1" strike="noStrike">
               <a:latin typeface="Arial"/>
             </a:endParaRPr>
           </a:p>
@@ -6717,12 +6778,12 @@
               <a:buChar char=""/>
             </a:pPr>
             <a:r>
-              <a:rPr b="0" lang="en-US" sz="1800" spc="-1" strike="noStrike">
+              <a:rPr b="0" lang="en-US" sz="2000" spc="-1" strike="noStrike">
                 <a:latin typeface="Arial"/>
               </a:rPr>
               <a:t>Seventh Outline Level</a:t>
             </a:r>
-            <a:endParaRPr b="0" lang="en-US" sz="1800" spc="-1" strike="noStrike">
+            <a:endParaRPr b="0" lang="en-US" sz="2000" spc="-1" strike="noStrike">
               <a:latin typeface="Arial"/>
             </a:endParaRPr>
           </a:p>
@@ -7025,7 +7086,7 @@
         <p:spPr>
           <a:xfrm>
             <a:off x="504000" y="747000"/>
-            <a:ext cx="9071280" cy="3758400"/>
+            <a:ext cx="9070920" cy="3758040"/>
           </a:xfrm>
           <a:prstGeom prst="rect">
             <a:avLst/>
@@ -7044,12 +7105,18 @@
         <p:txBody>
           <a:bodyPr lIns="0" rIns="0" tIns="0" bIns="0" anchor="ctr"/>
           <a:p>
+            <a:pPr>
+              <a:lnSpc>
+                <a:spcPct val="100000"/>
+              </a:lnSpc>
+            </a:pPr>
             <a:r>
               <a:rPr b="1" lang="en-US" sz="4400" spc="-1" strike="noStrike">
                 <a:solidFill>
                   <a:srgbClr val="572314"/>
                 </a:solidFill>
                 <a:latin typeface="Arial"/>
+                <a:ea typeface="DejaVu Sans"/>
               </a:rPr>
               <a:t>COMPUTER   ORGANISATION </a:t>
             </a:r>
@@ -7058,12 +7125,18 @@
             </a:endParaRPr>
           </a:p>
           <a:p>
+            <a:pPr>
+              <a:lnSpc>
+                <a:spcPct val="100000"/>
+              </a:lnSpc>
+            </a:pPr>
             <a:r>
               <a:rPr b="1" lang="en-US" sz="4400" spc="-1" strike="noStrike">
                 <a:solidFill>
                   <a:srgbClr val="572314"/>
                 </a:solidFill>
                 <a:latin typeface="Arial"/>
+                <a:ea typeface="DejaVu Sans"/>
               </a:rPr>
               <a:t>&amp;</a:t>
             </a:r>
@@ -7072,12 +7145,18 @@
             </a:endParaRPr>
           </a:p>
           <a:p>
+            <a:pPr>
+              <a:lnSpc>
+                <a:spcPct val="100000"/>
+              </a:lnSpc>
+            </a:pPr>
             <a:r>
               <a:rPr b="1" lang="en-US" sz="4400" spc="-1" strike="noStrike">
                 <a:solidFill>
                   <a:srgbClr val="572314"/>
                 </a:solidFill>
                 <a:latin typeface="Arial"/>
+                <a:ea typeface="DejaVu Sans"/>
               </a:rPr>
               <a:t>    </a:t>
             </a:r>
@@ -7087,6 +7166,7 @@
                   <a:srgbClr val="572314"/>
                 </a:solidFill>
                 <a:latin typeface="Arial"/>
+                <a:ea typeface="DejaVu Sans"/>
               </a:rPr>
               <a:t>ARCHITECTURE</a:t>
             </a:r>
@@ -7095,11 +7175,21 @@
             </a:endParaRPr>
           </a:p>
           <a:p>
+            <a:pPr>
+              <a:lnSpc>
+                <a:spcPct val="100000"/>
+              </a:lnSpc>
+            </a:pPr>
             <a:endParaRPr b="0" lang="en-US" sz="4400" spc="-1" strike="noStrike">
               <a:latin typeface="Arial"/>
             </a:endParaRPr>
           </a:p>
           <a:p>
+            <a:pPr>
+              <a:lnSpc>
+                <a:spcPct val="100000"/>
+              </a:lnSpc>
+            </a:pPr>
             <a:endParaRPr b="0" lang="en-US" sz="4400" spc="-1" strike="noStrike">
               <a:latin typeface="Arial"/>
             </a:endParaRPr>
@@ -7125,7 +7215,7 @@
         <p:spPr>
           <a:xfrm>
             <a:off x="504000" y="1769040"/>
-            <a:ext cx="9071280" cy="4384080"/>
+            <a:ext cx="9070920" cy="4383720"/>
           </a:xfrm>
           <a:prstGeom prst="rect">
             <a:avLst/>
@@ -7151,7 +7241,11 @@
             </a:pPr>
             <a:r>
               <a:rPr b="0" lang="en-US" sz="3200" spc="-1" strike="noStrike">
-                <a:latin typeface="Arial"/>
+                <a:solidFill>
+                  <a:srgbClr val="000000"/>
+                </a:solidFill>
+                <a:latin typeface="Arial"/>
+                <a:ea typeface="DejaVu Sans"/>
               </a:rPr>
               <a:t>Instructor:Paul kisambira</a:t>
             </a:r>
@@ -7167,7 +7261,11 @@
             </a:pPr>
             <a:r>
               <a:rPr b="0" lang="en-US" sz="3200" spc="-1" strike="noStrike">
-                <a:latin typeface="Arial"/>
+                <a:solidFill>
+                  <a:srgbClr val="000000"/>
+                </a:solidFill>
+                <a:latin typeface="Arial"/>
+                <a:ea typeface="DejaVu Sans"/>
               </a:rPr>
               <a:t>Email: pkisambira@ucu.ac.ug</a:t>
             </a:r>
@@ -7235,7 +7333,7 @@
         <p:spPr>
           <a:xfrm>
             <a:off x="504000" y="301320"/>
-            <a:ext cx="9071280" cy="1261800"/>
+            <a:ext cx="9070920" cy="1261440"/>
           </a:xfrm>
           <a:prstGeom prst="rect">
             <a:avLst/>
@@ -7261,7 +7359,11 @@
             </a:pPr>
             <a:r>
               <a:rPr b="1" lang="en-US" sz="3900" spc="-1" strike="noStrike">
-                <a:latin typeface="Arial"/>
+                <a:solidFill>
+                  <a:srgbClr val="000000"/>
+                </a:solidFill>
+                <a:latin typeface="Arial"/>
+                <a:ea typeface="DejaVu Sans"/>
               </a:rPr>
               <a:t>Distinction btn Arch. And Org</a:t>
             </a:r>
@@ -7280,7 +7382,7 @@
         <p:spPr>
           <a:xfrm>
             <a:off x="504000" y="1769040"/>
-            <a:ext cx="9071280" cy="4384080"/>
+            <a:ext cx="9070920" cy="4383720"/>
           </a:xfrm>
           <a:prstGeom prst="rect">
             <a:avLst/>
@@ -7306,7 +7408,11 @@
             </a:pPr>
             <a:r>
               <a:rPr b="0" lang="en-US" sz="3200" spc="-1" strike="noStrike">
-                <a:latin typeface="Arial"/>
+                <a:solidFill>
+                  <a:srgbClr val="000000"/>
+                </a:solidFill>
+                <a:latin typeface="Arial"/>
+                <a:ea typeface="DejaVu Sans"/>
               </a:rPr>
               <a:t>Different models in the family have different price and performance characteristics. </a:t>
             </a:r>
@@ -7322,7 +7428,11 @@
             </a:pPr>
             <a:r>
               <a:rPr b="0" lang="en-US" sz="3200" spc="-1" strike="noStrike">
-                <a:latin typeface="Arial"/>
+                <a:solidFill>
+                  <a:srgbClr val="000000"/>
+                </a:solidFill>
+                <a:latin typeface="Arial"/>
+                <a:ea typeface="DejaVu Sans"/>
               </a:rPr>
               <a:t>Its organization changes with the changing technology. An example is the IBM system/370 architecture. </a:t>
             </a:r>
@@ -7338,7 +7448,11 @@
             </a:pPr>
             <a:r>
               <a:rPr b="0" lang="en-US" sz="3200" spc="-1" strike="noStrike">
-                <a:latin typeface="Arial"/>
+                <a:solidFill>
+                  <a:srgbClr val="000000"/>
+                </a:solidFill>
+                <a:latin typeface="Arial"/>
+                <a:ea typeface="DejaVu Sans"/>
               </a:rPr>
               <a:t>This architecture was first introduced in 1970’s and included a number of models.</a:t>
             </a:r>
@@ -7354,7 +7468,11 @@
             </a:pPr>
             <a:r>
               <a:rPr b="0" lang="en-US" sz="3200" spc="-1" strike="noStrike">
-                <a:latin typeface="Arial"/>
+                <a:solidFill>
+                  <a:srgbClr val="000000"/>
+                </a:solidFill>
+                <a:latin typeface="Arial"/>
+                <a:ea typeface="DejaVu Sans"/>
               </a:rPr>
               <a:t>Furthermore, an architecture may survive many years, but its organization changes with changing technology</a:t>
             </a:r>
@@ -7422,7 +7540,7 @@
         <p:spPr>
           <a:xfrm>
             <a:off x="1581840" y="302400"/>
-            <a:ext cx="8266680" cy="1628640"/>
+            <a:ext cx="8266320" cy="1628280"/>
           </a:xfrm>
           <a:prstGeom prst="rect">
             <a:avLst/>
@@ -7441,7 +7559,7 @@
         <p:txBody>
           <a:bodyPr lIns="90000" rIns="90000" tIns="45000" bIns="45000" anchor="ctr"/>
           <a:p>
-            <a:pPr marL="216000" indent="-216000" algn="ctr">
+            <a:pPr marL="216000" indent="-215640" algn="ctr">
               <a:lnSpc>
                 <a:spcPct val="100000"/>
               </a:lnSpc>
@@ -7449,12 +7567,16 @@
                 <a:srgbClr val="000000"/>
               </a:buClr>
               <a:buSzPct val="45000"/>
-              <a:buFont typeface="Wingdings"/>
-              <a:buChar char="l"/>
+              <a:buFont typeface="Wingdings" charset="2"/>
+              <a:buChar char=""/>
             </a:pPr>
             <a:r>
               <a:rPr b="0" lang="en-US" sz="3900" spc="-1" strike="noStrike">
-                <a:latin typeface="Arial"/>
+                <a:solidFill>
+                  <a:srgbClr val="000000"/>
+                </a:solidFill>
+                <a:latin typeface="Arial"/>
+                <a:ea typeface="DejaVu Sans"/>
               </a:rPr>
               <a:t>Structure and Function</a:t>
             </a:r>
@@ -7473,7 +7595,7 @@
         <p:spPr>
           <a:xfrm>
             <a:off x="923760" y="1091520"/>
-            <a:ext cx="9155880" cy="6215400"/>
+            <a:ext cx="9155520" cy="6215040"/>
           </a:xfrm>
           <a:prstGeom prst="rect">
             <a:avLst/>
@@ -7512,7 +7634,7 @@
             </a:endParaRPr>
           </a:p>
           <a:p>
-            <a:pPr marL="216000" indent="-216000">
+            <a:pPr marL="216000" indent="-215640">
               <a:lnSpc>
                 <a:spcPct val="100000"/>
               </a:lnSpc>
@@ -7520,12 +7642,16 @@
                 <a:srgbClr val="000000"/>
               </a:buClr>
               <a:buSzPct val="45000"/>
-              <a:buFont typeface="Wingdings"/>
-              <a:buChar char="l"/>
+              <a:buFont typeface="Wingdings" charset="2"/>
+              <a:buChar char=""/>
             </a:pPr>
             <a:r>
               <a:rPr b="0" lang="en-US" sz="3600" spc="-1" strike="noStrike">
-                <a:latin typeface="Arial"/>
+                <a:solidFill>
+                  <a:srgbClr val="000000"/>
+                </a:solidFill>
+                <a:latin typeface="Arial"/>
+                <a:ea typeface="DejaVu Sans"/>
               </a:rPr>
               <a:t>A computer is a complex machine that most of us just know how to use.</a:t>
             </a:r>
@@ -7544,7 +7670,7 @@
             </a:endParaRPr>
           </a:p>
           <a:p>
-            <a:pPr marL="216000" indent="-216000">
+            <a:pPr marL="216000" indent="-215640">
               <a:lnSpc>
                 <a:spcPct val="100000"/>
               </a:lnSpc>
@@ -7552,12 +7678,16 @@
                 <a:srgbClr val="000000"/>
               </a:buClr>
               <a:buSzPct val="45000"/>
-              <a:buFont typeface="Wingdings"/>
-              <a:buChar char="l"/>
+              <a:buFont typeface="Wingdings" charset="2"/>
+              <a:buChar char=""/>
             </a:pPr>
             <a:r>
               <a:rPr b="0" lang="en-US" sz="3600" spc="-1" strike="noStrike">
-                <a:latin typeface="Arial"/>
+                <a:solidFill>
+                  <a:srgbClr val="000000"/>
+                </a:solidFill>
+                <a:latin typeface="Arial"/>
+                <a:ea typeface="DejaVu Sans"/>
               </a:rPr>
               <a:t>Main focus will be the structure and function of the computer.</a:t>
             </a:r>
@@ -7576,7 +7706,7 @@
         <p:spPr>
           <a:xfrm>
             <a:off x="9495360" y="6950520"/>
-            <a:ext cx="503640" cy="524880"/>
+            <a:ext cx="503280" cy="524520"/>
           </a:xfrm>
           <a:prstGeom prst="rect">
             <a:avLst/>
@@ -7600,12 +7730,13 @@
                 <a:spcPct val="100000"/>
               </a:lnSpc>
             </a:pPr>
-            <a:fld id="{2BB84BBF-0B2B-4663-804D-86A090BCBD4D}" type="slidenum">
+            <a:fld id="{BB1AD06E-F857-4AFB-8076-FBCB6C81B56A}" type="slidenum">
               <a:rPr b="0" lang="en-US" sz="1200" spc="-1" strike="noStrike">
                 <a:solidFill>
                   <a:srgbClr val="b5a788"/>
                 </a:solidFill>
                 <a:latin typeface="Arial"/>
+                <a:ea typeface="DejaVu Sans"/>
               </a:rPr>
               <a:t>&lt;number&gt;</a:t>
             </a:fld>
@@ -7624,7 +7755,7 @@
         <p:spPr>
           <a:xfrm>
             <a:off x="6299640" y="6950520"/>
-            <a:ext cx="3191760" cy="524520"/>
+            <a:ext cx="3191400" cy="524160"/>
           </a:xfrm>
           <a:prstGeom prst="rect">
             <a:avLst/>
@@ -7654,6 +7785,7 @@
                   <a:srgbClr val="b5a788"/>
                 </a:solidFill>
                 <a:latin typeface="Arial"/>
+                <a:ea typeface="DejaVu Sans"/>
               </a:rPr>
               <a:t>Computer Org &amp; Arch - BScIT 1 @ UCU</a:t>
             </a:r>
@@ -7721,7 +7853,7 @@
         <p:spPr>
           <a:xfrm>
             <a:off x="1581840" y="302400"/>
-            <a:ext cx="8266680" cy="1259640"/>
+            <a:ext cx="8266320" cy="1259280"/>
           </a:xfrm>
           <a:prstGeom prst="rect">
             <a:avLst/>
@@ -7740,7 +7872,7 @@
         <p:txBody>
           <a:bodyPr lIns="90000" rIns="90000" tIns="46800" bIns="46800" anchor="ctr"/>
           <a:p>
-            <a:pPr marL="216000" indent="-216000" algn="ctr">
+            <a:pPr marL="216000" indent="-215640" algn="ctr">
               <a:lnSpc>
                 <a:spcPct val="100000"/>
               </a:lnSpc>
@@ -7748,12 +7880,16 @@
                 <a:srgbClr val="000000"/>
               </a:buClr>
               <a:buSzPct val="45000"/>
-              <a:buFont typeface="Wingdings"/>
-              <a:buChar char="l"/>
+              <a:buFont typeface="Wingdings" charset="2"/>
+              <a:buChar char=""/>
             </a:pPr>
             <a:r>
               <a:rPr b="0" lang="en-US" sz="4400" spc="-1" strike="noStrike">
-                <a:latin typeface="Arial"/>
+                <a:solidFill>
+                  <a:srgbClr val="000000"/>
+                </a:solidFill>
+                <a:latin typeface="Arial"/>
+                <a:ea typeface="DejaVu Sans"/>
               </a:rPr>
               <a:t>Structure and Function</a:t>
             </a:r>
@@ -7772,7 +7908,7 @@
         <p:spPr>
           <a:xfrm>
             <a:off x="1581840" y="1427400"/>
-            <a:ext cx="8266680" cy="5963760"/>
+            <a:ext cx="8266320" cy="5963400"/>
           </a:xfrm>
           <a:prstGeom prst="rect">
             <a:avLst/>
@@ -7791,7 +7927,7 @@
         <p:txBody>
           <a:bodyPr lIns="90000" rIns="90000" tIns="45000" bIns="45000"/>
           <a:p>
-            <a:pPr marL="216000" indent="-216000">
+            <a:pPr marL="216000" indent="-215640">
               <a:lnSpc>
                 <a:spcPct val="100000"/>
               </a:lnSpc>
@@ -7799,18 +7935,26 @@
                 <a:srgbClr val="000000"/>
               </a:buClr>
               <a:buSzPct val="45000"/>
-              <a:buFont typeface="Wingdings"/>
-              <a:buChar char="l"/>
+              <a:buFont typeface="Wingdings" charset="2"/>
+              <a:buChar char=""/>
             </a:pPr>
             <a:r>
               <a:rPr b="1" lang="en-US" sz="3200" spc="-1" strike="noStrike">
-                <a:latin typeface="Arial"/>
+                <a:solidFill>
+                  <a:srgbClr val="000000"/>
+                </a:solidFill>
+                <a:latin typeface="Arial"/>
+                <a:ea typeface="DejaVu Sans"/>
               </a:rPr>
               <a:t>Structure </a:t>
             </a:r>
             <a:r>
               <a:rPr b="0" lang="en-US" sz="3200" spc="-1" strike="noStrike">
-                <a:latin typeface="Arial"/>
+                <a:solidFill>
+                  <a:srgbClr val="000000"/>
+                </a:solidFill>
+                <a:latin typeface="Arial"/>
+                <a:ea typeface="DejaVu Sans"/>
               </a:rPr>
               <a:t>is defined as the way in which the components are interrelated.</a:t>
             </a:r>
@@ -7836,13 +7980,21 @@
             </a:pPr>
             <a:r>
               <a:rPr b="0" lang="en-US" sz="3200" spc="-1" strike="noStrike">
-                <a:latin typeface="Arial"/>
+                <a:solidFill>
+                  <a:srgbClr val="000000"/>
+                </a:solidFill>
+                <a:latin typeface="Arial"/>
+                <a:ea typeface="DejaVu Sans"/>
               </a:rPr>
               <a:t>    </a:t>
             </a:r>
             <a:r>
               <a:rPr b="0" lang="en-US" sz="3200" spc="-1" strike="noStrike">
-                <a:latin typeface="Arial"/>
+                <a:solidFill>
+                  <a:srgbClr val="000000"/>
+                </a:solidFill>
+                <a:latin typeface="Arial"/>
+                <a:ea typeface="DejaVu Sans"/>
               </a:rPr>
               <a:t>ie. CPU, Main Memory, I/O,  system Interconnections.</a:t>
             </a:r>
@@ -7871,7 +8023,7 @@
         <p:spPr>
           <a:xfrm>
             <a:off x="6299640" y="6950520"/>
-            <a:ext cx="3191760" cy="524520"/>
+            <a:ext cx="3191400" cy="524160"/>
           </a:xfrm>
           <a:prstGeom prst="rect">
             <a:avLst/>
@@ -7901,6 +8053,7 @@
                   <a:srgbClr val="b5a788"/>
                 </a:solidFill>
                 <a:latin typeface="Arial"/>
+                <a:ea typeface="DejaVu Sans"/>
               </a:rPr>
               <a:t>Computer Org &amp; Arch - BScIT 1 @ UCU</a:t>
             </a:r>
@@ -7919,7 +8072,7 @@
         <p:spPr>
           <a:xfrm>
             <a:off x="9495360" y="6950520"/>
-            <a:ext cx="503640" cy="524520"/>
+            <a:ext cx="503280" cy="524160"/>
           </a:xfrm>
           <a:prstGeom prst="rect">
             <a:avLst/>
@@ -7943,12 +8096,13 @@
                 <a:spcPct val="100000"/>
               </a:lnSpc>
             </a:pPr>
-            <a:fld id="{92A77276-CC1D-46CC-AA21-5A71B1177BD5}" type="slidenum">
+            <a:fld id="{2D0C38E9-FC46-49B5-9B33-64AC022E8699}" type="slidenum">
               <a:rPr b="0" lang="en-US" sz="1200" spc="-1" strike="noStrike">
                 <a:solidFill>
                   <a:srgbClr val="b5a788"/>
                 </a:solidFill>
                 <a:latin typeface="Arial"/>
+                <a:ea typeface="DejaVu Sans"/>
               </a:rPr>
               <a:t>&lt;number&gt;</a:t>
             </a:fld>
@@ -8016,7 +8170,7 @@
         <p:spPr>
           <a:xfrm>
             <a:off x="1581840" y="302400"/>
-            <a:ext cx="8266680" cy="1259640"/>
+            <a:ext cx="8266320" cy="1259280"/>
           </a:xfrm>
           <a:prstGeom prst="rect">
             <a:avLst/>
@@ -8035,7 +8189,7 @@
         <p:txBody>
           <a:bodyPr lIns="90000" rIns="90000" tIns="46800" bIns="46800" anchor="ctr"/>
           <a:p>
-            <a:pPr marL="216000" indent="-216000" algn="ctr">
+            <a:pPr marL="216000" indent="-215640" algn="ctr">
               <a:lnSpc>
                 <a:spcPct val="100000"/>
               </a:lnSpc>
@@ -8043,12 +8197,16 @@
                 <a:srgbClr val="000000"/>
               </a:buClr>
               <a:buSzPct val="45000"/>
-              <a:buFont typeface="Wingdings"/>
-              <a:buChar char="l"/>
+              <a:buFont typeface="Wingdings" charset="2"/>
+              <a:buChar char=""/>
             </a:pPr>
             <a:r>
               <a:rPr b="0" lang="en-US" sz="4400" spc="-1" strike="noStrike">
-                <a:latin typeface="Arial"/>
+                <a:solidFill>
+                  <a:srgbClr val="000000"/>
+                </a:solidFill>
+                <a:latin typeface="Arial"/>
+                <a:ea typeface="DejaVu Sans"/>
               </a:rPr>
               <a:t>Function</a:t>
             </a:r>
@@ -8067,7 +8225,7 @@
         <p:spPr>
           <a:xfrm>
             <a:off x="1581840" y="1595520"/>
-            <a:ext cx="8266680" cy="5291640"/>
+            <a:ext cx="8266320" cy="5291280"/>
           </a:xfrm>
           <a:prstGeom prst="rect">
             <a:avLst/>
@@ -8086,7 +8244,7 @@
         <p:txBody>
           <a:bodyPr lIns="90000" rIns="90000" tIns="45000" bIns="45000"/>
           <a:p>
-            <a:pPr marL="216000" indent="-216000">
+            <a:pPr marL="216000" indent="-215640">
               <a:lnSpc>
                 <a:spcPct val="100000"/>
               </a:lnSpc>
@@ -8094,18 +8252,26 @@
                 <a:srgbClr val="000000"/>
               </a:buClr>
               <a:buSzPct val="45000"/>
-              <a:buFont typeface="Wingdings"/>
-              <a:buChar char="l"/>
+              <a:buFont typeface="Wingdings" charset="2"/>
+              <a:buChar char=""/>
             </a:pPr>
             <a:r>
               <a:rPr b="1" lang="en-US" sz="3200" spc="-1" strike="noStrike">
-                <a:latin typeface="Arial"/>
+                <a:solidFill>
+                  <a:srgbClr val="000000"/>
+                </a:solidFill>
+                <a:latin typeface="Arial"/>
+                <a:ea typeface="DejaVu Sans"/>
               </a:rPr>
               <a:t>Function </a:t>
             </a:r>
             <a:r>
               <a:rPr b="0" lang="en-US" sz="3200" spc="-1" strike="noStrike">
-                <a:latin typeface="Arial"/>
+                <a:solidFill>
+                  <a:srgbClr val="000000"/>
+                </a:solidFill>
+                <a:latin typeface="Arial"/>
+                <a:ea typeface="DejaVu Sans"/>
               </a:rPr>
               <a:t>is the operation of each of the individual components as part of the structure. </a:t>
             </a:r>
@@ -8121,13 +8287,21 @@
             </a:pPr>
             <a:r>
               <a:rPr b="0" lang="en-US" sz="3200" spc="-1" strike="noStrike">
-                <a:latin typeface="Arial"/>
+                <a:solidFill>
+                  <a:srgbClr val="000000"/>
+                </a:solidFill>
+                <a:latin typeface="Arial"/>
+                <a:ea typeface="DejaVu Sans"/>
               </a:rPr>
               <a:t>  </a:t>
             </a:r>
             <a:r>
               <a:rPr b="1" lang="en-US" sz="3200" spc="-1" strike="noStrike">
-                <a:latin typeface="Arial"/>
+                <a:solidFill>
+                  <a:srgbClr val="000000"/>
+                </a:solidFill>
+                <a:latin typeface="Arial"/>
+                <a:ea typeface="DejaVu Sans"/>
               </a:rPr>
               <a:t>In general terms, there are four main functions of a computer:</a:t>
             </a:r>
@@ -8136,7 +8310,7 @@
             </a:endParaRPr>
           </a:p>
           <a:p>
-            <a:pPr marL="216000" indent="-216000">
+            <a:pPr marL="216000" indent="-215640">
               <a:lnSpc>
                 <a:spcPct val="100000"/>
               </a:lnSpc>
@@ -8144,12 +8318,16 @@
                 <a:srgbClr val="000000"/>
               </a:buClr>
               <a:buSzPct val="45000"/>
-              <a:buFont typeface="Wingdings"/>
-              <a:buChar char="l"/>
+              <a:buFont typeface="Wingdings" charset="2"/>
+              <a:buChar char=""/>
             </a:pPr>
             <a:r>
               <a:rPr b="0" lang="en-US" sz="3200" spc="-1" strike="noStrike">
-                <a:latin typeface="Arial"/>
+                <a:solidFill>
+                  <a:srgbClr val="000000"/>
+                </a:solidFill>
+                <a:latin typeface="Arial"/>
+                <a:ea typeface="DejaVu Sans"/>
               </a:rPr>
               <a:t>Data processing </a:t>
             </a:r>
@@ -8158,7 +8336,7 @@
             </a:endParaRPr>
           </a:p>
           <a:p>
-            <a:pPr marL="216000" indent="-216000">
+            <a:pPr marL="216000" indent="-215640">
               <a:lnSpc>
                 <a:spcPct val="100000"/>
               </a:lnSpc>
@@ -8166,12 +8344,16 @@
                 <a:srgbClr val="000000"/>
               </a:buClr>
               <a:buSzPct val="45000"/>
-              <a:buFont typeface="Wingdings"/>
-              <a:buChar char="l"/>
+              <a:buFont typeface="Wingdings" charset="2"/>
+              <a:buChar char=""/>
             </a:pPr>
             <a:r>
               <a:rPr b="0" lang="en-US" sz="3200" spc="-1" strike="noStrike">
-                <a:latin typeface="Arial"/>
+                <a:solidFill>
+                  <a:srgbClr val="000000"/>
+                </a:solidFill>
+                <a:latin typeface="Arial"/>
+                <a:ea typeface="DejaVu Sans"/>
               </a:rPr>
               <a:t>Data storage </a:t>
             </a:r>
@@ -8180,7 +8362,7 @@
             </a:endParaRPr>
           </a:p>
           <a:p>
-            <a:pPr marL="216000" indent="-216000">
+            <a:pPr marL="216000" indent="-215640">
               <a:lnSpc>
                 <a:spcPct val="100000"/>
               </a:lnSpc>
@@ -8188,12 +8370,16 @@
                 <a:srgbClr val="000000"/>
               </a:buClr>
               <a:buSzPct val="45000"/>
-              <a:buFont typeface="Wingdings"/>
-              <a:buChar char="l"/>
+              <a:buFont typeface="Wingdings" charset="2"/>
+              <a:buChar char=""/>
             </a:pPr>
             <a:r>
               <a:rPr b="0" lang="en-US" sz="3200" spc="-1" strike="noStrike">
-                <a:latin typeface="Arial"/>
+                <a:solidFill>
+                  <a:srgbClr val="000000"/>
+                </a:solidFill>
+                <a:latin typeface="Arial"/>
+                <a:ea typeface="DejaVu Sans"/>
               </a:rPr>
               <a:t>Data movement </a:t>
             </a:r>
@@ -8202,7 +8388,7 @@
             </a:endParaRPr>
           </a:p>
           <a:p>
-            <a:pPr marL="216000" indent="-216000">
+            <a:pPr marL="216000" indent="-215640">
               <a:lnSpc>
                 <a:spcPct val="100000"/>
               </a:lnSpc>
@@ -8210,12 +8396,16 @@
                 <a:srgbClr val="000000"/>
               </a:buClr>
               <a:buSzPct val="45000"/>
-              <a:buFont typeface="Wingdings"/>
-              <a:buChar char="l"/>
+              <a:buFont typeface="Wingdings" charset="2"/>
+              <a:buChar char=""/>
             </a:pPr>
             <a:r>
               <a:rPr b="0" lang="en-US" sz="3200" spc="-1" strike="noStrike">
-                <a:latin typeface="Arial"/>
+                <a:solidFill>
+                  <a:srgbClr val="000000"/>
+                </a:solidFill>
+                <a:latin typeface="Arial"/>
+                <a:ea typeface="DejaVu Sans"/>
               </a:rPr>
               <a:t>Control </a:t>
             </a:r>
@@ -8244,7 +8434,7 @@
         <p:spPr>
           <a:xfrm>
             <a:off x="6299640" y="6950520"/>
-            <a:ext cx="3191760" cy="524520"/>
+            <a:ext cx="3191400" cy="524160"/>
           </a:xfrm>
           <a:prstGeom prst="rect">
             <a:avLst/>
@@ -8274,6 +8464,7 @@
                   <a:srgbClr val="b5a788"/>
                 </a:solidFill>
                 <a:latin typeface="Arial"/>
+                <a:ea typeface="DejaVu Sans"/>
               </a:rPr>
               <a:t>Computer Org &amp; Arch - BScIT 1 @ UCU</a:t>
             </a:r>
@@ -8292,7 +8483,7 @@
         <p:spPr>
           <a:xfrm>
             <a:off x="9495360" y="6950520"/>
-            <a:ext cx="503640" cy="524520"/>
+            <a:ext cx="503280" cy="524160"/>
           </a:xfrm>
           <a:prstGeom prst="rect">
             <a:avLst/>
@@ -8316,12 +8507,13 @@
                 <a:spcPct val="100000"/>
               </a:lnSpc>
             </a:pPr>
-            <a:fld id="{A52D9A61-04E0-4912-8657-846FF37CB56B}" type="slidenum">
+            <a:fld id="{D863198F-6955-4B33-90D7-0094DF61FE85}" type="slidenum">
               <a:rPr b="0" lang="en-US" sz="1200" spc="-1" strike="noStrike">
                 <a:solidFill>
                   <a:srgbClr val="b5a788"/>
                 </a:solidFill>
                 <a:latin typeface="Arial"/>
+                <a:ea typeface="DejaVu Sans"/>
               </a:rPr>
               <a:t>&lt;number&gt;</a:t>
             </a:fld>
@@ -8389,7 +8581,7 @@
         <p:spPr>
           <a:xfrm>
             <a:off x="1581840" y="302400"/>
-            <a:ext cx="8266680" cy="1259640"/>
+            <a:ext cx="8266320" cy="1259280"/>
           </a:xfrm>
           <a:prstGeom prst="rect">
             <a:avLst/>
@@ -8408,7 +8600,7 @@
         <p:txBody>
           <a:bodyPr lIns="90000" rIns="90000" tIns="46800" bIns="46800" anchor="ctr"/>
           <a:p>
-            <a:pPr marL="216000" indent="-216000" algn="ctr">
+            <a:pPr marL="216000" indent="-215640" algn="ctr">
               <a:lnSpc>
                 <a:spcPct val="100000"/>
               </a:lnSpc>
@@ -8416,12 +8608,16 @@
                 <a:srgbClr val="000000"/>
               </a:buClr>
               <a:buSzPct val="45000"/>
-              <a:buFont typeface="Wingdings"/>
-              <a:buChar char="l"/>
+              <a:buFont typeface="Wingdings" charset="2"/>
+              <a:buChar char=""/>
             </a:pPr>
             <a:r>
               <a:rPr b="0" lang="en-US" sz="4400" spc="-1" strike="noStrike">
-                <a:latin typeface="Arial"/>
+                <a:solidFill>
+                  <a:srgbClr val="000000"/>
+                </a:solidFill>
+                <a:latin typeface="Arial"/>
+                <a:ea typeface="DejaVu Sans"/>
               </a:rPr>
               <a:t>Data Processing</a:t>
             </a:r>
@@ -8440,7 +8636,7 @@
         <p:spPr>
           <a:xfrm>
             <a:off x="755280" y="1260000"/>
-            <a:ext cx="9092520" cy="5627880"/>
+            <a:ext cx="9092160" cy="5627520"/>
           </a:xfrm>
           <a:prstGeom prst="rect">
             <a:avLst/>
@@ -8469,7 +8665,7 @@
             </a:endParaRPr>
           </a:p>
           <a:p>
-            <a:pPr lvl="1" marL="432000" indent="-216000">
+            <a:pPr lvl="1" marL="432000" indent="-215640">
               <a:lnSpc>
                 <a:spcPct val="90000"/>
               </a:lnSpc>
@@ -8477,30 +8673,46 @@
                 <a:srgbClr val="000000"/>
               </a:buClr>
               <a:buSzPct val="75000"/>
-              <a:buFont typeface="Wingdings"/>
-              <a:buChar char="l"/>
+              <a:buFont typeface="Wingdings" charset="2"/>
+              <a:buChar char=""/>
             </a:pPr>
             <a:r>
               <a:rPr b="1" lang="en-US" sz="2800" spc="-1" strike="noStrike">
-                <a:latin typeface="Arial"/>
+                <a:solidFill>
+                  <a:srgbClr val="000000"/>
+                </a:solidFill>
+                <a:latin typeface="Arial"/>
+                <a:ea typeface="DejaVu Sans"/>
               </a:rPr>
               <a:t>Processing</a:t>
             </a:r>
             <a:r>
               <a:rPr b="0" lang="en-US" sz="2800" spc="-1" strike="noStrike">
-                <a:latin typeface="Arial"/>
+                <a:solidFill>
+                  <a:srgbClr val="000000"/>
+                </a:solidFill>
+                <a:latin typeface="Arial"/>
+                <a:ea typeface="DejaVu Sans"/>
               </a:rPr>
               <a:t> is the </a:t>
             </a:r>
             <a:r>
               <a:rPr b="1" lang="en-US" sz="2800" spc="-1" strike="noStrike">
-                <a:latin typeface="Arial"/>
+                <a:solidFill>
+                  <a:srgbClr val="000000"/>
+                </a:solidFill>
+                <a:latin typeface="Arial"/>
+                <a:ea typeface="DejaVu Sans"/>
               </a:rPr>
               <a:t>thinking</a:t>
             </a:r>
             <a:r>
               <a:rPr b="0" lang="en-US" sz="2800" spc="-1" strike="noStrike">
-                <a:latin typeface="Arial"/>
+                <a:solidFill>
+                  <a:srgbClr val="000000"/>
+                </a:solidFill>
+                <a:latin typeface="Arial"/>
+                <a:ea typeface="DejaVu Sans"/>
               </a:rPr>
               <a:t> that the computer does . </a:t>
             </a:r>
@@ -8509,7 +8721,7 @@
             </a:endParaRPr>
           </a:p>
           <a:p>
-            <a:pPr lvl="1" marL="432000" indent="-216000">
+            <a:pPr lvl="1" marL="432000" indent="-215640">
               <a:lnSpc>
                 <a:spcPct val="90000"/>
               </a:lnSpc>
@@ -8517,8 +8729,8 @@
                 <a:srgbClr val="ff0000"/>
               </a:buClr>
               <a:buSzPct val="75000"/>
-              <a:buFont typeface="Wingdings"/>
-              <a:buChar char="l"/>
+              <a:buFont typeface="Wingdings" charset="2"/>
+              <a:buChar char=""/>
             </a:pPr>
             <a:r>
               <a:rPr b="0" lang="en-US" sz="2800" spc="-1" strike="noStrike">
@@ -8526,6 +8738,7 @@
                   <a:srgbClr val="ff0000"/>
                 </a:solidFill>
                 <a:latin typeface="Arial"/>
+                <a:ea typeface="DejaVu Sans"/>
               </a:rPr>
               <a:t>Processing - manipulation of data.</a:t>
             </a:r>
@@ -8545,6 +8758,7 @@
                   <a:srgbClr val="ff0000"/>
                 </a:solidFill>
                 <a:latin typeface="Arial"/>
+                <a:ea typeface="DejaVu Sans"/>
               </a:rPr>
               <a:t>The part of a computer that interprets and executes instructions. In computing its done by the processor. </a:t>
             </a:r>
@@ -8553,7 +8767,7 @@
             </a:endParaRPr>
           </a:p>
           <a:p>
-            <a:pPr marL="216000" indent="-216000">
+            <a:pPr marL="216000" indent="-215640">
               <a:lnSpc>
                 <a:spcPct val="90000"/>
               </a:lnSpc>
@@ -8561,8 +8775,8 @@
                 <a:srgbClr val="000000"/>
               </a:buClr>
               <a:buSzPct val="45000"/>
-              <a:buFont typeface="Wingdings"/>
-              <a:buChar char="l"/>
+              <a:buFont typeface="Wingdings" charset="2"/>
+              <a:buChar char=""/>
             </a:pPr>
             <a:r>
               <a:rPr b="0" lang="en-US" sz="2800" spc="-1" strike="noStrike">
@@ -8570,6 +8784,7 @@
                   <a:srgbClr val="ff0000"/>
                 </a:solidFill>
                 <a:latin typeface="Arial"/>
+                <a:ea typeface="DejaVu Sans"/>
               </a:rPr>
               <a:t>Examples of Processing</a:t>
             </a:r>
@@ -8578,7 +8793,7 @@
             </a:endParaRPr>
           </a:p>
           <a:p>
-            <a:pPr lvl="1" marL="432000" indent="-216000">
+            <a:pPr lvl="1" marL="432000" indent="-215640">
               <a:lnSpc>
                 <a:spcPct val="90000"/>
               </a:lnSpc>
@@ -8586,8 +8801,8 @@
                 <a:srgbClr val="000000"/>
               </a:buClr>
               <a:buSzPct val="75000"/>
-              <a:buFont typeface="Wingdings"/>
-              <a:buChar char="l"/>
+              <a:buFont typeface="Wingdings" charset="2"/>
+              <a:buChar char=""/>
             </a:pPr>
             <a:r>
               <a:rPr b="0" lang="en-US" sz="2800" spc="-1" strike="noStrike">
@@ -8595,6 +8810,7 @@
                   <a:srgbClr val="ff0000"/>
                 </a:solidFill>
                 <a:latin typeface="Arial"/>
+                <a:ea typeface="DejaVu Sans"/>
               </a:rPr>
               <a:t>arithmetic calculations</a:t>
             </a:r>
@@ -8603,7 +8819,7 @@
             </a:endParaRPr>
           </a:p>
           <a:p>
-            <a:pPr lvl="1" marL="432000" indent="-216000">
+            <a:pPr lvl="1" marL="432000" indent="-215640">
               <a:lnSpc>
                 <a:spcPct val="90000"/>
               </a:lnSpc>
@@ -8611,8 +8827,8 @@
                 <a:srgbClr val="000000"/>
               </a:buClr>
               <a:buSzPct val="75000"/>
-              <a:buFont typeface="Wingdings"/>
-              <a:buChar char="l"/>
+              <a:buFont typeface="Wingdings" charset="2"/>
+              <a:buChar char=""/>
             </a:pPr>
             <a:r>
               <a:rPr b="0" lang="en-US" sz="2800" spc="-1" strike="noStrike">
@@ -8620,6 +8836,7 @@
                   <a:srgbClr val="ff0000"/>
                 </a:solidFill>
                 <a:latin typeface="Arial"/>
+                <a:ea typeface="DejaVu Sans"/>
               </a:rPr>
               <a:t>sorting a list</a:t>
             </a:r>
@@ -8628,7 +8845,7 @@
             </a:endParaRPr>
           </a:p>
           <a:p>
-            <a:pPr lvl="1" marL="432000" indent="-216000">
+            <a:pPr lvl="1" marL="432000" indent="-215640">
               <a:lnSpc>
                 <a:spcPct val="90000"/>
               </a:lnSpc>
@@ -8636,8 +8853,8 @@
                 <a:srgbClr val="000000"/>
               </a:buClr>
               <a:buSzPct val="75000"/>
-              <a:buFont typeface="Wingdings"/>
-              <a:buChar char="l"/>
+              <a:buFont typeface="Wingdings" charset="2"/>
+              <a:buChar char=""/>
             </a:pPr>
             <a:r>
               <a:rPr b="0" lang="en-US" sz="2800" spc="-1" strike="noStrike">
@@ -8645,6 +8862,7 @@
                   <a:srgbClr val="ff0000"/>
                 </a:solidFill>
                 <a:latin typeface="Arial"/>
+                <a:ea typeface="DejaVu Sans"/>
               </a:rPr>
               <a:t>modifying pictures</a:t>
             </a:r>
@@ -8663,7 +8881,7 @@
         <p:spPr>
           <a:xfrm>
             <a:off x="9495360" y="6950520"/>
-            <a:ext cx="503640" cy="524880"/>
+            <a:ext cx="503280" cy="524520"/>
           </a:xfrm>
           <a:prstGeom prst="rect">
             <a:avLst/>
@@ -8687,12 +8905,13 @@
                 <a:spcPct val="100000"/>
               </a:lnSpc>
             </a:pPr>
-            <a:fld id="{44540B02-1E52-4783-B377-D8E663B6EA18}" type="slidenum">
+            <a:fld id="{2F809E1E-5A4A-4729-BAAA-47F94287F0F0}" type="slidenum">
               <a:rPr b="0" lang="en-US" sz="1200" spc="-1" strike="noStrike">
                 <a:solidFill>
                   <a:srgbClr val="b5a788"/>
                 </a:solidFill>
                 <a:latin typeface="Arial"/>
+                <a:ea typeface="DejaVu Sans"/>
               </a:rPr>
               <a:t>&lt;number&gt;</a:t>
             </a:fld>
@@ -8711,7 +8930,7 @@
         <p:spPr>
           <a:xfrm>
             <a:off x="6299640" y="6950520"/>
-            <a:ext cx="3191760" cy="524520"/>
+            <a:ext cx="3191400" cy="524160"/>
           </a:xfrm>
           <a:prstGeom prst="rect">
             <a:avLst/>
@@ -8741,6 +8960,7 @@
                   <a:srgbClr val="b5a788"/>
                 </a:solidFill>
                 <a:latin typeface="Arial"/>
+                <a:ea typeface="DejaVu Sans"/>
               </a:rPr>
               <a:t>Computer Org &amp; Arch - BScIT 1 @ UCU</a:t>
             </a:r>
@@ -8808,7 +9028,7 @@
         <p:spPr>
           <a:xfrm>
             <a:off x="1581840" y="302400"/>
-            <a:ext cx="8266680" cy="1259640"/>
+            <a:ext cx="8266320" cy="1259280"/>
           </a:xfrm>
           <a:prstGeom prst="rect">
             <a:avLst/>
@@ -8827,7 +9047,7 @@
         <p:txBody>
           <a:bodyPr lIns="90000" rIns="90000" tIns="46800" bIns="46800" anchor="ctr"/>
           <a:p>
-            <a:pPr marL="216000" indent="-216000" algn="ctr">
+            <a:pPr marL="216000" indent="-215640" algn="ctr">
               <a:lnSpc>
                 <a:spcPct val="100000"/>
               </a:lnSpc>
@@ -8835,12 +9055,16 @@
                 <a:srgbClr val="000000"/>
               </a:buClr>
               <a:buSzPct val="45000"/>
-              <a:buFont typeface="Wingdings"/>
-              <a:buChar char="l"/>
+              <a:buFont typeface="Wingdings" charset="2"/>
+              <a:buChar char=""/>
             </a:pPr>
             <a:r>
               <a:rPr b="1" lang="en-US" sz="4400" spc="-1" strike="noStrike">
-                <a:latin typeface="Arial"/>
+                <a:solidFill>
+                  <a:srgbClr val="000000"/>
+                </a:solidFill>
+                <a:latin typeface="Arial"/>
+                <a:ea typeface="DejaVu Sans"/>
               </a:rPr>
               <a:t>Data Storage</a:t>
             </a:r>
@@ -8859,7 +9083,7 @@
         <p:spPr>
           <a:xfrm>
             <a:off x="923760" y="1427400"/>
-            <a:ext cx="8924760" cy="5795640"/>
+            <a:ext cx="8924400" cy="5795280"/>
           </a:xfrm>
           <a:prstGeom prst="rect">
             <a:avLst/>
@@ -8885,13 +9109,21 @@
             </a:pPr>
             <a:r>
               <a:rPr b="0" lang="en-US" sz="2400" spc="-1" strike="noStrike">
-                <a:latin typeface="Arial"/>
+                <a:solidFill>
+                  <a:srgbClr val="000000"/>
+                </a:solidFill>
+                <a:latin typeface="Arial"/>
+                <a:ea typeface="DejaVu Sans"/>
               </a:rPr>
               <a:t>   </a:t>
             </a:r>
             <a:r>
               <a:rPr b="0" lang="en-US" sz="2400" spc="-1" strike="noStrike">
-                <a:latin typeface="Arial"/>
+                <a:solidFill>
+                  <a:srgbClr val="000000"/>
+                </a:solidFill>
+                <a:latin typeface="Arial"/>
+                <a:ea typeface="DejaVu Sans"/>
               </a:rPr>
               <a:t>It is also essential that a computer store data. Even if the computer is processing data on the fly (i.e., data come in and get processed, and the results go out immediately), the computer must temporarily store at least those pieces of data that are being worked on at any given moment.</a:t>
             </a:r>
@@ -8917,13 +9149,21 @@
             </a:pPr>
             <a:r>
               <a:rPr b="0" lang="en-US" sz="2400" spc="-1" strike="noStrike">
-                <a:latin typeface="Arial"/>
+                <a:solidFill>
+                  <a:srgbClr val="000000"/>
+                </a:solidFill>
+                <a:latin typeface="Arial"/>
+                <a:ea typeface="DejaVu Sans"/>
               </a:rPr>
               <a:t>    </a:t>
             </a:r>
             <a:r>
               <a:rPr b="0" lang="en-US" sz="2400" spc="-1" strike="noStrike">
-                <a:latin typeface="Arial"/>
+                <a:solidFill>
+                  <a:srgbClr val="000000"/>
+                </a:solidFill>
+                <a:latin typeface="Arial"/>
+                <a:ea typeface="DejaVu Sans"/>
               </a:rPr>
               <a:t>Thus, there is at least :</a:t>
             </a:r>
@@ -8939,19 +9179,31 @@
             </a:pPr>
             <a:r>
               <a:rPr b="0" lang="en-US" sz="2400" spc="-1" strike="noStrike">
-                <a:latin typeface="Arial"/>
+                <a:solidFill>
+                  <a:srgbClr val="000000"/>
+                </a:solidFill>
+                <a:latin typeface="Arial"/>
+                <a:ea typeface="DejaVu Sans"/>
               </a:rPr>
               <a:t>    </a:t>
             </a:r>
             <a:r>
               <a:rPr b="1" lang="en-US" sz="2400" spc="-1" strike="noStrike">
-                <a:latin typeface="Arial"/>
+                <a:solidFill>
+                  <a:srgbClr val="000000"/>
+                </a:solidFill>
+                <a:latin typeface="Arial"/>
+                <a:ea typeface="DejaVu Sans"/>
               </a:rPr>
               <a:t>A Short-term data storage</a:t>
             </a:r>
             <a:r>
               <a:rPr b="0" lang="en-US" sz="2400" spc="-1" strike="noStrike">
-                <a:latin typeface="Arial"/>
+                <a:solidFill>
+                  <a:srgbClr val="000000"/>
+                </a:solidFill>
+                <a:latin typeface="Arial"/>
+                <a:ea typeface="DejaVu Sans"/>
               </a:rPr>
               <a:t>: Storage for Current Information </a:t>
             </a:r>
@@ -8967,19 +9219,31 @@
             </a:pPr>
             <a:r>
               <a:rPr b="0" lang="en-US" sz="2400" spc="-1" strike="noStrike">
-                <a:latin typeface="Arial"/>
+                <a:solidFill>
+                  <a:srgbClr val="000000"/>
+                </a:solidFill>
+                <a:latin typeface="Arial"/>
+                <a:ea typeface="DejaVu Sans"/>
               </a:rPr>
               <a:t>    </a:t>
             </a:r>
             <a:r>
               <a:rPr b="1" lang="en-US" sz="2400" spc="-1" strike="noStrike">
-                <a:latin typeface="Arial"/>
+                <a:solidFill>
+                  <a:srgbClr val="000000"/>
+                </a:solidFill>
+                <a:latin typeface="Arial"/>
+                <a:ea typeface="DejaVu Sans"/>
               </a:rPr>
               <a:t>A Long  term data storage: </a:t>
             </a:r>
             <a:r>
               <a:rPr b="0" lang="en-US" sz="2400" spc="-1" strike="noStrike">
-                <a:latin typeface="Arial"/>
+                <a:solidFill>
+                  <a:srgbClr val="000000"/>
+                </a:solidFill>
+                <a:latin typeface="Arial"/>
+                <a:ea typeface="DejaVu Sans"/>
               </a:rPr>
               <a:t>the area where data can be left on a permanent basis while it is not needed for processing</a:t>
             </a:r>
@@ -8998,7 +9262,7 @@
             </a:endParaRPr>
           </a:p>
           <a:p>
-            <a:pPr marL="216000" indent="-216000">
+            <a:pPr marL="216000" indent="-215640">
               <a:lnSpc>
                 <a:spcPct val="90000"/>
               </a:lnSpc>
@@ -9006,12 +9270,16 @@
                 <a:srgbClr val="000000"/>
               </a:buClr>
               <a:buSzPct val="45000"/>
-              <a:buFont typeface="Wingdings"/>
-              <a:buChar char="l"/>
+              <a:buFont typeface="Wingdings" charset="2"/>
+              <a:buChar char=""/>
             </a:pPr>
             <a:r>
               <a:rPr b="0" lang="en-US" sz="2400" spc="-1" strike="noStrike">
-                <a:latin typeface="Arial"/>
+                <a:solidFill>
+                  <a:srgbClr val="000000"/>
+                </a:solidFill>
+                <a:latin typeface="Arial"/>
+                <a:ea typeface="DejaVu Sans"/>
               </a:rPr>
               <a:t> </a:t>
             </a:r>
@@ -9040,7 +9308,7 @@
         <p:spPr>
           <a:xfrm>
             <a:off x="9495360" y="6950520"/>
-            <a:ext cx="503640" cy="524880"/>
+            <a:ext cx="503280" cy="524520"/>
           </a:xfrm>
           <a:prstGeom prst="rect">
             <a:avLst/>
@@ -9064,12 +9332,13 @@
                 <a:spcPct val="100000"/>
               </a:lnSpc>
             </a:pPr>
-            <a:fld id="{4369EC04-94F9-490E-9AD7-D9373286639E}" type="slidenum">
+            <a:fld id="{B6FAA148-543E-4AB8-B438-FB2D87C72D2D}" type="slidenum">
               <a:rPr b="0" lang="en-US" sz="1200" spc="-1" strike="noStrike">
                 <a:solidFill>
                   <a:srgbClr val="b5a788"/>
                 </a:solidFill>
                 <a:latin typeface="Arial"/>
+                <a:ea typeface="DejaVu Sans"/>
               </a:rPr>
               <a:t>&lt;number&gt;</a:t>
             </a:fld>
@@ -9088,7 +9357,7 @@
         <p:spPr>
           <a:xfrm>
             <a:off x="6299640" y="6950520"/>
-            <a:ext cx="3191760" cy="524520"/>
+            <a:ext cx="3191400" cy="524160"/>
           </a:xfrm>
           <a:prstGeom prst="rect">
             <a:avLst/>
@@ -9118,6 +9387,7 @@
                   <a:srgbClr val="b5a788"/>
                 </a:solidFill>
                 <a:latin typeface="Arial"/>
+                <a:ea typeface="DejaVu Sans"/>
               </a:rPr>
               <a:t>Computer Org &amp; Arch - BScIT 1 @ UCU</a:t>
             </a:r>
@@ -9185,7 +9455,7 @@
         <p:spPr>
           <a:xfrm>
             <a:off x="1581840" y="302400"/>
-            <a:ext cx="8266680" cy="1259640"/>
+            <a:ext cx="8266320" cy="1259280"/>
           </a:xfrm>
           <a:prstGeom prst="rect">
             <a:avLst/>
@@ -9204,7 +9474,7 @@
         <p:txBody>
           <a:bodyPr lIns="90000" rIns="90000" tIns="46800" bIns="46800" anchor="ctr"/>
           <a:p>
-            <a:pPr marL="216000" indent="-216000" algn="ctr">
+            <a:pPr marL="216000" indent="-215640" algn="ctr">
               <a:lnSpc>
                 <a:spcPct val="100000"/>
               </a:lnSpc>
@@ -9212,12 +9482,16 @@
                 <a:srgbClr val="000000"/>
               </a:buClr>
               <a:buSzPct val="45000"/>
-              <a:buFont typeface="Wingdings"/>
-              <a:buChar char="l"/>
+              <a:buFont typeface="Wingdings" charset="2"/>
+              <a:buChar char=""/>
             </a:pPr>
             <a:r>
               <a:rPr b="0" lang="en-US" sz="4400" spc="-1" strike="noStrike">
-                <a:latin typeface="Arial"/>
+                <a:solidFill>
+                  <a:srgbClr val="000000"/>
+                </a:solidFill>
+                <a:latin typeface="Arial"/>
+                <a:ea typeface="DejaVu Sans"/>
               </a:rPr>
               <a:t>Data Movement</a:t>
             </a:r>
@@ -9236,7 +9510,7 @@
         <p:spPr>
           <a:xfrm>
             <a:off x="1091880" y="1343880"/>
-            <a:ext cx="8756640" cy="5543640"/>
+            <a:ext cx="8756280" cy="5543280"/>
           </a:xfrm>
           <a:prstGeom prst="rect">
             <a:avLst/>
@@ -9262,13 +9536,21 @@
             </a:pPr>
             <a:r>
               <a:rPr b="0" lang="en-US" sz="1800" spc="-1" strike="noStrike">
-                <a:latin typeface="Arial"/>
+                <a:solidFill>
+                  <a:srgbClr val="000000"/>
+                </a:solidFill>
+                <a:latin typeface="Arial"/>
+                <a:ea typeface="DejaVu Sans"/>
               </a:rPr>
               <a:t>     </a:t>
             </a:r>
             <a:r>
               <a:rPr b="0" lang="en-US" sz="2800" spc="-1" strike="noStrike">
-                <a:latin typeface="Arial"/>
+                <a:solidFill>
+                  <a:srgbClr val="000000"/>
+                </a:solidFill>
+                <a:latin typeface="Arial"/>
+                <a:ea typeface="DejaVu Sans"/>
               </a:rPr>
               <a:t>The computer must be able to move data between itself and the outside world. </a:t>
             </a:r>
@@ -9284,37 +9566,61 @@
             </a:pPr>
             <a:r>
               <a:rPr b="0" lang="en-US" sz="2800" spc="-1" strike="noStrike">
-                <a:latin typeface="Arial"/>
+                <a:solidFill>
+                  <a:srgbClr val="000000"/>
+                </a:solidFill>
+                <a:latin typeface="Arial"/>
+                <a:ea typeface="DejaVu Sans"/>
               </a:rPr>
               <a:t>   </a:t>
             </a:r>
             <a:r>
               <a:rPr b="0" lang="en-US" sz="2800" spc="-1" strike="noStrike">
-                <a:latin typeface="Arial"/>
+                <a:solidFill>
+                  <a:srgbClr val="000000"/>
+                </a:solidFill>
+                <a:latin typeface="Arial"/>
+                <a:ea typeface="DejaVu Sans"/>
               </a:rPr>
               <a:t>The computer’s operating environment consists of devices that serve as either sources or destinations of data. </a:t>
             </a:r>
             <a:r>
               <a:rPr b="1" lang="en-US" sz="2800" spc="-1" strike="noStrike">
-                <a:latin typeface="Arial"/>
+                <a:solidFill>
+                  <a:srgbClr val="000000"/>
+                </a:solidFill>
+                <a:latin typeface="Arial"/>
+                <a:ea typeface="DejaVu Sans"/>
               </a:rPr>
               <a:t>When data is received from or delivered to a device that is directly connected to the computer,</a:t>
             </a:r>
             <a:r>
               <a:rPr b="0" lang="en-US" sz="2800" spc="-1" strike="noStrike">
-                <a:latin typeface="Arial"/>
+                <a:solidFill>
+                  <a:srgbClr val="000000"/>
+                </a:solidFill>
+                <a:latin typeface="Arial"/>
+                <a:ea typeface="DejaVu Sans"/>
               </a:rPr>
               <a:t> the process is known as </a:t>
             </a:r>
             <a:r>
               <a:rPr b="1" lang="en-US" sz="2800" spc="-1" strike="noStrike">
-                <a:latin typeface="Arial"/>
+                <a:solidFill>
+                  <a:srgbClr val="000000"/>
+                </a:solidFill>
+                <a:latin typeface="Arial"/>
+                <a:ea typeface="DejaVu Sans"/>
               </a:rPr>
               <a:t>input-output (I/O), </a:t>
             </a:r>
             <a:r>
               <a:rPr b="0" lang="en-US" sz="2800" spc="-1" strike="noStrike">
-                <a:latin typeface="Arial"/>
+                <a:solidFill>
+                  <a:srgbClr val="000000"/>
+                </a:solidFill>
+                <a:latin typeface="Arial"/>
+                <a:ea typeface="DejaVu Sans"/>
               </a:rPr>
               <a:t>and the device is referred to as a peripheral. </a:t>
             </a:r>
@@ -9333,7 +9639,7 @@
         <p:spPr>
           <a:xfrm>
             <a:off x="9495360" y="6950520"/>
-            <a:ext cx="503640" cy="524520"/>
+            <a:ext cx="503280" cy="524160"/>
           </a:xfrm>
           <a:prstGeom prst="rect">
             <a:avLst/>
@@ -9357,12 +9663,13 @@
                 <a:spcPct val="100000"/>
               </a:lnSpc>
             </a:pPr>
-            <a:fld id="{8D9D9678-27E5-43A8-8AD0-0758FB93FE26}" type="slidenum">
+            <a:fld id="{04903C3F-2E08-457D-B819-8F7BD7307192}" type="slidenum">
               <a:rPr b="0" lang="en-US" sz="1200" spc="-1" strike="noStrike">
                 <a:solidFill>
                   <a:srgbClr val="b5a788"/>
                 </a:solidFill>
                 <a:latin typeface="Arial"/>
+                <a:ea typeface="DejaVu Sans"/>
               </a:rPr>
               <a:t>&lt;number&gt;</a:t>
             </a:fld>
@@ -9381,7 +9688,7 @@
         <p:spPr>
           <a:xfrm>
             <a:off x="6299640" y="6950520"/>
-            <a:ext cx="3191760" cy="524520"/>
+            <a:ext cx="3191400" cy="524160"/>
           </a:xfrm>
           <a:prstGeom prst="rect">
             <a:avLst/>
@@ -9411,6 +9718,7 @@
                   <a:srgbClr val="b5a788"/>
                 </a:solidFill>
                 <a:latin typeface="Arial"/>
+                <a:ea typeface="DejaVu Sans"/>
               </a:rPr>
               <a:t>Computer Org &amp; Arch - BScIT 1 @ UCU</a:t>
             </a:r>
@@ -9478,7 +9786,7 @@
         <p:spPr>
           <a:xfrm>
             <a:off x="1581840" y="302400"/>
-            <a:ext cx="8266680" cy="1259640"/>
+            <a:ext cx="8266320" cy="1259280"/>
           </a:xfrm>
           <a:prstGeom prst="rect">
             <a:avLst/>
@@ -9497,7 +9805,7 @@
         <p:txBody>
           <a:bodyPr lIns="90000" rIns="90000" tIns="46800" bIns="46800" anchor="ctr"/>
           <a:p>
-            <a:pPr marL="216000" indent="-216000" algn="ctr">
+            <a:pPr marL="216000" indent="-215640" algn="ctr">
               <a:lnSpc>
                 <a:spcPct val="100000"/>
               </a:lnSpc>
@@ -9505,12 +9813,16 @@
                 <a:srgbClr val="000000"/>
               </a:buClr>
               <a:buSzPct val="45000"/>
-              <a:buFont typeface="Wingdings"/>
-              <a:buChar char="l"/>
+              <a:buFont typeface="Wingdings" charset="2"/>
+              <a:buChar char=""/>
             </a:pPr>
             <a:r>
               <a:rPr b="0" lang="en-US" sz="4400" spc="-1" strike="noStrike">
-                <a:latin typeface="Arial"/>
+                <a:solidFill>
+                  <a:srgbClr val="000000"/>
+                </a:solidFill>
+                <a:latin typeface="Arial"/>
+                <a:ea typeface="DejaVu Sans"/>
               </a:rPr>
               <a:t>Data Movement</a:t>
             </a:r>
@@ -9529,7 +9841,7 @@
         <p:spPr>
           <a:xfrm>
             <a:off x="1175400" y="1595520"/>
-            <a:ext cx="8672760" cy="5291640"/>
+            <a:ext cx="8672400" cy="5291280"/>
           </a:xfrm>
           <a:prstGeom prst="rect">
             <a:avLst/>
@@ -9555,19 +9867,31 @@
             </a:pPr>
             <a:r>
               <a:rPr b="0" lang="en-US" sz="3200" spc="-1" strike="noStrike">
-                <a:latin typeface="Arial"/>
+                <a:solidFill>
+                  <a:srgbClr val="000000"/>
+                </a:solidFill>
+                <a:latin typeface="Arial"/>
+                <a:ea typeface="DejaVu Sans"/>
               </a:rPr>
               <a:t>   </a:t>
             </a:r>
             <a:r>
               <a:rPr b="0" lang="en-US" sz="3200" spc="-1" strike="noStrike">
-                <a:latin typeface="Arial"/>
+                <a:solidFill>
+                  <a:srgbClr val="000000"/>
+                </a:solidFill>
+                <a:latin typeface="Arial"/>
+                <a:ea typeface="DejaVu Sans"/>
               </a:rPr>
               <a:t>When data are moved over longer distances, to or from a remote device, the process is known as </a:t>
             </a:r>
             <a:r>
               <a:rPr b="1" lang="en-US" sz="3200" spc="-1" strike="noStrike">
-                <a:latin typeface="Arial"/>
+                <a:solidFill>
+                  <a:srgbClr val="000000"/>
+                </a:solidFill>
+                <a:latin typeface="Arial"/>
+                <a:ea typeface="DejaVu Sans"/>
               </a:rPr>
               <a:t>data communications.</a:t>
             </a:r>
@@ -9597,6 +9921,7 @@
                   <a:srgbClr val="ff0000"/>
                 </a:solidFill>
                 <a:latin typeface="Arial"/>
+                <a:ea typeface="DejaVu Sans"/>
               </a:rPr>
               <a:t> </a:t>
             </a:r>
@@ -9606,6 +9931,7 @@
                   <a:srgbClr val="ff0000"/>
                 </a:solidFill>
                 <a:latin typeface="Arial"/>
+                <a:ea typeface="DejaVu Sans"/>
               </a:rPr>
               <a:t>Peripheral devices are hard ware equipments that might be added to a computer system to enhance its functionality.</a:t>
             </a:r>
@@ -9634,7 +9960,7 @@
         <p:spPr>
           <a:xfrm>
             <a:off x="6299640" y="6950520"/>
-            <a:ext cx="3191760" cy="524520"/>
+            <a:ext cx="3191400" cy="524160"/>
           </a:xfrm>
           <a:prstGeom prst="rect">
             <a:avLst/>
@@ -9664,6 +9990,7 @@
                   <a:srgbClr val="b5a788"/>
                 </a:solidFill>
                 <a:latin typeface="Arial"/>
+                <a:ea typeface="DejaVu Sans"/>
               </a:rPr>
               <a:t>Computer Org &amp; Arch - BScIT 1 @ UCU</a:t>
             </a:r>
@@ -9682,7 +10009,7 @@
         <p:spPr>
           <a:xfrm>
             <a:off x="9495360" y="6950520"/>
-            <a:ext cx="503640" cy="524880"/>
+            <a:ext cx="503280" cy="524520"/>
           </a:xfrm>
           <a:prstGeom prst="rect">
             <a:avLst/>
@@ -9706,12 +10033,13 @@
                 <a:spcPct val="100000"/>
               </a:lnSpc>
             </a:pPr>
-            <a:fld id="{E1E8B2DD-5A14-408A-BF05-89825F908BA6}" type="slidenum">
+            <a:fld id="{306619AC-BDC0-44B6-9321-B22CC88F3864}" type="slidenum">
               <a:rPr b="0" lang="en-US" sz="1200" spc="-1" strike="noStrike">
                 <a:solidFill>
                   <a:srgbClr val="b5a788"/>
                 </a:solidFill>
                 <a:latin typeface="Arial"/>
+                <a:ea typeface="DejaVu Sans"/>
               </a:rPr>
               <a:t>&lt;number&gt;</a:t>
             </a:fld>
@@ -9779,7 +10107,7 @@
         <p:spPr>
           <a:xfrm>
             <a:off x="1581840" y="302400"/>
-            <a:ext cx="8266680" cy="1259640"/>
+            <a:ext cx="8266320" cy="1259280"/>
           </a:xfrm>
           <a:prstGeom prst="rect">
             <a:avLst/>
@@ -9798,7 +10126,7 @@
         <p:txBody>
           <a:bodyPr lIns="90000" rIns="90000" tIns="45000" bIns="45000" anchor="ctr"/>
           <a:p>
-            <a:pPr marL="216000" indent="-216000" algn="ctr">
+            <a:pPr marL="216000" indent="-215640" algn="ctr">
               <a:lnSpc>
                 <a:spcPct val="100000"/>
               </a:lnSpc>
@@ -9806,12 +10134,16 @@
                 <a:srgbClr val="000000"/>
               </a:buClr>
               <a:buSzPct val="45000"/>
-              <a:buFont typeface="Wingdings"/>
-              <a:buChar char="l"/>
+              <a:buFont typeface="Wingdings" charset="2"/>
+              <a:buChar char=""/>
             </a:pPr>
             <a:r>
               <a:rPr b="0" lang="en-US" sz="4400" spc="-1" strike="noStrike">
-                <a:latin typeface="Arial"/>
+                <a:solidFill>
+                  <a:srgbClr val="000000"/>
+                </a:solidFill>
+                <a:latin typeface="Arial"/>
+                <a:ea typeface="DejaVu Sans"/>
               </a:rPr>
               <a:t>Data Movement</a:t>
             </a:r>
@@ -9830,7 +10162,7 @@
         <p:spPr>
           <a:xfrm>
             <a:off x="1175400" y="1595520"/>
-            <a:ext cx="8672760" cy="5291640"/>
+            <a:ext cx="8672400" cy="5291280"/>
           </a:xfrm>
           <a:prstGeom prst="rect">
             <a:avLst/>
@@ -9849,7 +10181,7 @@
         <p:txBody>
           <a:bodyPr lIns="90000" rIns="90000" tIns="45000" bIns="45000"/>
           <a:p>
-            <a:pPr marL="216000" indent="-216000">
+            <a:pPr marL="216000" indent="-215640">
               <a:lnSpc>
                 <a:spcPct val="100000"/>
               </a:lnSpc>
@@ -9857,12 +10189,16 @@
                 <a:srgbClr val="000000"/>
               </a:buClr>
               <a:buSzPct val="45000"/>
-              <a:buFont typeface="Wingdings"/>
-              <a:buChar char="l"/>
+              <a:buFont typeface="Wingdings" charset="2"/>
+              <a:buChar char=""/>
             </a:pPr>
             <a:r>
               <a:rPr b="0" lang="en-US" sz="3200" spc="-1" strike="noStrike">
-                <a:latin typeface="Arial"/>
+                <a:solidFill>
+                  <a:srgbClr val="000000"/>
+                </a:solidFill>
+                <a:latin typeface="Arial"/>
+                <a:ea typeface="DejaVu Sans"/>
               </a:rPr>
               <a:t>Computer must be able to communicate with outside world</a:t>
             </a:r>
@@ -9871,7 +10207,7 @@
             </a:endParaRPr>
           </a:p>
           <a:p>
-            <a:pPr marL="216000" indent="-216000">
+            <a:pPr marL="216000" indent="-215640">
               <a:lnSpc>
                 <a:spcPct val="100000"/>
               </a:lnSpc>
@@ -9879,12 +10215,16 @@
                 <a:srgbClr val="000000"/>
               </a:buClr>
               <a:buSzPct val="45000"/>
-              <a:buFont typeface="Wingdings"/>
-              <a:buChar char="l"/>
+              <a:buFont typeface="Wingdings" charset="2"/>
+              <a:buChar char=""/>
             </a:pPr>
             <a:r>
               <a:rPr b="0" lang="en-US" sz="3200" spc="-1" strike="noStrike">
-                <a:latin typeface="Arial"/>
+                <a:solidFill>
+                  <a:srgbClr val="000000"/>
+                </a:solidFill>
+                <a:latin typeface="Arial"/>
+                <a:ea typeface="DejaVu Sans"/>
               </a:rPr>
               <a:t>Data must be “accessible” to devices outside computer.</a:t>
             </a:r>
@@ -9903,7 +10243,7 @@
             </a:endParaRPr>
           </a:p>
           <a:p>
-            <a:pPr marL="216000" indent="-216000">
+            <a:pPr marL="216000" indent="-215640">
               <a:lnSpc>
                 <a:spcPct val="100000"/>
               </a:lnSpc>
@@ -9911,12 +10251,16 @@
                 <a:srgbClr val="000000"/>
               </a:buClr>
               <a:buSzPct val="45000"/>
-              <a:buFont typeface="Wingdings"/>
-              <a:buChar char="l"/>
+              <a:buFont typeface="Wingdings" charset="2"/>
+              <a:buChar char=""/>
             </a:pPr>
             <a:r>
               <a:rPr b="0" lang="en-US" sz="3200" spc="-1" strike="noStrike">
-                <a:latin typeface="Arial"/>
+                <a:solidFill>
+                  <a:srgbClr val="000000"/>
+                </a:solidFill>
+                <a:latin typeface="Arial"/>
+                <a:ea typeface="DejaVu Sans"/>
               </a:rPr>
               <a:t>Two types:</a:t>
             </a:r>
@@ -9925,7 +10269,7 @@
             </a:endParaRPr>
           </a:p>
           <a:p>
-            <a:pPr lvl="1" marL="432000" indent="-216000">
+            <a:pPr lvl="1" marL="432000" indent="-215640">
               <a:lnSpc>
                 <a:spcPct val="100000"/>
               </a:lnSpc>
@@ -9933,12 +10277,16 @@
                 <a:srgbClr val="000000"/>
               </a:buClr>
               <a:buSzPct val="75000"/>
-              <a:buFont typeface="Wingdings"/>
-              <a:buChar char="l"/>
+              <a:buFont typeface="Wingdings" charset="2"/>
+              <a:buChar char=""/>
             </a:pPr>
             <a:r>
               <a:rPr b="0" lang="en-US" sz="3200" spc="-1" strike="noStrike">
-                <a:latin typeface="Arial"/>
+                <a:solidFill>
+                  <a:srgbClr val="000000"/>
+                </a:solidFill>
+                <a:latin typeface="Arial"/>
+                <a:ea typeface="DejaVu Sans"/>
               </a:rPr>
               <a:t>Peripheral</a:t>
             </a:r>
@@ -9947,7 +10295,7 @@
             </a:endParaRPr>
           </a:p>
           <a:p>
-            <a:pPr lvl="1" marL="432000" indent="-216000">
+            <a:pPr lvl="1" marL="432000" indent="-215640">
               <a:lnSpc>
                 <a:spcPct val="100000"/>
               </a:lnSpc>
@@ -9955,12 +10303,16 @@
                 <a:srgbClr val="000000"/>
               </a:buClr>
               <a:buSzPct val="75000"/>
-              <a:buFont typeface="Wingdings"/>
-              <a:buChar char="l"/>
+              <a:buFont typeface="Wingdings" charset="2"/>
+              <a:buChar char=""/>
             </a:pPr>
             <a:r>
               <a:rPr b="0" lang="en-US" sz="3200" spc="-1" strike="noStrike">
-                <a:latin typeface="Arial"/>
+                <a:solidFill>
+                  <a:srgbClr val="000000"/>
+                </a:solidFill>
+                <a:latin typeface="Arial"/>
+                <a:ea typeface="DejaVu Sans"/>
               </a:rPr>
               <a:t>Data communications</a:t>
             </a:r>
@@ -10038,7 +10390,7 @@
         <p:spPr>
           <a:xfrm>
             <a:off x="1581840" y="302400"/>
-            <a:ext cx="8266680" cy="1259640"/>
+            <a:ext cx="8266320" cy="1259280"/>
           </a:xfrm>
           <a:prstGeom prst="rect">
             <a:avLst/>
@@ -10057,7 +10409,7 @@
         <p:txBody>
           <a:bodyPr lIns="90000" rIns="90000" tIns="46800" bIns="46800" anchor="ctr"/>
           <a:p>
-            <a:pPr marL="216000" indent="-216000" algn="ctr">
+            <a:pPr marL="216000" indent="-215640" algn="ctr">
               <a:lnSpc>
                 <a:spcPct val="100000"/>
               </a:lnSpc>
@@ -10065,12 +10417,16 @@
                 <a:srgbClr val="000000"/>
               </a:buClr>
               <a:buSzPct val="45000"/>
-              <a:buFont typeface="Wingdings"/>
-              <a:buChar char="l"/>
+              <a:buFont typeface="Wingdings" charset="2"/>
+              <a:buChar char=""/>
             </a:pPr>
             <a:r>
               <a:rPr b="0" lang="en-US" sz="4400" spc="-1" strike="noStrike">
-                <a:latin typeface="Arial"/>
+                <a:solidFill>
+                  <a:srgbClr val="000000"/>
+                </a:solidFill>
+                <a:latin typeface="Arial"/>
+                <a:ea typeface="DejaVu Sans"/>
               </a:rPr>
               <a:t>Data movement to a peripheral</a:t>
             </a:r>
@@ -10089,7 +10445,7 @@
         <p:spPr>
           <a:xfrm>
             <a:off x="1581840" y="1595520"/>
-            <a:ext cx="8266680" cy="5291640"/>
+            <a:ext cx="8266320" cy="5291280"/>
           </a:xfrm>
           <a:prstGeom prst="rect">
             <a:avLst/>
@@ -10108,7 +10464,7 @@
         <p:txBody>
           <a:bodyPr lIns="90000" rIns="90000" tIns="45000" bIns="45000"/>
           <a:p>
-            <a:pPr marL="216000" indent="-216000">
+            <a:pPr marL="216000" indent="-215640">
               <a:lnSpc>
                 <a:spcPct val="100000"/>
               </a:lnSpc>
@@ -10116,12 +10472,16 @@
                 <a:srgbClr val="000000"/>
               </a:buClr>
               <a:buSzPct val="45000"/>
-              <a:buFont typeface="Wingdings"/>
-              <a:buChar char="l"/>
+              <a:buFont typeface="Wingdings" charset="2"/>
+              <a:buChar char=""/>
             </a:pPr>
             <a:r>
               <a:rPr b="0" lang="en-US" sz="3200" spc="-1" strike="noStrike">
-                <a:latin typeface="Arial"/>
+                <a:solidFill>
+                  <a:srgbClr val="000000"/>
+                </a:solidFill>
+                <a:latin typeface="Arial"/>
+                <a:ea typeface="DejaVu Sans"/>
               </a:rPr>
               <a:t>Data must be passed between computer and I/O devices connected to computer</a:t>
             </a:r>
@@ -10130,7 +10490,7 @@
             </a:endParaRPr>
           </a:p>
           <a:p>
-            <a:pPr marL="216000" indent="-216000">
+            <a:pPr marL="216000" indent="-215640">
               <a:lnSpc>
                 <a:spcPct val="100000"/>
               </a:lnSpc>
@@ -10138,12 +10498,16 @@
                 <a:srgbClr val="000000"/>
               </a:buClr>
               <a:buSzPct val="45000"/>
-              <a:buFont typeface="Wingdings"/>
-              <a:buChar char="l"/>
+              <a:buFont typeface="Wingdings" charset="2"/>
+              <a:buChar char=""/>
             </a:pPr>
             <a:r>
               <a:rPr b="0" lang="en-US" sz="3200" spc="-1" strike="noStrike">
-                <a:latin typeface="Arial"/>
+                <a:solidFill>
+                  <a:srgbClr val="000000"/>
+                </a:solidFill>
+                <a:latin typeface="Arial"/>
+                <a:ea typeface="DejaVu Sans"/>
               </a:rPr>
               <a:t>Typically to simple devices</a:t>
             </a:r>
@@ -10162,7 +10526,7 @@
             </a:endParaRPr>
           </a:p>
           <a:p>
-            <a:pPr marL="216000" indent="-216000">
+            <a:pPr marL="216000" indent="-215640">
               <a:lnSpc>
                 <a:spcPct val="100000"/>
               </a:lnSpc>
@@ -10170,12 +10534,16 @@
                 <a:srgbClr val="000000"/>
               </a:buClr>
               <a:buSzPct val="45000"/>
-              <a:buFont typeface="Wingdings"/>
-              <a:buChar char="l"/>
+              <a:buFont typeface="Wingdings" charset="2"/>
+              <a:buChar char=""/>
             </a:pPr>
             <a:r>
               <a:rPr b="0" lang="en-US" sz="3200" spc="-1" strike="noStrike">
-                <a:latin typeface="Arial"/>
+                <a:solidFill>
+                  <a:srgbClr val="000000"/>
+                </a:solidFill>
+                <a:latin typeface="Arial"/>
+                <a:ea typeface="DejaVu Sans"/>
               </a:rPr>
               <a:t>Examples</a:t>
             </a:r>
@@ -10184,7 +10552,7 @@
             </a:endParaRPr>
           </a:p>
           <a:p>
-            <a:pPr lvl="1" marL="432000" indent="-216000">
+            <a:pPr lvl="1" marL="432000" indent="-215640">
               <a:lnSpc>
                 <a:spcPct val="100000"/>
               </a:lnSpc>
@@ -10192,12 +10560,16 @@
                 <a:srgbClr val="000000"/>
               </a:buClr>
               <a:buSzPct val="75000"/>
-              <a:buFont typeface="Wingdings"/>
-              <a:buChar char="l"/>
+              <a:buFont typeface="Wingdings" charset="2"/>
+              <a:buChar char=""/>
             </a:pPr>
             <a:r>
               <a:rPr b="0" lang="en-US" sz="3200" spc="-1" strike="noStrike">
-                <a:latin typeface="Arial"/>
+                <a:solidFill>
+                  <a:srgbClr val="000000"/>
+                </a:solidFill>
+                <a:latin typeface="Arial"/>
+                <a:ea typeface="DejaVu Sans"/>
               </a:rPr>
               <a:t>monitors and keyboards</a:t>
             </a:r>
@@ -10236,7 +10608,7 @@
         <p:spPr>
           <a:xfrm>
             <a:off x="9495360" y="6950520"/>
-            <a:ext cx="503640" cy="524520"/>
+            <a:ext cx="503280" cy="524160"/>
           </a:xfrm>
           <a:prstGeom prst="rect">
             <a:avLst/>
@@ -10260,12 +10632,13 @@
                 <a:spcPct val="100000"/>
               </a:lnSpc>
             </a:pPr>
-            <a:fld id="{0BAAAC8F-C20F-4294-A4CA-49C353BF3566}" type="slidenum">
+            <a:fld id="{BBC025F6-5371-4EE7-915B-F3179E4AC0CE}" type="slidenum">
               <a:rPr b="0" lang="en-US" sz="1200" spc="-1" strike="noStrike">
                 <a:solidFill>
                   <a:srgbClr val="b5a788"/>
                 </a:solidFill>
                 <a:latin typeface="Arial"/>
+                <a:ea typeface="DejaVu Sans"/>
               </a:rPr>
               <a:t>&lt;number&gt;</a:t>
             </a:fld>
@@ -10284,7 +10657,7 @@
         <p:spPr>
           <a:xfrm>
             <a:off x="6299640" y="6950520"/>
-            <a:ext cx="3191760" cy="524520"/>
+            <a:ext cx="3191400" cy="524160"/>
           </a:xfrm>
           <a:prstGeom prst="rect">
             <a:avLst/>
@@ -10314,6 +10687,7 @@
                   <a:srgbClr val="b5a788"/>
                 </a:solidFill>
                 <a:latin typeface="Arial"/>
+                <a:ea typeface="DejaVu Sans"/>
               </a:rPr>
               <a:t>Computer Org &amp; Arch - BScIT 1 @ UCU</a:t>
             </a:r>
@@ -10381,7 +10755,7 @@
         <p:spPr>
           <a:xfrm>
             <a:off x="504000" y="301320"/>
-            <a:ext cx="9071280" cy="1261800"/>
+            <a:ext cx="9070920" cy="1261440"/>
           </a:xfrm>
           <a:prstGeom prst="rect">
             <a:avLst/>
@@ -10407,7 +10781,11 @@
             </a:pPr>
             <a:r>
               <a:rPr b="0" lang="en-US" sz="4400" spc="-1" strike="noStrike">
-                <a:latin typeface="Arial"/>
+                <a:solidFill>
+                  <a:srgbClr val="000000"/>
+                </a:solidFill>
+                <a:latin typeface="Arial"/>
+                <a:ea typeface="DejaVu Sans"/>
               </a:rPr>
               <a:t>About the Course</a:t>
             </a:r>
@@ -10426,7 +10804,7 @@
         <p:spPr>
           <a:xfrm>
             <a:off x="504000" y="1769040"/>
-            <a:ext cx="9071280" cy="4384080"/>
+            <a:ext cx="9070920" cy="4383720"/>
           </a:xfrm>
           <a:prstGeom prst="rect">
             <a:avLst/>
@@ -10452,7 +10830,11 @@
             </a:pPr>
             <a:r>
               <a:rPr b="0" lang="en-US" sz="2800" spc="-1" strike="noStrike">
-                <a:latin typeface="Arial"/>
+                <a:solidFill>
+                  <a:srgbClr val="000000"/>
+                </a:solidFill>
+                <a:latin typeface="Arial"/>
+                <a:ea typeface="DejaVu Sans"/>
               </a:rPr>
               <a:t>This course is concerned with developing an understanding of the different components of a digital computer, their individual operation/function and their organization as a complete unit. </a:t>
             </a:r>
@@ -10478,7 +10860,11 @@
             </a:pPr>
             <a:r>
               <a:rPr b="0" lang="en-US" sz="2800" spc="-1" strike="noStrike">
-                <a:latin typeface="Arial"/>
+                <a:solidFill>
+                  <a:srgbClr val="000000"/>
+                </a:solidFill>
+                <a:latin typeface="Arial"/>
+                <a:ea typeface="DejaVu Sans"/>
               </a:rPr>
               <a:t>Emphasis will be placed on the major component subsystems of high performance computers: pipelining, instruction level parallelism, memory hierarchies, input/output. </a:t>
             </a:r>
@@ -10546,7 +10932,7 @@
         <p:spPr>
           <a:xfrm>
             <a:off x="1581840" y="302400"/>
-            <a:ext cx="8266680" cy="1259640"/>
+            <a:ext cx="8266320" cy="1259280"/>
           </a:xfrm>
           <a:prstGeom prst="rect">
             <a:avLst/>
@@ -10565,7 +10951,7 @@
         <p:txBody>
           <a:bodyPr lIns="90000" rIns="90000" tIns="46800" bIns="46800" anchor="ctr"/>
           <a:p>
-            <a:pPr marL="216000" indent="-216000" algn="ctr">
+            <a:pPr marL="216000" indent="-215640" algn="ctr">
               <a:lnSpc>
                 <a:spcPct val="100000"/>
               </a:lnSpc>
@@ -10573,12 +10959,16 @@
                 <a:srgbClr val="000000"/>
               </a:buClr>
               <a:buSzPct val="45000"/>
-              <a:buFont typeface="Wingdings"/>
-              <a:buChar char="l"/>
+              <a:buFont typeface="Wingdings" charset="2"/>
+              <a:buChar char=""/>
             </a:pPr>
             <a:r>
               <a:rPr b="1" lang="en-US" sz="3200" spc="-1" strike="noStrike">
-                <a:latin typeface="Arial"/>
+                <a:solidFill>
+                  <a:srgbClr val="000000"/>
+                </a:solidFill>
+                <a:latin typeface="Arial"/>
+                <a:ea typeface="DejaVu Sans"/>
               </a:rPr>
               <a:t>Data Movement to remote devices (data communications)</a:t>
             </a:r>
@@ -10597,7 +10987,7 @@
         <p:spPr>
           <a:xfrm>
             <a:off x="1581840" y="2351880"/>
-            <a:ext cx="8266680" cy="4535640"/>
+            <a:ext cx="8266320" cy="4535280"/>
           </a:xfrm>
           <a:prstGeom prst="rect">
             <a:avLst/>
@@ -10616,7 +11006,7 @@
         <p:txBody>
           <a:bodyPr lIns="90000" rIns="90000" tIns="45000" bIns="45000"/>
           <a:p>
-            <a:pPr marL="216000" indent="-216000">
+            <a:pPr marL="216000" indent="-215640">
               <a:lnSpc>
                 <a:spcPct val="100000"/>
               </a:lnSpc>
@@ -10624,12 +11014,16 @@
                 <a:srgbClr val="000000"/>
               </a:buClr>
               <a:buSzPct val="45000"/>
-              <a:buFont typeface="Wingdings"/>
-              <a:buChar char="l"/>
+              <a:buFont typeface="Wingdings" charset="2"/>
+              <a:buChar char=""/>
             </a:pPr>
             <a:r>
               <a:rPr b="0" lang="en-US" sz="3200" spc="-1" strike="noStrike">
-                <a:latin typeface="Arial"/>
+                <a:solidFill>
+                  <a:srgbClr val="000000"/>
+                </a:solidFill>
+                <a:latin typeface="Arial"/>
+                <a:ea typeface="DejaVu Sans"/>
               </a:rPr>
               <a:t>Data communications is data movement over a longer range</a:t>
             </a:r>
@@ -10638,7 +11032,7 @@
             </a:endParaRPr>
           </a:p>
           <a:p>
-            <a:pPr marL="216000" indent="-216000">
+            <a:pPr marL="216000" indent="-215640">
               <a:lnSpc>
                 <a:spcPct val="100000"/>
               </a:lnSpc>
@@ -10646,12 +11040,16 @@
                 <a:srgbClr val="000000"/>
               </a:buClr>
               <a:buSzPct val="45000"/>
-              <a:buFont typeface="Wingdings"/>
-              <a:buChar char="l"/>
+              <a:buFont typeface="Wingdings" charset="2"/>
+              <a:buChar char=""/>
             </a:pPr>
             <a:r>
               <a:rPr b="0" lang="en-US" sz="3200" spc="-1" strike="noStrike">
-                <a:latin typeface="Arial"/>
+                <a:solidFill>
+                  <a:srgbClr val="000000"/>
+                </a:solidFill>
+                <a:latin typeface="Arial"/>
+                <a:ea typeface="DejaVu Sans"/>
               </a:rPr>
               <a:t>Typically to smart devices or other computers</a:t>
             </a:r>
@@ -10680,7 +11078,7 @@
         <p:spPr>
           <a:xfrm>
             <a:off x="9495360" y="6950520"/>
-            <a:ext cx="503640" cy="524520"/>
+            <a:ext cx="503280" cy="524160"/>
           </a:xfrm>
           <a:prstGeom prst="rect">
             <a:avLst/>
@@ -10704,12 +11102,13 @@
                 <a:spcPct val="100000"/>
               </a:lnSpc>
             </a:pPr>
-            <a:fld id="{B3F253E3-FFEF-40F6-BFF2-FE5F0E881B3B}" type="slidenum">
+            <a:fld id="{272650A7-74BA-41E6-A54C-20DBEB4CFE0D}" type="slidenum">
               <a:rPr b="0" lang="en-US" sz="1200" spc="-1" strike="noStrike">
                 <a:solidFill>
                   <a:srgbClr val="b5a788"/>
                 </a:solidFill>
                 <a:latin typeface="Arial"/>
+                <a:ea typeface="DejaVu Sans"/>
               </a:rPr>
               <a:t>&lt;number&gt;</a:t>
             </a:fld>
@@ -10728,7 +11127,7 @@
         <p:spPr>
           <a:xfrm>
             <a:off x="6299640" y="6950520"/>
-            <a:ext cx="3191760" cy="524520"/>
+            <a:ext cx="3191400" cy="524160"/>
           </a:xfrm>
           <a:prstGeom prst="rect">
             <a:avLst/>
@@ -10758,6 +11157,7 @@
                   <a:srgbClr val="b5a788"/>
                 </a:solidFill>
                 <a:latin typeface="Arial"/>
+                <a:ea typeface="DejaVu Sans"/>
               </a:rPr>
               <a:t>Computer Org &amp; Arch - BScIT 1 @ UCU</a:t>
             </a:r>
@@ -10825,7 +11225,7 @@
         <p:spPr>
           <a:xfrm>
             <a:off x="1581840" y="302400"/>
-            <a:ext cx="8266680" cy="1259640"/>
+            <a:ext cx="8266320" cy="1259280"/>
           </a:xfrm>
           <a:prstGeom prst="rect">
             <a:avLst/>
@@ -10844,7 +11244,7 @@
         <p:txBody>
           <a:bodyPr lIns="90000" rIns="90000" tIns="46800" bIns="46800" anchor="ctr"/>
           <a:p>
-            <a:pPr marL="216000" indent="-216000" algn="ctr">
+            <a:pPr marL="216000" indent="-215640" algn="ctr">
               <a:lnSpc>
                 <a:spcPct val="100000"/>
               </a:lnSpc>
@@ -10852,12 +11252,16 @@
                 <a:srgbClr val="000000"/>
               </a:buClr>
               <a:buSzPct val="45000"/>
-              <a:buFont typeface="Wingdings"/>
-              <a:buChar char="l"/>
+              <a:buFont typeface="Wingdings" charset="2"/>
+              <a:buChar char=""/>
             </a:pPr>
             <a:r>
               <a:rPr b="0" lang="en-US" sz="4400" spc="-1" strike="noStrike">
-                <a:latin typeface="Arial"/>
+                <a:solidFill>
+                  <a:srgbClr val="000000"/>
+                </a:solidFill>
+                <a:latin typeface="Arial"/>
+                <a:ea typeface="DejaVu Sans"/>
               </a:rPr>
               <a:t>Control</a:t>
             </a:r>
@@ -10876,7 +11280,7 @@
         <p:spPr>
           <a:xfrm>
             <a:off x="1581840" y="1595520"/>
-            <a:ext cx="8266680" cy="5291640"/>
+            <a:ext cx="8266320" cy="5291280"/>
           </a:xfrm>
           <a:prstGeom prst="rect">
             <a:avLst/>
@@ -10895,7 +11299,7 @@
         <p:txBody>
           <a:bodyPr lIns="90000" rIns="90000" tIns="45000" bIns="45000"/>
           <a:p>
-            <a:pPr marL="216000" indent="-216000">
+            <a:pPr marL="216000" indent="-215640">
               <a:lnSpc>
                 <a:spcPct val="100000"/>
               </a:lnSpc>
@@ -10903,12 +11307,16 @@
                 <a:srgbClr val="000000"/>
               </a:buClr>
               <a:buSzPct val="45000"/>
-              <a:buFont typeface="Wingdings"/>
-              <a:buChar char="l"/>
+              <a:buFont typeface="Wingdings" charset="2"/>
+              <a:buChar char=""/>
             </a:pPr>
             <a:r>
               <a:rPr b="0" lang="en-US" sz="3200" spc="-1" strike="noStrike">
-                <a:latin typeface="Arial"/>
+                <a:solidFill>
+                  <a:srgbClr val="000000"/>
+                </a:solidFill>
+                <a:latin typeface="Arial"/>
+                <a:ea typeface="DejaVu Sans"/>
               </a:rPr>
               <a:t>Something needs to monitor operation and maintain control of data processing, data storage, and data movement.</a:t>
             </a:r>
@@ -10917,7 +11325,7 @@
             </a:endParaRPr>
           </a:p>
           <a:p>
-            <a:pPr marL="216000" indent="-216000">
+            <a:pPr marL="216000" indent="-215640">
               <a:lnSpc>
                 <a:spcPct val="100000"/>
               </a:lnSpc>
@@ -10925,12 +11333,16 @@
                 <a:srgbClr val="000000"/>
               </a:buClr>
               <a:buSzPct val="45000"/>
-              <a:buFont typeface="Wingdings"/>
-              <a:buChar char="l"/>
+              <a:buFont typeface="Wingdings" charset="2"/>
+              <a:buChar char=""/>
             </a:pPr>
             <a:r>
               <a:rPr b="0" lang="en-US" sz="3200" spc="-1" strike="noStrike">
-                <a:latin typeface="Arial"/>
+                <a:solidFill>
+                  <a:srgbClr val="000000"/>
+                </a:solidFill>
+                <a:latin typeface="Arial"/>
+                <a:ea typeface="DejaVu Sans"/>
               </a:rPr>
               <a:t>The control is exercised by the individuals who provide the computer with instructions . Within the computer, a control unit manages the computer resources.</a:t>
             </a:r>
@@ -10959,7 +11371,7 @@
         <p:spPr>
           <a:xfrm>
             <a:off x="9495360" y="6950520"/>
-            <a:ext cx="503640" cy="524520"/>
+            <a:ext cx="503280" cy="524160"/>
           </a:xfrm>
           <a:prstGeom prst="rect">
             <a:avLst/>
@@ -10983,12 +11395,13 @@
                 <a:spcPct val="100000"/>
               </a:lnSpc>
             </a:pPr>
-            <a:fld id="{ACD3A31A-7F6C-497C-8820-E4F9A4F43FCF}" type="slidenum">
+            <a:fld id="{9AE2E3CC-3282-4733-B331-941227739D4A}" type="slidenum">
               <a:rPr b="0" lang="en-US" sz="1200" spc="-1" strike="noStrike">
                 <a:solidFill>
                   <a:srgbClr val="b5a788"/>
                 </a:solidFill>
                 <a:latin typeface="Arial"/>
+                <a:ea typeface="DejaVu Sans"/>
               </a:rPr>
               <a:t>&lt;number&gt;</a:t>
             </a:fld>
@@ -11007,7 +11420,7 @@
         <p:spPr>
           <a:xfrm>
             <a:off x="6299640" y="6950520"/>
-            <a:ext cx="3191760" cy="524520"/>
+            <a:ext cx="3191400" cy="524160"/>
           </a:xfrm>
           <a:prstGeom prst="rect">
             <a:avLst/>
@@ -11037,6 +11450,7 @@
                   <a:srgbClr val="b5a788"/>
                 </a:solidFill>
                 <a:latin typeface="Arial"/>
+                <a:ea typeface="DejaVu Sans"/>
               </a:rPr>
               <a:t>Computer Org &amp; Arch - BScIT 1 @ UCU</a:t>
             </a:r>
@@ -11104,7 +11518,7 @@
         <p:spPr>
           <a:xfrm>
             <a:off x="1581840" y="302400"/>
-            <a:ext cx="8266680" cy="1259640"/>
+            <a:ext cx="8266320" cy="1259280"/>
           </a:xfrm>
           <a:prstGeom prst="rect">
             <a:avLst/>
@@ -11123,7 +11537,7 @@
         <p:txBody>
           <a:bodyPr lIns="90000" rIns="90000" tIns="46800" bIns="46800" anchor="ctr"/>
           <a:p>
-            <a:pPr marL="216000" indent="-216000" algn="ctr">
+            <a:pPr marL="216000" indent="-215640" algn="ctr">
               <a:lnSpc>
                 <a:spcPct val="100000"/>
               </a:lnSpc>
@@ -11131,12 +11545,16 @@
                 <a:srgbClr val="000000"/>
               </a:buClr>
               <a:buSzPct val="45000"/>
-              <a:buFont typeface="Wingdings"/>
-              <a:buChar char="l"/>
+              <a:buFont typeface="Wingdings" charset="2"/>
+              <a:buChar char=""/>
             </a:pPr>
             <a:r>
               <a:rPr b="0" lang="en-US" sz="4400" spc="-1" strike="noStrike">
-                <a:latin typeface="Arial"/>
+                <a:solidFill>
+                  <a:srgbClr val="000000"/>
+                </a:solidFill>
+                <a:latin typeface="Arial"/>
+                <a:ea typeface="DejaVu Sans"/>
               </a:rPr>
               <a:t>Function view</a:t>
             </a:r>
@@ -11160,7 +11578,7 @@
         <p:spPr>
           <a:xfrm>
             <a:off x="2630160" y="1762200"/>
-            <a:ext cx="3459240" cy="4957200"/>
+            <a:ext cx="3458880" cy="4956840"/>
           </a:xfrm>
           <a:prstGeom prst="rect">
             <a:avLst/>
@@ -11179,7 +11597,7 @@
         <p:spPr>
           <a:xfrm>
             <a:off x="9495360" y="6950520"/>
-            <a:ext cx="503640" cy="524520"/>
+            <a:ext cx="503280" cy="524160"/>
           </a:xfrm>
           <a:prstGeom prst="rect">
             <a:avLst/>
@@ -11203,12 +11621,13 @@
                 <a:spcPct val="100000"/>
               </a:lnSpc>
             </a:pPr>
-            <a:fld id="{D2493B3C-D7DB-436D-B2B1-936AC664FB8B}" type="slidenum">
+            <a:fld id="{D783489E-CDFC-4F2B-A350-E00D2271B867}" type="slidenum">
               <a:rPr b="0" lang="en-US" sz="1200" spc="-1" strike="noStrike">
                 <a:solidFill>
                   <a:srgbClr val="b5a788"/>
                 </a:solidFill>
                 <a:latin typeface="Arial"/>
+                <a:ea typeface="DejaVu Sans"/>
               </a:rPr>
               <a:t>&lt;number&gt;</a:t>
             </a:fld>
@@ -11227,7 +11646,7 @@
         <p:spPr>
           <a:xfrm>
             <a:off x="6299640" y="6950520"/>
-            <a:ext cx="3191760" cy="524520"/>
+            <a:ext cx="3191400" cy="524160"/>
           </a:xfrm>
           <a:prstGeom prst="rect">
             <a:avLst/>
@@ -11257,6 +11676,7 @@
                   <a:srgbClr val="b5a788"/>
                 </a:solidFill>
                 <a:latin typeface="Arial"/>
+                <a:ea typeface="DejaVu Sans"/>
               </a:rPr>
               <a:t>Computer Org &amp; Arch - BScIT 1 @ UCU</a:t>
             </a:r>
@@ -11324,7 +11744,7 @@
         <p:spPr>
           <a:xfrm>
             <a:off x="1595520" y="250200"/>
-            <a:ext cx="8147520" cy="2017080"/>
+            <a:ext cx="8147160" cy="2016720"/>
           </a:xfrm>
           <a:prstGeom prst="rect">
             <a:avLst/>
@@ -11343,20 +11763,38 @@
         <p:txBody>
           <a:bodyPr lIns="90000" rIns="90000" tIns="45000" bIns="45000" anchor="ctr"/>
           <a:p>
+            <a:pPr>
+              <a:lnSpc>
+                <a:spcPct val="100000"/>
+              </a:lnSpc>
+            </a:pPr>
             <a:endParaRPr b="0" lang="en-US" sz="1800" spc="-1" strike="noStrike">
               <a:latin typeface="Arial"/>
             </a:endParaRPr>
           </a:p>
           <a:p>
+            <a:pPr>
+              <a:lnSpc>
+                <a:spcPct val="100000"/>
+              </a:lnSpc>
+            </a:pPr>
             <a:r>
               <a:rPr b="0" lang="en-US" sz="2900" spc="-1" strike="noStrike">
-                <a:latin typeface="Arial"/>
+                <a:solidFill>
+                  <a:srgbClr val="000000"/>
+                </a:solidFill>
+                <a:latin typeface="Arial"/>
+                <a:ea typeface="DejaVu Sans"/>
               </a:rPr>
               <a:t> </a:t>
             </a:r>
             <a:r>
               <a:rPr b="0" lang="en-US" sz="4000" spc="-1" strike="noStrike">
-                <a:latin typeface="Arial"/>
+                <a:solidFill>
+                  <a:srgbClr val="000000"/>
+                </a:solidFill>
+                <a:latin typeface="Arial"/>
+                <a:ea typeface="DejaVu Sans"/>
               </a:rPr>
               <a:t>Operations of the Computer:</a:t>
             </a:r>
@@ -11365,14 +11803,28 @@
             </a:endParaRPr>
           </a:p>
           <a:p>
+            <a:pPr>
+              <a:lnSpc>
+                <a:spcPct val="100000"/>
+              </a:lnSpc>
+            </a:pPr>
             <a:endParaRPr b="0" lang="en-US" sz="4000" spc="-1" strike="noStrike">
               <a:latin typeface="Arial"/>
             </a:endParaRPr>
           </a:p>
           <a:p>
+            <a:pPr>
+              <a:lnSpc>
+                <a:spcPct val="100000"/>
+              </a:lnSpc>
+            </a:pPr>
             <a:r>
               <a:rPr b="0" lang="en-US" sz="2900" spc="-1" strike="noStrike">
-                <a:latin typeface="Arial"/>
+                <a:solidFill>
+                  <a:srgbClr val="000000"/>
+                </a:solidFill>
+                <a:latin typeface="Arial"/>
+                <a:ea typeface="DejaVu Sans"/>
               </a:rPr>
               <a:t>1.Data movement  </a:t>
             </a:r>
@@ -11381,27 +11833,48 @@
             </a:endParaRPr>
           </a:p>
           <a:p>
+            <a:pPr>
+              <a:lnSpc>
+                <a:spcPct val="100000"/>
+              </a:lnSpc>
+            </a:pPr>
             <a:r>
               <a:rPr b="0" lang="en-US" sz="2900" spc="-1" strike="noStrike">
-                <a:latin typeface="Arial"/>
+                <a:solidFill>
+                  <a:srgbClr val="000000"/>
+                </a:solidFill>
+                <a:latin typeface="Arial"/>
+                <a:ea typeface="DejaVu Sans"/>
               </a:rPr>
               <a:t>           </a:t>
             </a:r>
             <a:r>
               <a:rPr b="0" lang="en-US" sz="2900" spc="-1" strike="noStrike">
-                <a:latin typeface="Arial"/>
+                <a:solidFill>
+                  <a:srgbClr val="000000"/>
+                </a:solidFill>
+                <a:latin typeface="Arial"/>
+                <a:ea typeface="DejaVu Sans"/>
               </a:rPr>
               <a:t>eg . </a:t>
             </a:r>
             <a:r>
               <a:rPr b="0" lang="en-US" sz="2500" spc="-1" strike="noStrike">
-                <a:latin typeface="Arial"/>
+                <a:solidFill>
+                  <a:srgbClr val="000000"/>
+                </a:solidFill>
+                <a:latin typeface="Arial"/>
+                <a:ea typeface="DejaVu Sans"/>
               </a:rPr>
               <a:t>Keyboard to Screen</a:t>
             </a:r>
             <a:r>
               <a:rPr b="0" lang="en-US" sz="2000" spc="-1" strike="noStrike">
-                <a:latin typeface="Arial"/>
+                <a:solidFill>
+                  <a:srgbClr val="000000"/>
+                </a:solidFill>
+                <a:latin typeface="Arial"/>
+                <a:ea typeface="DejaVu Sans"/>
               </a:rPr>
               <a:t> </a:t>
             </a:r>
@@ -11410,7 +11883,7 @@
             </a:endParaRPr>
           </a:p>
           <a:p>
-            <a:pPr marL="216000" indent="-216000" algn="ctr">
+            <a:pPr marL="216000" indent="-215640" algn="ctr">
               <a:lnSpc>
                 <a:spcPct val="100000"/>
               </a:lnSpc>
@@ -11418,12 +11891,16 @@
                 <a:srgbClr val="000000"/>
               </a:buClr>
               <a:buSzPct val="45000"/>
-              <a:buFont typeface="Wingdings"/>
-              <a:buChar char="l"/>
+              <a:buFont typeface="Wingdings" charset="2"/>
+              <a:buChar char=""/>
             </a:pPr>
             <a:r>
               <a:rPr b="0" lang="en-US" sz="2000" spc="-1" strike="noStrike">
-                <a:latin typeface="Arial"/>
+                <a:solidFill>
+                  <a:srgbClr val="000000"/>
+                </a:solidFill>
+                <a:latin typeface="Arial"/>
+                <a:ea typeface="DejaVu Sans"/>
               </a:rPr>
               <a:t> </a:t>
             </a:r>
@@ -11447,7 +11924,7 @@
         <p:spPr>
           <a:xfrm>
             <a:off x="2630160" y="2687760"/>
-            <a:ext cx="3459240" cy="4871880"/>
+            <a:ext cx="3458880" cy="4871520"/>
           </a:xfrm>
           <a:prstGeom prst="rect">
             <a:avLst/>
@@ -11466,7 +11943,7 @@
         <p:spPr>
           <a:xfrm>
             <a:off x="9495360" y="6950520"/>
-            <a:ext cx="503640" cy="524520"/>
+            <a:ext cx="503280" cy="524160"/>
           </a:xfrm>
           <a:prstGeom prst="rect">
             <a:avLst/>
@@ -11490,12 +11967,13 @@
                 <a:spcPct val="100000"/>
               </a:lnSpc>
             </a:pPr>
-            <a:fld id="{EC20097F-83EE-4132-99AB-7D7987D230C7}" type="slidenum">
+            <a:fld id="{8421725E-C061-4864-A252-6F6FC2CB76BA}" type="slidenum">
               <a:rPr b="0" lang="en-US" sz="1200" spc="-1" strike="noStrike">
                 <a:solidFill>
                   <a:srgbClr val="b5a788"/>
                 </a:solidFill>
                 <a:latin typeface="Arial"/>
+                <a:ea typeface="DejaVu Sans"/>
               </a:rPr>
               <a:t>&lt;number&gt;</a:t>
             </a:fld>
@@ -11514,7 +11992,7 @@
         <p:spPr>
           <a:xfrm>
             <a:off x="6299640" y="6950520"/>
-            <a:ext cx="3191760" cy="524520"/>
+            <a:ext cx="3191400" cy="524160"/>
           </a:xfrm>
           <a:prstGeom prst="rect">
             <a:avLst/>
@@ -11544,6 +12022,7 @@
                   <a:srgbClr val="b5a788"/>
                 </a:solidFill>
                 <a:latin typeface="Arial"/>
+                <a:ea typeface="DejaVu Sans"/>
               </a:rPr>
               <a:t>Computer Org &amp; Arch - BScIT 1 @ UCU</a:t>
             </a:r>
@@ -11611,7 +12090,7 @@
         <p:spPr>
           <a:xfrm>
             <a:off x="1512000" y="167760"/>
-            <a:ext cx="6730200" cy="2519640"/>
+            <a:ext cx="6729840" cy="2519280"/>
           </a:xfrm>
           <a:prstGeom prst="rect">
             <a:avLst/>
@@ -11630,12 +12109,18 @@
         <p:txBody>
           <a:bodyPr lIns="90000" rIns="90000" tIns="45000" bIns="45000" anchor="ctr"/>
           <a:p>
+            <a:pPr>
+              <a:lnSpc>
+                <a:spcPct val="100000"/>
+              </a:lnSpc>
+            </a:pPr>
             <a:r>
               <a:rPr b="0" lang="en-US" sz="4000" spc="-1" strike="noStrike">
                 <a:solidFill>
                   <a:srgbClr val="000000"/>
                 </a:solidFill>
                 <a:latin typeface="Arial"/>
+                <a:ea typeface="DejaVu Sans"/>
               </a:rPr>
               <a:t>2. Storage </a:t>
             </a:r>
@@ -11644,17 +12129,28 @@
             </a:endParaRPr>
           </a:p>
           <a:p>
+            <a:pPr>
+              <a:lnSpc>
+                <a:spcPct val="100000"/>
+              </a:lnSpc>
+            </a:pPr>
             <a:endParaRPr b="0" lang="en-US" sz="4000" spc="-1" strike="noStrike">
               <a:latin typeface="Arial"/>
             </a:endParaRPr>
           </a:p>
           <a:p>
+            <a:pPr>
+              <a:lnSpc>
+                <a:spcPct val="100000"/>
+              </a:lnSpc>
+            </a:pPr>
             <a:r>
               <a:rPr b="0" lang="en-US" sz="1800" spc="-1" strike="noStrike">
                 <a:solidFill>
                   <a:srgbClr val="000000"/>
                 </a:solidFill>
                 <a:latin typeface="Arial"/>
+                <a:ea typeface="DejaVu Sans"/>
               </a:rPr>
               <a:t>         </a:t>
             </a:r>
@@ -11664,6 +12160,7 @@
                   <a:srgbClr val="000000"/>
                 </a:solidFill>
                 <a:latin typeface="Arial"/>
+                <a:ea typeface="DejaVu Sans"/>
               </a:rPr>
               <a:t>e.g. </a:t>
             </a:r>
@@ -11673,6 +12170,7 @@
                   <a:srgbClr val="000000"/>
                 </a:solidFill>
                 <a:latin typeface="Arial"/>
+                <a:ea typeface="DejaVu Sans"/>
               </a:rPr>
               <a:t>Internet download to disk</a:t>
             </a:r>
@@ -11706,7 +12204,7 @@
         <p:spPr>
           <a:xfrm>
             <a:off x="2630160" y="2687760"/>
-            <a:ext cx="3459240" cy="4031640"/>
+            <a:ext cx="3458880" cy="4031280"/>
           </a:xfrm>
           <a:prstGeom prst="rect">
             <a:avLst/>
@@ -11725,7 +12223,7 @@
         <p:spPr>
           <a:xfrm>
             <a:off x="9495360" y="6950520"/>
-            <a:ext cx="503640" cy="524520"/>
+            <a:ext cx="503280" cy="524160"/>
           </a:xfrm>
           <a:prstGeom prst="rect">
             <a:avLst/>
@@ -11749,12 +12247,13 @@
                 <a:spcPct val="100000"/>
               </a:lnSpc>
             </a:pPr>
-            <a:fld id="{710DAA26-59DC-42A0-B64A-1EE271629487}" type="slidenum">
+            <a:fld id="{2CCBFBF0-8A15-40C4-8688-0F59584C06F2}" type="slidenum">
               <a:rPr b="0" lang="en-US" sz="1200" spc="-1" strike="noStrike">
                 <a:solidFill>
                   <a:srgbClr val="b5a788"/>
                 </a:solidFill>
                 <a:latin typeface="Arial"/>
+                <a:ea typeface="DejaVu Sans"/>
               </a:rPr>
               <a:t>&lt;number&gt;</a:t>
             </a:fld>
@@ -11773,7 +12272,7 @@
         <p:spPr>
           <a:xfrm>
             <a:off x="6299640" y="6950520"/>
-            <a:ext cx="3191760" cy="524520"/>
+            <a:ext cx="3191400" cy="524160"/>
           </a:xfrm>
           <a:prstGeom prst="rect">
             <a:avLst/>
@@ -11803,6 +12302,7 @@
                   <a:srgbClr val="b5a788"/>
                 </a:solidFill>
                 <a:latin typeface="Arial"/>
+                <a:ea typeface="DejaVu Sans"/>
               </a:rPr>
               <a:t>Computer Org &amp; Arch - BScIT 1 @ UCU</a:t>
             </a:r>
@@ -11870,7 +12370,7 @@
         <p:spPr>
           <a:xfrm>
             <a:off x="1511280" y="504000"/>
-            <a:ext cx="8315640" cy="2435400"/>
+            <a:ext cx="8315280" cy="2435040"/>
           </a:xfrm>
           <a:prstGeom prst="rect">
             <a:avLst/>
@@ -11889,19 +12389,38 @@
         <p:txBody>
           <a:bodyPr lIns="90000" rIns="90000" tIns="45000" bIns="45000" anchor="ctr"/>
           <a:p>
+            <a:pPr>
+              <a:lnSpc>
+                <a:spcPct val="100000"/>
+              </a:lnSpc>
+            </a:pPr>
             <a:endParaRPr b="0" lang="en-US" sz="1800" spc="-1" strike="noStrike">
               <a:latin typeface="Arial"/>
             </a:endParaRPr>
           </a:p>
           <a:p>
+            <a:pPr>
+              <a:lnSpc>
+                <a:spcPct val="100000"/>
+              </a:lnSpc>
+            </a:pPr>
             <a:endParaRPr b="0" lang="en-US" sz="1800" spc="-1" strike="noStrike">
               <a:latin typeface="Arial"/>
             </a:endParaRPr>
           </a:p>
           <a:p>
+            <a:pPr>
+              <a:lnSpc>
+                <a:spcPct val="100000"/>
+              </a:lnSpc>
+            </a:pPr>
             <a:r>
               <a:rPr b="1" lang="en-US" sz="2900" spc="-1" strike="noStrike">
-                <a:latin typeface="Arial"/>
+                <a:solidFill>
+                  <a:srgbClr val="000000"/>
+                </a:solidFill>
+                <a:latin typeface="Arial"/>
+                <a:ea typeface="DejaVu Sans"/>
               </a:rPr>
               <a:t>Processing from/to storage</a:t>
             </a:r>
@@ -11910,17 +12429,28 @@
             </a:endParaRPr>
           </a:p>
           <a:p>
+            <a:pPr>
+              <a:lnSpc>
+                <a:spcPct val="100000"/>
+              </a:lnSpc>
+            </a:pPr>
             <a:endParaRPr b="0" lang="en-US" sz="2900" spc="-1" strike="noStrike">
               <a:latin typeface="Arial"/>
             </a:endParaRPr>
           </a:p>
           <a:p>
+            <a:pPr>
+              <a:lnSpc>
+                <a:spcPct val="100000"/>
+              </a:lnSpc>
+            </a:pPr>
             <a:r>
               <a:rPr b="0" lang="en-US" sz="2900" spc="-1" strike="noStrike">
                 <a:solidFill>
                   <a:srgbClr val="000000"/>
                 </a:solidFill>
                 <a:latin typeface="Arial"/>
+                <a:ea typeface="DejaVu Sans"/>
               </a:rPr>
               <a:t>       </a:t>
             </a:r>
@@ -11930,6 +12460,7 @@
                   <a:srgbClr val="000000"/>
                 </a:solidFill>
                 <a:latin typeface="Arial"/>
+                <a:ea typeface="DejaVu Sans"/>
               </a:rPr>
               <a:t>e.g. updating bank statement</a:t>
             </a:r>
@@ -11938,12 +12469,18 @@
             </a:endParaRPr>
           </a:p>
           <a:p>
+            <a:pPr>
+              <a:lnSpc>
+                <a:spcPct val="100000"/>
+              </a:lnSpc>
+            </a:pPr>
             <a:r>
               <a:rPr b="0" lang="en-US" sz="2500" spc="-1" strike="noStrike">
                 <a:solidFill>
                   <a:srgbClr val="000000"/>
                 </a:solidFill>
                 <a:latin typeface="Arial"/>
+                <a:ea typeface="DejaVu Sans"/>
               </a:rPr>
               <a:t>Data is either in storage or en route between storage and the external environment.</a:t>
             </a:r>
@@ -11952,6 +12489,11 @@
             </a:endParaRPr>
           </a:p>
           <a:p>
+            <a:pPr>
+              <a:lnSpc>
+                <a:spcPct val="100000"/>
+              </a:lnSpc>
+            </a:pPr>
             <a:endParaRPr b="0" lang="en-US" sz="2500" spc="-1" strike="noStrike">
               <a:latin typeface="Arial"/>
             </a:endParaRPr>
@@ -11982,7 +12524,7 @@
         <p:spPr>
           <a:xfrm>
             <a:off x="3191760" y="3528000"/>
-            <a:ext cx="3459240" cy="4031640"/>
+            <a:ext cx="3458880" cy="4031280"/>
           </a:xfrm>
           <a:prstGeom prst="rect">
             <a:avLst/>
@@ -12001,7 +12543,7 @@
         <p:spPr>
           <a:xfrm>
             <a:off x="9495360" y="6950520"/>
-            <a:ext cx="503640" cy="524520"/>
+            <a:ext cx="503280" cy="524160"/>
           </a:xfrm>
           <a:prstGeom prst="rect">
             <a:avLst/>
@@ -12025,12 +12567,13 @@
                 <a:spcPct val="100000"/>
               </a:lnSpc>
             </a:pPr>
-            <a:fld id="{0B51E25C-AB29-4344-8463-E7EE3072C64C}" type="slidenum">
+            <a:fld id="{D0CFC57A-AFDD-4F55-B3E4-87F0A3318509}" type="slidenum">
               <a:rPr b="0" lang="en-US" sz="1200" spc="-1" strike="noStrike">
                 <a:solidFill>
                   <a:srgbClr val="b5a788"/>
                 </a:solidFill>
                 <a:latin typeface="Arial"/>
+                <a:ea typeface="DejaVu Sans"/>
               </a:rPr>
               <a:t>&lt;number&gt;</a:t>
             </a:fld>
@@ -12049,7 +12592,7 @@
         <p:spPr>
           <a:xfrm>
             <a:off x="6299640" y="6950520"/>
-            <a:ext cx="3191760" cy="524520"/>
+            <a:ext cx="3191400" cy="524160"/>
           </a:xfrm>
           <a:prstGeom prst="rect">
             <a:avLst/>
@@ -12079,6 +12622,7 @@
                   <a:srgbClr val="b5a788"/>
                 </a:solidFill>
                 <a:latin typeface="Arial"/>
+                <a:ea typeface="DejaVu Sans"/>
               </a:rPr>
               <a:t>Computer Org &amp; Arch - BScIT 1 @ UCU</a:t>
             </a:r>
@@ -12146,7 +12690,7 @@
         <p:spPr>
           <a:xfrm>
             <a:off x="1259280" y="1091880"/>
-            <a:ext cx="7223400" cy="1343520"/>
+            <a:ext cx="7223040" cy="1343160"/>
           </a:xfrm>
           <a:prstGeom prst="rect">
             <a:avLst/>
@@ -12165,12 +12709,18 @@
         <p:txBody>
           <a:bodyPr lIns="90000" rIns="90000" tIns="45000" bIns="45000" anchor="ctr"/>
           <a:p>
+            <a:pPr>
+              <a:lnSpc>
+                <a:spcPct val="100000"/>
+              </a:lnSpc>
+            </a:pPr>
             <a:r>
               <a:rPr b="0" lang="en-US" sz="2900" spc="-1" strike="noStrike">
                 <a:solidFill>
                   <a:srgbClr val="000000"/>
                 </a:solidFill>
                 <a:latin typeface="Arial"/>
+                <a:ea typeface="DejaVu Sans"/>
               </a:rPr>
               <a:t>Processing from  Storage to I/O</a:t>
             </a:r>
@@ -12179,17 +12729,28 @@
             </a:endParaRPr>
           </a:p>
           <a:p>
+            <a:pPr>
+              <a:lnSpc>
+                <a:spcPct val="100000"/>
+              </a:lnSpc>
+            </a:pPr>
             <a:endParaRPr b="0" lang="en-US" sz="2900" spc="-1" strike="noStrike">
               <a:latin typeface="Arial"/>
             </a:endParaRPr>
           </a:p>
           <a:p>
+            <a:pPr>
+              <a:lnSpc>
+                <a:spcPct val="100000"/>
+              </a:lnSpc>
+            </a:pPr>
             <a:r>
               <a:rPr b="0" lang="en-US" sz="2900" spc="-1" strike="noStrike">
                 <a:solidFill>
                   <a:srgbClr val="000000"/>
                 </a:solidFill>
                 <a:latin typeface="Arial"/>
+                <a:ea typeface="DejaVu Sans"/>
               </a:rPr>
               <a:t>           </a:t>
             </a:r>
@@ -12199,6 +12760,7 @@
                   <a:srgbClr val="000000"/>
                 </a:solidFill>
                 <a:latin typeface="Arial"/>
+                <a:ea typeface="DejaVu Sans"/>
               </a:rPr>
               <a:t>e.g. printing a bank statement</a:t>
             </a:r>
@@ -12207,6 +12769,11 @@
             </a:endParaRPr>
           </a:p>
           <a:p>
+            <a:pPr>
+              <a:lnSpc>
+                <a:spcPct val="100000"/>
+              </a:lnSpc>
+            </a:pPr>
             <a:endParaRPr b="0" lang="en-US" sz="2900" spc="-1" strike="noStrike">
               <a:latin typeface="Arial"/>
             </a:endParaRPr>
@@ -12237,7 +12804,7 @@
         <p:spPr>
           <a:xfrm>
             <a:off x="2630160" y="2603880"/>
-            <a:ext cx="3459240" cy="4115520"/>
+            <a:ext cx="3458880" cy="4115160"/>
           </a:xfrm>
           <a:prstGeom prst="rect">
             <a:avLst/>
@@ -12256,7 +12823,7 @@
         <p:spPr>
           <a:xfrm>
             <a:off x="9495360" y="6950520"/>
-            <a:ext cx="503640" cy="524520"/>
+            <a:ext cx="503280" cy="524160"/>
           </a:xfrm>
           <a:prstGeom prst="rect">
             <a:avLst/>
@@ -12280,12 +12847,13 @@
                 <a:spcPct val="100000"/>
               </a:lnSpc>
             </a:pPr>
-            <a:fld id="{55E5034E-4262-4B0D-A2DE-B25610D7D4F6}" type="slidenum">
+            <a:fld id="{469F47BB-4F4E-46B3-85E4-79E7EFADA504}" type="slidenum">
               <a:rPr b="0" lang="en-US" sz="1200" spc="-1" strike="noStrike">
                 <a:solidFill>
                   <a:srgbClr val="b5a788"/>
                 </a:solidFill>
                 <a:latin typeface="Arial"/>
+                <a:ea typeface="DejaVu Sans"/>
               </a:rPr>
               <a:t>&lt;number&gt;</a:t>
             </a:fld>
@@ -12304,7 +12872,7 @@
         <p:spPr>
           <a:xfrm>
             <a:off x="6299640" y="6950520"/>
-            <a:ext cx="3191760" cy="524520"/>
+            <a:ext cx="3191400" cy="524160"/>
           </a:xfrm>
           <a:prstGeom prst="rect">
             <a:avLst/>
@@ -12334,6 +12902,7 @@
                   <a:srgbClr val="b5a788"/>
                 </a:solidFill>
                 <a:latin typeface="Arial"/>
+                <a:ea typeface="DejaVu Sans"/>
               </a:rPr>
               <a:t>Computer Org &amp; Arch - BScIT 1 @ UCU</a:t>
             </a:r>
@@ -12401,7 +12970,7 @@
         <p:spPr>
           <a:xfrm>
             <a:off x="1581840" y="302400"/>
-            <a:ext cx="8266680" cy="1259640"/>
+            <a:ext cx="8266320" cy="1259280"/>
           </a:xfrm>
           <a:prstGeom prst="rect">
             <a:avLst/>
@@ -12420,7 +12989,7 @@
         <p:txBody>
           <a:bodyPr lIns="90000" rIns="90000" tIns="46800" bIns="46800" anchor="ctr"/>
           <a:p>
-            <a:pPr marL="216000" indent="-216000" algn="ctr">
+            <a:pPr marL="216000" indent="-215640" algn="ctr">
               <a:lnSpc>
                 <a:spcPct val="100000"/>
               </a:lnSpc>
@@ -12428,12 +12997,16 @@
                 <a:srgbClr val="000000"/>
               </a:buClr>
               <a:buSzPct val="45000"/>
-              <a:buFont typeface="Wingdings"/>
-              <a:buChar char="l"/>
+              <a:buFont typeface="Wingdings" charset="2"/>
+              <a:buChar char=""/>
             </a:pPr>
             <a:r>
               <a:rPr b="1" lang="en-US" sz="3900" spc="-1" strike="noStrike">
-                <a:latin typeface="Arial"/>
+                <a:solidFill>
+                  <a:srgbClr val="000000"/>
+                </a:solidFill>
+                <a:latin typeface="Arial"/>
+                <a:ea typeface="DejaVu Sans"/>
               </a:rPr>
               <a:t>Structural components of the computer</a:t>
             </a:r>
@@ -12452,7 +13025,7 @@
         <p:spPr>
           <a:xfrm>
             <a:off x="1427760" y="1761840"/>
-            <a:ext cx="8231760" cy="5209200"/>
+            <a:ext cx="8231400" cy="5208840"/>
           </a:xfrm>
           <a:prstGeom prst="rect">
             <a:avLst/>
@@ -12471,7 +13044,7 @@
         <p:txBody>
           <a:bodyPr lIns="90000" rIns="90000" tIns="45000" bIns="45000"/>
           <a:p>
-            <a:pPr marL="216000" indent="-216000">
+            <a:pPr marL="216000" indent="-215640">
               <a:lnSpc>
                 <a:spcPct val="100000"/>
               </a:lnSpc>
@@ -12479,12 +13052,16 @@
                 <a:srgbClr val="000000"/>
               </a:buClr>
               <a:buSzPct val="45000"/>
-              <a:buFont typeface="Wingdings"/>
-              <a:buChar char="l"/>
+              <a:buFont typeface="Wingdings" charset="2"/>
+              <a:buChar char=""/>
             </a:pPr>
             <a:r>
               <a:rPr b="0" lang="en-US" sz="3200" spc="-1" strike="noStrike">
-                <a:latin typeface="Arial"/>
+                <a:solidFill>
+                  <a:srgbClr val="000000"/>
+                </a:solidFill>
+                <a:latin typeface="Arial"/>
+                <a:ea typeface="DejaVu Sans"/>
               </a:rPr>
               <a:t>The computer is an entity that interacts in some fashion with its external environment. In general, all of its linkages to the external environment can be classified as peripheral devices or communication lines. We will have something to say about both types of linkages</a:t>
             </a:r>
@@ -12503,7 +13080,7 @@
         <p:spPr>
           <a:xfrm>
             <a:off x="9495360" y="6950520"/>
-            <a:ext cx="503640" cy="524520"/>
+            <a:ext cx="503280" cy="524160"/>
           </a:xfrm>
           <a:prstGeom prst="rect">
             <a:avLst/>
@@ -12527,12 +13104,13 @@
                 <a:spcPct val="100000"/>
               </a:lnSpc>
             </a:pPr>
-            <a:fld id="{40A00D0F-4095-4430-B0EA-2840EAFB59DB}" type="slidenum">
+            <a:fld id="{7C5FA224-C738-4849-89A2-818706C97275}" type="slidenum">
               <a:rPr b="0" lang="en-US" sz="1200" spc="-1" strike="noStrike">
                 <a:solidFill>
                   <a:srgbClr val="b5a788"/>
                 </a:solidFill>
                 <a:latin typeface="Arial"/>
+                <a:ea typeface="DejaVu Sans"/>
               </a:rPr>
               <a:t>&lt;number&gt;</a:t>
             </a:fld>
@@ -12551,7 +13129,7 @@
         <p:spPr>
           <a:xfrm>
             <a:off x="6299640" y="6950520"/>
-            <a:ext cx="3191760" cy="524520"/>
+            <a:ext cx="3191400" cy="524160"/>
           </a:xfrm>
           <a:prstGeom prst="rect">
             <a:avLst/>
@@ -12581,6 +13159,7 @@
                   <a:srgbClr val="b5a788"/>
                 </a:solidFill>
                 <a:latin typeface="Arial"/>
+                <a:ea typeface="DejaVu Sans"/>
               </a:rPr>
               <a:t>Computer Org &amp; Arch - BScIT 1 @ UCU</a:t>
             </a:r>
@@ -12648,7 +13227,7 @@
         <p:spPr>
           <a:xfrm>
             <a:off x="1581840" y="302400"/>
-            <a:ext cx="8266680" cy="1259640"/>
+            <a:ext cx="8266320" cy="1259280"/>
           </a:xfrm>
           <a:prstGeom prst="rect">
             <a:avLst/>
@@ -12667,7 +13246,7 @@
         <p:txBody>
           <a:bodyPr lIns="90000" rIns="90000" tIns="46800" bIns="46800" anchor="ctr"/>
           <a:p>
-            <a:pPr marL="216000" indent="-216000" algn="ctr">
+            <a:pPr marL="216000" indent="-215640" algn="ctr">
               <a:lnSpc>
                 <a:spcPct val="100000"/>
               </a:lnSpc>
@@ -12675,12 +13254,16 @@
                 <a:srgbClr val="000000"/>
               </a:buClr>
               <a:buSzPct val="45000"/>
-              <a:buFont typeface="Wingdings"/>
-              <a:buChar char="l"/>
+              <a:buFont typeface="Wingdings" charset="2"/>
+              <a:buChar char=""/>
             </a:pPr>
             <a:r>
               <a:rPr b="1" lang="en-US" sz="3900" spc="-1" strike="noStrike">
-                <a:latin typeface="Arial"/>
+                <a:solidFill>
+                  <a:srgbClr val="000000"/>
+                </a:solidFill>
+                <a:latin typeface="Arial"/>
+                <a:ea typeface="DejaVu Sans"/>
               </a:rPr>
               <a:t>Structural components of the computer</a:t>
             </a:r>
@@ -12699,7 +13282,7 @@
         <p:spPr>
           <a:xfrm>
             <a:off x="1581840" y="1931400"/>
-            <a:ext cx="8266680" cy="4955760"/>
+            <a:ext cx="8266320" cy="4955400"/>
           </a:xfrm>
           <a:prstGeom prst="rect">
             <a:avLst/>
@@ -12718,7 +13301,7 @@
         <p:txBody>
           <a:bodyPr lIns="90000" rIns="90000" tIns="45000" bIns="45000"/>
           <a:p>
-            <a:pPr marL="216000" indent="-216000">
+            <a:pPr marL="216000" indent="-215640">
               <a:lnSpc>
                 <a:spcPct val="90000"/>
               </a:lnSpc>
@@ -12726,12 +13309,16 @@
                 <a:srgbClr val="000000"/>
               </a:buClr>
               <a:buSzPct val="45000"/>
-              <a:buFont typeface="Wingdings"/>
-              <a:buChar char="l"/>
+              <a:buFont typeface="Wingdings" charset="2"/>
+              <a:buChar char=""/>
             </a:pPr>
             <a:r>
               <a:rPr b="1" lang="en-US" sz="3200" spc="-1" strike="noStrike">
-                <a:latin typeface="Arial"/>
+                <a:solidFill>
+                  <a:srgbClr val="000000"/>
+                </a:solidFill>
+                <a:latin typeface="Arial"/>
+                <a:ea typeface="DejaVu Sans"/>
               </a:rPr>
               <a:t>CPU.</a:t>
             </a:r>
@@ -12747,13 +13334,21 @@
             </a:pPr>
             <a:r>
               <a:rPr b="1" lang="en-US" sz="3200" spc="-1" strike="noStrike">
-                <a:latin typeface="Arial"/>
+                <a:solidFill>
+                  <a:srgbClr val="000000"/>
+                </a:solidFill>
+                <a:latin typeface="Arial"/>
+                <a:ea typeface="DejaVu Sans"/>
               </a:rPr>
               <a:t>   </a:t>
             </a:r>
             <a:r>
               <a:rPr b="0" lang="en-US" sz="3200" spc="-1" strike="noStrike">
-                <a:latin typeface="Arial"/>
+                <a:solidFill>
+                  <a:srgbClr val="000000"/>
+                </a:solidFill>
+                <a:latin typeface="Arial"/>
+                <a:ea typeface="DejaVu Sans"/>
               </a:rPr>
               <a:t>Controls the operation of the computer and performs its data processing functions. Often simply referred to as processor</a:t>
             </a:r>
@@ -12762,7 +13357,7 @@
             </a:endParaRPr>
           </a:p>
           <a:p>
-            <a:pPr marL="216000" indent="-216000">
+            <a:pPr marL="216000" indent="-215640">
               <a:lnSpc>
                 <a:spcPct val="90000"/>
               </a:lnSpc>
@@ -12770,12 +13365,16 @@
                 <a:srgbClr val="000000"/>
               </a:buClr>
               <a:buSzPct val="45000"/>
-              <a:buFont typeface="Wingdings"/>
-              <a:buChar char="l"/>
+              <a:buFont typeface="Wingdings" charset="2"/>
+              <a:buChar char=""/>
             </a:pPr>
             <a:r>
               <a:rPr b="1" lang="en-US" sz="3200" spc="-1" strike="noStrike">
-                <a:latin typeface="Arial"/>
+                <a:solidFill>
+                  <a:srgbClr val="000000"/>
+                </a:solidFill>
+                <a:latin typeface="Arial"/>
+                <a:ea typeface="DejaVu Sans"/>
               </a:rPr>
               <a:t>Main Memory</a:t>
             </a:r>
@@ -12784,7 +13383,7 @@
             </a:endParaRPr>
           </a:p>
           <a:p>
-            <a:pPr lvl="1" marL="432000" indent="-216000">
+            <a:pPr lvl="1" marL="432000" indent="-215640">
               <a:lnSpc>
                 <a:spcPct val="90000"/>
               </a:lnSpc>
@@ -12792,18 +13391,26 @@
                 <a:srgbClr val="000000"/>
               </a:buClr>
               <a:buSzPct val="75000"/>
-              <a:buFont typeface="Wingdings"/>
-              <a:buChar char="l"/>
+              <a:buFont typeface="Wingdings" charset="2"/>
+              <a:buChar char=""/>
             </a:pPr>
             <a:r>
               <a:rPr b="0" lang="en-US" sz="3200" spc="-1" strike="noStrike">
-                <a:latin typeface="Arial"/>
+                <a:solidFill>
+                  <a:srgbClr val="000000"/>
+                </a:solidFill>
+                <a:latin typeface="Arial"/>
+                <a:ea typeface="DejaVu Sans"/>
               </a:rPr>
               <a:t>Stores data </a:t>
             </a:r>
             <a:r>
               <a:rPr b="0" lang="en-US" sz="3600" spc="-1" strike="noStrike">
-                <a:latin typeface="Arial"/>
+                <a:solidFill>
+                  <a:srgbClr val="000000"/>
+                </a:solidFill>
+                <a:latin typeface="Arial"/>
+                <a:ea typeface="DejaVu Sans"/>
               </a:rPr>
               <a:t>Temporary during execution</a:t>
             </a:r>
@@ -12822,7 +13429,7 @@
         <p:spPr>
           <a:xfrm>
             <a:off x="6299640" y="6950520"/>
-            <a:ext cx="3191760" cy="524520"/>
+            <a:ext cx="3191400" cy="524160"/>
           </a:xfrm>
           <a:prstGeom prst="rect">
             <a:avLst/>
@@ -12852,6 +13459,7 @@
                   <a:srgbClr val="b5a788"/>
                 </a:solidFill>
                 <a:latin typeface="Arial"/>
+                <a:ea typeface="DejaVu Sans"/>
               </a:rPr>
               <a:t>Computer Org &amp; Arch - BScIT 1 @ UCU</a:t>
             </a:r>
@@ -12870,7 +13478,7 @@
         <p:spPr>
           <a:xfrm>
             <a:off x="9495360" y="6950520"/>
-            <a:ext cx="503640" cy="524520"/>
+            <a:ext cx="503280" cy="524160"/>
           </a:xfrm>
           <a:prstGeom prst="rect">
             <a:avLst/>
@@ -12894,12 +13502,13 @@
                 <a:spcPct val="100000"/>
               </a:lnSpc>
             </a:pPr>
-            <a:fld id="{E95A2D92-DDDD-4683-AACF-9C82E4BE9F5B}" type="slidenum">
+            <a:fld id="{3893819D-915C-40EC-B4F3-07BF5E9BE612}" type="slidenum">
               <a:rPr b="0" lang="en-US" sz="1200" spc="-1" strike="noStrike">
                 <a:solidFill>
                   <a:srgbClr val="b5a788"/>
                 </a:solidFill>
                 <a:latin typeface="Arial"/>
+                <a:ea typeface="DejaVu Sans"/>
               </a:rPr>
               <a:t>&lt;number&gt;</a:t>
             </a:fld>
@@ -12967,7 +13576,7 @@
         <p:spPr>
           <a:xfrm>
             <a:off x="1581840" y="302400"/>
-            <a:ext cx="8266680" cy="1259640"/>
+            <a:ext cx="8266320" cy="1259280"/>
           </a:xfrm>
           <a:prstGeom prst="rect">
             <a:avLst/>
@@ -12986,7 +13595,7 @@
         <p:txBody>
           <a:bodyPr lIns="90000" rIns="90000" tIns="45000" bIns="45000" anchor="ctr"/>
           <a:p>
-            <a:pPr marL="216000" indent="-216000" algn="ctr">
+            <a:pPr marL="216000" indent="-215640" algn="ctr">
               <a:lnSpc>
                 <a:spcPct val="100000"/>
               </a:lnSpc>
@@ -12994,12 +13603,16 @@
                 <a:srgbClr val="000000"/>
               </a:buClr>
               <a:buSzPct val="45000"/>
-              <a:buFont typeface="Wingdings"/>
-              <a:buChar char="l"/>
+              <a:buFont typeface="Wingdings" charset="2"/>
+              <a:buChar char=""/>
             </a:pPr>
             <a:r>
               <a:rPr b="1" lang="en-US" sz="3500" spc="-1" strike="noStrike">
-                <a:latin typeface="Arial"/>
+                <a:solidFill>
+                  <a:srgbClr val="000000"/>
+                </a:solidFill>
+                <a:latin typeface="Arial"/>
+                <a:ea typeface="DejaVu Sans"/>
               </a:rPr>
               <a:t>Structural components of the computer</a:t>
             </a:r>
@@ -13018,7 +13631,7 @@
         <p:spPr>
           <a:xfrm>
             <a:off x="1581840" y="1595520"/>
-            <a:ext cx="8266680" cy="5291640"/>
+            <a:ext cx="8266320" cy="5291280"/>
           </a:xfrm>
           <a:prstGeom prst="rect">
             <a:avLst/>
@@ -13037,7 +13650,7 @@
         <p:txBody>
           <a:bodyPr lIns="90000" rIns="90000" tIns="45000" bIns="45000"/>
           <a:p>
-            <a:pPr marL="216000" indent="-216000">
+            <a:pPr marL="216000" indent="-215640">
               <a:lnSpc>
                 <a:spcPct val="90000"/>
               </a:lnSpc>
@@ -13045,12 +13658,16 @@
                 <a:srgbClr val="000000"/>
               </a:buClr>
               <a:buSzPct val="45000"/>
-              <a:buFont typeface="Wingdings"/>
-              <a:buChar char="l"/>
+              <a:buFont typeface="Wingdings" charset="2"/>
+              <a:buChar char=""/>
             </a:pPr>
             <a:r>
               <a:rPr b="1" lang="en-US" sz="3200" spc="-1" strike="noStrike">
-                <a:latin typeface="Arial"/>
+                <a:solidFill>
+                  <a:srgbClr val="000000"/>
+                </a:solidFill>
+                <a:latin typeface="Arial"/>
+                <a:ea typeface="DejaVu Sans"/>
               </a:rPr>
               <a:t>I/O</a:t>
             </a:r>
@@ -13059,7 +13676,7 @@
             </a:endParaRPr>
           </a:p>
           <a:p>
-            <a:pPr lvl="1" marL="432000" indent="-216000">
+            <a:pPr lvl="1" marL="432000" indent="-215640">
               <a:lnSpc>
                 <a:spcPct val="90000"/>
               </a:lnSpc>
@@ -13067,12 +13684,16 @@
                 <a:srgbClr val="000000"/>
               </a:buClr>
               <a:buSzPct val="75000"/>
-              <a:buFont typeface="Wingdings"/>
-              <a:buChar char="l"/>
+              <a:buFont typeface="Wingdings" charset="2"/>
+              <a:buChar char=""/>
             </a:pPr>
             <a:r>
               <a:rPr b="0" lang="en-US" sz="3200" spc="-1" strike="noStrike">
-                <a:latin typeface="Arial"/>
+                <a:solidFill>
+                  <a:srgbClr val="000000"/>
+                </a:solidFill>
+                <a:latin typeface="Arial"/>
+                <a:ea typeface="DejaVu Sans"/>
               </a:rPr>
               <a:t>Moves data between the computer and its external environment. </a:t>
             </a:r>
@@ -13081,7 +13702,7 @@
             </a:endParaRPr>
           </a:p>
           <a:p>
-            <a:pPr lvl="2" marL="648000" indent="-216000">
+            <a:pPr lvl="2" marL="648000" indent="-215640">
               <a:lnSpc>
                 <a:spcPct val="90000"/>
               </a:lnSpc>
@@ -13089,12 +13710,16 @@
                 <a:srgbClr val="000000"/>
               </a:buClr>
               <a:buSzPct val="45000"/>
-              <a:buFont typeface="Wingdings"/>
-              <a:buChar char="l"/>
+              <a:buFont typeface="Wingdings" charset="2"/>
+              <a:buChar char=""/>
             </a:pPr>
             <a:r>
               <a:rPr b="0" lang="en-US" sz="3200" spc="-1" strike="noStrike">
-                <a:latin typeface="Arial"/>
+                <a:solidFill>
+                  <a:srgbClr val="000000"/>
+                </a:solidFill>
+                <a:latin typeface="Arial"/>
+                <a:ea typeface="DejaVu Sans"/>
               </a:rPr>
               <a:t>Between comp &amp; External environment (peripherals)</a:t>
             </a:r>
@@ -13103,7 +13728,7 @@
             </a:endParaRPr>
           </a:p>
           <a:p>
-            <a:pPr lvl="2" marL="648000" indent="-216000">
+            <a:pPr lvl="2" marL="648000" indent="-215640">
               <a:lnSpc>
                 <a:spcPct val="90000"/>
               </a:lnSpc>
@@ -13111,18 +13736,26 @@
                 <a:srgbClr val="000000"/>
               </a:buClr>
               <a:buSzPct val="45000"/>
-              <a:buFont typeface="Wingdings"/>
-              <a:buChar char="l"/>
+              <a:buFont typeface="Wingdings" charset="2"/>
+              <a:buChar char=""/>
             </a:pPr>
             <a:r>
               <a:rPr b="0" lang="en-US" sz="3200" spc="-1" strike="noStrike">
-                <a:latin typeface="Arial"/>
+                <a:solidFill>
+                  <a:srgbClr val="000000"/>
+                </a:solidFill>
+                <a:latin typeface="Arial"/>
+                <a:ea typeface="DejaVu Sans"/>
               </a:rPr>
               <a:t>If distances are long – </a:t>
             </a:r>
             <a:r>
               <a:rPr b="0" i="1" lang="en-US" sz="3200" spc="-1" strike="noStrike">
-                <a:latin typeface="Arial"/>
+                <a:solidFill>
+                  <a:srgbClr val="000000"/>
+                </a:solidFill>
+                <a:latin typeface="Arial"/>
+                <a:ea typeface="DejaVu Sans"/>
               </a:rPr>
               <a:t>Communication</a:t>
             </a:r>
@@ -13131,7 +13764,7 @@
             </a:endParaRPr>
           </a:p>
           <a:p>
-            <a:pPr marL="216000" indent="-216000">
+            <a:pPr marL="216000" indent="-215640">
               <a:lnSpc>
                 <a:spcPct val="90000"/>
               </a:lnSpc>
@@ -13139,12 +13772,16 @@
                 <a:srgbClr val="000000"/>
               </a:buClr>
               <a:buSzPct val="45000"/>
-              <a:buFont typeface="Wingdings"/>
-              <a:buChar char="l"/>
+              <a:buFont typeface="Wingdings" charset="2"/>
+              <a:buChar char=""/>
             </a:pPr>
             <a:r>
               <a:rPr b="1" lang="en-US" sz="3200" spc="-1" strike="noStrike">
-                <a:latin typeface="Arial"/>
+                <a:solidFill>
+                  <a:srgbClr val="000000"/>
+                </a:solidFill>
+                <a:latin typeface="Arial"/>
+                <a:ea typeface="DejaVu Sans"/>
               </a:rPr>
               <a:t>System interconnections </a:t>
             </a:r>
@@ -13153,7 +13790,7 @@
             </a:endParaRPr>
           </a:p>
           <a:p>
-            <a:pPr lvl="1" marL="432000" indent="-216000">
+            <a:pPr lvl="1" marL="432000" indent="-215640">
               <a:lnSpc>
                 <a:spcPct val="90000"/>
               </a:lnSpc>
@@ -13161,12 +13798,16 @@
                 <a:srgbClr val="000000"/>
               </a:buClr>
               <a:buSzPct val="75000"/>
-              <a:buFont typeface="Wingdings"/>
-              <a:buChar char="l"/>
+              <a:buFont typeface="Wingdings" charset="2"/>
+              <a:buChar char=""/>
             </a:pPr>
             <a:r>
               <a:rPr b="0" lang="en-US" sz="3200" spc="-1" strike="noStrike">
-                <a:latin typeface="Arial"/>
+                <a:solidFill>
+                  <a:srgbClr val="000000"/>
+                </a:solidFill>
+                <a:latin typeface="Arial"/>
+                <a:ea typeface="DejaVu Sans"/>
               </a:rPr>
               <a:t>Provide communication between CPU, Main Memory &amp; I/O.</a:t>
             </a:r>
@@ -13254,7 +13895,7 @@
         <p:spPr>
           <a:xfrm>
             <a:off x="504000" y="301320"/>
-            <a:ext cx="9071280" cy="1261800"/>
+            <a:ext cx="9070920" cy="1261440"/>
           </a:xfrm>
           <a:prstGeom prst="rect">
             <a:avLst/>
@@ -13280,7 +13921,11 @@
             </a:pPr>
             <a:r>
               <a:rPr b="0" lang="en-US" sz="4400" spc="-1" strike="noStrike">
-                <a:latin typeface="Arial"/>
+                <a:solidFill>
+                  <a:srgbClr val="000000"/>
+                </a:solidFill>
+                <a:latin typeface="Arial"/>
+                <a:ea typeface="DejaVu Sans"/>
               </a:rPr>
               <a:t>Grading Policy</a:t>
             </a:r>
@@ -13299,7 +13944,7 @@
         <p:spPr>
           <a:xfrm>
             <a:off x="504000" y="1769040"/>
-            <a:ext cx="9071280" cy="4384080"/>
+            <a:ext cx="9070920" cy="4383720"/>
           </a:xfrm>
           <a:prstGeom prst="rect">
             <a:avLst/>
@@ -13325,7 +13970,11 @@
             </a:pPr>
             <a:r>
               <a:rPr b="0" lang="en-US" sz="3200" spc="-1" strike="noStrike">
-                <a:latin typeface="Arial"/>
+                <a:solidFill>
+                  <a:srgbClr val="000000"/>
+                </a:solidFill>
+                <a:latin typeface="Arial"/>
+                <a:ea typeface="DejaVu Sans"/>
               </a:rPr>
               <a:t>In order to receive a passing grade for this course, a student should attain greater than 35% (17.5) of the entire coursework and must attain a passing grade of greater than 35% in the final exam. </a:t>
             </a:r>
@@ -13351,7 +14000,11 @@
             </a:pPr>
             <a:r>
               <a:rPr b="0" lang="en-US" sz="3200" spc="-1" strike="noStrike">
-                <a:latin typeface="Arial"/>
+                <a:solidFill>
+                  <a:srgbClr val="000000"/>
+                </a:solidFill>
+                <a:latin typeface="Arial"/>
+                <a:ea typeface="DejaVu Sans"/>
               </a:rPr>
               <a:t>The overall grade (Coursework + Exam) however should be greater than 50% for one to pass</a:t>
             </a:r>
@@ -13419,7 +14072,7 @@
         <p:spPr>
           <a:xfrm>
             <a:off x="1581840" y="302400"/>
-            <a:ext cx="8266680" cy="1259640"/>
+            <a:ext cx="8266320" cy="1259280"/>
           </a:xfrm>
           <a:prstGeom prst="rect">
             <a:avLst/>
@@ -13438,7 +14091,7 @@
         <p:txBody>
           <a:bodyPr lIns="90000" rIns="90000" tIns="46800" bIns="46800" anchor="ctr"/>
           <a:p>
-            <a:pPr marL="216000" indent="-216000" algn="ctr">
+            <a:pPr marL="216000" indent="-215640" algn="ctr">
               <a:lnSpc>
                 <a:spcPct val="100000"/>
               </a:lnSpc>
@@ -13446,12 +14099,16 @@
                 <a:srgbClr val="000000"/>
               </a:buClr>
               <a:buSzPct val="45000"/>
-              <a:buFont typeface="Wingdings"/>
-              <a:buChar char="l"/>
+              <a:buFont typeface="Wingdings" charset="2"/>
+              <a:buChar char=""/>
             </a:pPr>
             <a:r>
               <a:rPr b="0" lang="en-US" sz="4400" spc="-1" strike="noStrike">
-                <a:latin typeface="Arial"/>
+                <a:solidFill>
+                  <a:srgbClr val="000000"/>
+                </a:solidFill>
+                <a:latin typeface="Arial"/>
+                <a:ea typeface="DejaVu Sans"/>
               </a:rPr>
               <a:t>Structure.    Top Level Structure </a:t>
             </a:r>
@@ -13474,7 +14131,7 @@
         <p:spPr>
           <a:xfrm>
             <a:off x="1931760" y="1595880"/>
-            <a:ext cx="7643880" cy="5375520"/>
+            <a:ext cx="7643520" cy="5375160"/>
           </a:xfrm>
           <a:prstGeom prst="rect">
             <a:avLst/>
@@ -13493,7 +14150,7 @@
         <p:spPr>
           <a:xfrm>
             <a:off x="9495360" y="6950520"/>
-            <a:ext cx="503640" cy="524520"/>
+            <a:ext cx="503280" cy="524160"/>
           </a:xfrm>
           <a:prstGeom prst="rect">
             <a:avLst/>
@@ -13517,12 +14174,13 @@
                 <a:spcPct val="100000"/>
               </a:lnSpc>
             </a:pPr>
-            <a:fld id="{26A4B522-6815-4CB3-90A0-C8914D0D754A}" type="slidenum">
+            <a:fld id="{9A0E0CA0-2B26-4B82-ACC6-EE3BEB5743CA}" type="slidenum">
               <a:rPr b="0" lang="en-US" sz="1200" spc="-1" strike="noStrike">
                 <a:solidFill>
                   <a:srgbClr val="b5a788"/>
                 </a:solidFill>
                 <a:latin typeface="Arial"/>
+                <a:ea typeface="DejaVu Sans"/>
               </a:rPr>
               <a:t>&lt;number&gt;</a:t>
             </a:fld>
@@ -13541,7 +14199,7 @@
         <p:spPr>
           <a:xfrm>
             <a:off x="6299640" y="6950520"/>
-            <a:ext cx="3191760" cy="524520"/>
+            <a:ext cx="3191400" cy="524160"/>
           </a:xfrm>
           <a:prstGeom prst="rect">
             <a:avLst/>
@@ -13571,6 +14229,7 @@
                   <a:srgbClr val="b5a788"/>
                 </a:solidFill>
                 <a:latin typeface="Arial"/>
+                <a:ea typeface="DejaVu Sans"/>
               </a:rPr>
               <a:t>Computer Org &amp; Arch - BScIT 1 @ UCU</a:t>
             </a:r>
@@ -13638,7 +14297,7 @@
         <p:spPr>
           <a:xfrm>
             <a:off x="1581840" y="302400"/>
-            <a:ext cx="8266680" cy="1259640"/>
+            <a:ext cx="8266320" cy="1259280"/>
           </a:xfrm>
           <a:prstGeom prst="rect">
             <a:avLst/>
@@ -13657,7 +14316,7 @@
         <p:txBody>
           <a:bodyPr lIns="90000" rIns="90000" tIns="46800" bIns="46800" anchor="ctr"/>
           <a:p>
-            <a:pPr marL="216000" indent="-216000" algn="ctr">
+            <a:pPr marL="216000" indent="-215640" algn="ctr">
               <a:lnSpc>
                 <a:spcPct val="100000"/>
               </a:lnSpc>
@@ -13665,12 +14324,16 @@
                 <a:srgbClr val="000000"/>
               </a:buClr>
               <a:buSzPct val="45000"/>
-              <a:buFont typeface="Wingdings"/>
-              <a:buChar char="l"/>
+              <a:buFont typeface="Wingdings" charset="2"/>
+              <a:buChar char=""/>
             </a:pPr>
             <a:r>
               <a:rPr b="0" lang="en-US" sz="4400" spc="-1" strike="noStrike">
-                <a:latin typeface="Arial"/>
+                <a:solidFill>
+                  <a:srgbClr val="000000"/>
+                </a:solidFill>
+                <a:latin typeface="Arial"/>
+                <a:ea typeface="DejaVu Sans"/>
               </a:rPr>
               <a:t>Structure . The CPU</a:t>
             </a:r>
@@ -13693,7 +14356,7 @@
         <p:spPr>
           <a:xfrm>
             <a:off x="1343880" y="1931760"/>
-            <a:ext cx="8483400" cy="4871880"/>
+            <a:ext cx="8483040" cy="4871520"/>
           </a:xfrm>
           <a:prstGeom prst="rect">
             <a:avLst/>
@@ -13712,7 +14375,7 @@
         <p:spPr>
           <a:xfrm>
             <a:off x="9495360" y="6950520"/>
-            <a:ext cx="503640" cy="524520"/>
+            <a:ext cx="503280" cy="524160"/>
           </a:xfrm>
           <a:prstGeom prst="rect">
             <a:avLst/>
@@ -13736,12 +14399,13 @@
                 <a:spcPct val="100000"/>
               </a:lnSpc>
             </a:pPr>
-            <a:fld id="{BF3BACD4-FBC2-40A3-907C-BBA1A85F9CDE}" type="slidenum">
+            <a:fld id="{7953ACFE-CB3D-428D-918A-E0139756B558}" type="slidenum">
               <a:rPr b="0" lang="en-US" sz="1200" spc="-1" strike="noStrike">
                 <a:solidFill>
                   <a:srgbClr val="b5a788"/>
                 </a:solidFill>
                 <a:latin typeface="Arial"/>
+                <a:ea typeface="DejaVu Sans"/>
               </a:rPr>
               <a:t>&lt;number&gt;</a:t>
             </a:fld>
@@ -13760,7 +14424,7 @@
         <p:spPr>
           <a:xfrm>
             <a:off x="6299640" y="6950520"/>
-            <a:ext cx="3191760" cy="524520"/>
+            <a:ext cx="3191400" cy="524160"/>
           </a:xfrm>
           <a:prstGeom prst="rect">
             <a:avLst/>
@@ -13790,6 +14454,7 @@
                   <a:srgbClr val="b5a788"/>
                 </a:solidFill>
                 <a:latin typeface="Arial"/>
+                <a:ea typeface="DejaVu Sans"/>
               </a:rPr>
               <a:t>Computer Org &amp; Arch - BScIT 1 @ UCU</a:t>
             </a:r>
@@ -13831,6 +14496,210 @@
 </p:sld>
 </file>
 
+<file path=ppt/slides/slide32.xml><?xml version="1.0" encoding="utf-8"?>
+<p:sld xmlns:a="http://schemas.openxmlformats.org/drawingml/2006/main" xmlns:p="http://schemas.openxmlformats.org/presentationml/2006/main" xmlns:r="http://schemas.openxmlformats.org/officeDocument/2006/relationships" xmlns:p14="http://schemas.microsoft.com/office/powerpoint/2010/main" xmlns:p15="http://schemas.microsoft.com/office/powerpoint/2012/main" xmlns:mc="http://schemas.openxmlformats.org/markup-compatibility/2006">
+  <p:cSld>
+    <p:spTree>
+      <p:nvGrpSpPr>
+        <p:cNvPr id="1" name=""/>
+        <p:cNvGrpSpPr/>
+        <p:nvPr/>
+      </p:nvGrpSpPr>
+      <p:grpSpPr>
+        <a:xfrm>
+          <a:off x="0" y="0"/>
+          <a:ext cx="0" cy="0"/>
+          <a:chOff x="0" y="0"/>
+          <a:chExt cx="0" cy="0"/>
+        </a:xfrm>
+      </p:grpSpPr>
+      <p:sp>
+        <p:nvSpPr>
+          <p:cNvPr id="220" name="TextShape 1"/>
+          <p:cNvSpPr txBox="1"/>
+          <p:nvPr/>
+        </p:nvSpPr>
+        <p:spPr>
+          <a:xfrm>
+            <a:off x="548640" y="748800"/>
+            <a:ext cx="8595360" cy="6290280"/>
+          </a:xfrm>
+          <a:prstGeom prst="rect">
+            <a:avLst/>
+          </a:prstGeom>
+          <a:noFill/>
+          <a:ln>
+            <a:noFill/>
+          </a:ln>
+        </p:spPr>
+        <p:txBody>
+          <a:bodyPr lIns="90000" rIns="90000" tIns="45000" bIns="45000"/>
+          <a:p>
+            <a:r>
+              <a:rPr b="0" lang="en-US" sz="1100" spc="-1" strike="noStrike">
+                <a:latin typeface="Arial"/>
+              </a:rPr>
+              <a:t>Architecture</a:t>
+            </a:r>
+            <a:endParaRPr b="0" lang="en-US" sz="1100" spc="-1" strike="noStrike">
+              <a:latin typeface="Arial"/>
+            </a:endParaRPr>
+          </a:p>
+          <a:p>
+            <a:r>
+              <a:rPr b="0" lang="en-US" sz="1100" spc="-1" strike="noStrike">
+                <a:latin typeface="Arial"/>
+              </a:rPr>
+              <a:t>interface between hardware and software</a:t>
+            </a:r>
+            <a:endParaRPr b="0" lang="en-US" sz="1100" spc="-1" strike="noStrike">
+              <a:latin typeface="Arial"/>
+            </a:endParaRPr>
+          </a:p>
+          <a:p>
+            <a:r>
+              <a:rPr b="0" lang="en-US" sz="1100" spc="-1" strike="noStrike">
+                <a:latin typeface="Arial"/>
+              </a:rPr>
+              <a:t>abstract model and is programmer's view in terms of instructions,addressing modes and registers</a:t>
+            </a:r>
+            <a:endParaRPr b="0" lang="en-US" sz="1100" spc="-1" strike="noStrike">
+              <a:latin typeface="Arial"/>
+            </a:endParaRPr>
+          </a:p>
+          <a:p>
+            <a:r>
+              <a:rPr b="0" lang="en-US" sz="1100" spc="-1" strike="noStrike">
+                <a:latin typeface="Arial"/>
+              </a:rPr>
+              <a:t>describes what computer does</a:t>
+            </a:r>
+            <a:endParaRPr b="0" lang="en-US" sz="1100" spc="-1" strike="noStrike">
+              <a:latin typeface="Arial"/>
+            </a:endParaRPr>
+          </a:p>
+          <a:p>
+            <a:r>
+              <a:rPr b="0" lang="en-US" sz="1100" spc="-1" strike="noStrike">
+                <a:latin typeface="Arial"/>
+              </a:rPr>
+              <a:t>while designing computer system architecture is considered first</a:t>
+            </a:r>
+            <a:endParaRPr b="0" lang="en-US" sz="1100" spc="-1" strike="noStrike">
+              <a:latin typeface="Arial"/>
+            </a:endParaRPr>
+          </a:p>
+          <a:p>
+            <a:r>
+              <a:rPr b="0" lang="en-US" sz="1100" spc="-1" strike="noStrike">
+                <a:latin typeface="Arial"/>
+              </a:rPr>
+              <a:t>it deals with high level design issues</a:t>
+            </a:r>
+            <a:endParaRPr b="0" lang="en-US" sz="1100" spc="-1" strike="noStrike">
+              <a:latin typeface="Arial"/>
+            </a:endParaRPr>
+          </a:p>
+          <a:p>
+            <a:r>
+              <a:rPr b="0" lang="en-US" sz="1100" spc="-1" strike="noStrike">
+                <a:latin typeface="Arial"/>
+              </a:rPr>
+              <a:t>eg : is there a multiplication instruction??</a:t>
+            </a:r>
+            <a:endParaRPr b="0" lang="en-US" sz="1100" spc="-1" strike="noStrike">
+              <a:latin typeface="Arial"/>
+            </a:endParaRPr>
+          </a:p>
+          <a:p>
+            <a:r>
+              <a:rPr b="0" lang="en-US" sz="1100" spc="-1" strike="noStrike">
+                <a:latin typeface="Arial"/>
+              </a:rPr>
+              <a:t>Organisation</a:t>
+            </a:r>
+            <a:endParaRPr b="0" lang="en-US" sz="1100" spc="-1" strike="noStrike">
+              <a:latin typeface="Arial"/>
+            </a:endParaRPr>
+          </a:p>
+          <a:p>
+            <a:r>
+              <a:rPr b="0" lang="en-US" sz="1100" spc="-1" strike="noStrike">
+                <a:latin typeface="Arial"/>
+              </a:rPr>
+              <a:t>deals with components of connection in a system</a:t>
+            </a:r>
+            <a:endParaRPr b="0" lang="en-US" sz="1100" spc="-1" strike="noStrike">
+              <a:latin typeface="Arial"/>
+            </a:endParaRPr>
+          </a:p>
+          <a:p>
+            <a:r>
+              <a:rPr b="0" lang="en-US" sz="1100" spc="-1" strike="noStrike">
+                <a:latin typeface="Arial"/>
+              </a:rPr>
+              <a:t>expresses the realization of architecture</a:t>
+            </a:r>
+            <a:endParaRPr b="0" lang="en-US" sz="1100" spc="-1" strike="noStrike">
+              <a:latin typeface="Arial"/>
+            </a:endParaRPr>
+          </a:p>
+          <a:p>
+            <a:r>
+              <a:rPr b="0" lang="en-US" sz="1100" spc="-1" strike="noStrike">
+                <a:latin typeface="Arial"/>
+              </a:rPr>
+              <a:t>describes how computer does a task</a:t>
+            </a:r>
+            <a:endParaRPr b="0" lang="en-US" sz="1100" spc="-1" strike="noStrike">
+              <a:latin typeface="Arial"/>
+            </a:endParaRPr>
+          </a:p>
+          <a:p>
+            <a:r>
+              <a:rPr b="0" lang="en-US" sz="1100" spc="-1" strike="noStrike">
+                <a:latin typeface="Arial"/>
+              </a:rPr>
+              <a:t>organization is done on the basis of architecture</a:t>
+            </a:r>
+            <a:endParaRPr b="0" lang="en-US" sz="1100" spc="-1" strike="noStrike">
+              <a:latin typeface="Arial"/>
+            </a:endParaRPr>
+          </a:p>
+          <a:p>
+            <a:r>
+              <a:rPr b="0" lang="en-US" sz="1100" spc="-1" strike="noStrike">
+                <a:latin typeface="Arial"/>
+              </a:rPr>
+              <a:t>deals with low level design issues</a:t>
+            </a:r>
+            <a:endParaRPr b="0" lang="en-US" sz="1100" spc="-1" strike="noStrike">
+              <a:latin typeface="Arial"/>
+            </a:endParaRPr>
+          </a:p>
+          <a:p>
+            <a:r>
+              <a:rPr b="0" lang="en-US" sz="1100" spc="-1" strike="noStrike">
+                <a:latin typeface="Arial"/>
+              </a:rPr>
+              <a:t>eg : is there a multiplication unit or is it done by repeated addition??</a:t>
+            </a:r>
+            <a:endParaRPr b="0" lang="en-US" sz="1100" spc="-1" strike="noStrike">
+              <a:latin typeface="Arial"/>
+            </a:endParaRPr>
+          </a:p>
+          <a:p>
+            <a:endParaRPr b="0" lang="en-US" sz="1100" spc="-1" strike="noStrike">
+              <a:latin typeface="Arial"/>
+            </a:endParaRPr>
+          </a:p>
+        </p:txBody>
+      </p:sp>
+    </p:spTree>
+  </p:cSld>
+</p:sld>
+</file>
+
 <file path=ppt/slides/slide4.xml><?xml version="1.0" encoding="utf-8"?>
 <p:sld xmlns:a="http://schemas.openxmlformats.org/drawingml/2006/main" xmlns:p="http://schemas.openxmlformats.org/presentationml/2006/main" xmlns:r="http://schemas.openxmlformats.org/officeDocument/2006/relationships" xmlns:p14="http://schemas.microsoft.com/office/powerpoint/2010/main" xmlns:p15="http://schemas.microsoft.com/office/powerpoint/2012/main" xmlns:mc="http://schemas.openxmlformats.org/markup-compatibility/2006">
   <p:cSld>
@@ -13857,7 +14726,7 @@
         <p:spPr>
           <a:xfrm>
             <a:off x="504000" y="301320"/>
-            <a:ext cx="9071280" cy="1069920"/>
+            <a:ext cx="9070920" cy="1069560"/>
           </a:xfrm>
           <a:prstGeom prst="rect">
             <a:avLst/>
@@ -13883,7 +14752,11 @@
             </a:pPr>
             <a:r>
               <a:rPr b="0" lang="en-US" sz="4400" spc="-1" strike="noStrike">
-                <a:latin typeface="Arial"/>
+                <a:solidFill>
+                  <a:srgbClr val="000000"/>
+                </a:solidFill>
+                <a:latin typeface="Arial"/>
+                <a:ea typeface="DejaVu Sans"/>
               </a:rPr>
               <a:t>Course Outline</a:t>
             </a:r>
@@ -13902,7 +14775,7 @@
         <p:spPr>
           <a:xfrm>
             <a:off x="504000" y="1371600"/>
-            <a:ext cx="9071280" cy="5211720"/>
+            <a:ext cx="9070920" cy="5211360"/>
           </a:xfrm>
           <a:prstGeom prst="rect">
             <a:avLst/>
@@ -13921,7 +14794,7 @@
         <p:txBody>
           <a:bodyPr lIns="0" rIns="0" tIns="0" bIns="0"/>
           <a:p>
-            <a:pPr marL="216000" indent="-216000">
+            <a:pPr marL="216000" indent="-215640">
               <a:lnSpc>
                 <a:spcPct val="100000"/>
               </a:lnSpc>
@@ -13929,12 +14802,16 @@
                 <a:srgbClr val="000000"/>
               </a:buClr>
               <a:buSzPct val="45000"/>
-              <a:buFont typeface="Wingdings"/>
-              <a:buChar char="l"/>
+              <a:buFont typeface="Wingdings" charset="2"/>
+              <a:buChar char=""/>
             </a:pPr>
             <a:r>
               <a:rPr b="0" lang="en-US" sz="2200" spc="-1" strike="noStrike">
-                <a:latin typeface="Arial"/>
+                <a:solidFill>
+                  <a:srgbClr val="000000"/>
+                </a:solidFill>
+                <a:latin typeface="Arial"/>
+                <a:ea typeface="DejaVu Sans"/>
               </a:rPr>
               <a:t>General overview of computer organization and architecture</a:t>
             </a:r>
@@ -13943,7 +14820,7 @@
             </a:endParaRPr>
           </a:p>
           <a:p>
-            <a:pPr marL="216000" indent="-216000">
+            <a:pPr marL="216000" indent="-215640">
               <a:lnSpc>
                 <a:spcPct val="100000"/>
               </a:lnSpc>
@@ -13951,12 +14828,16 @@
                 <a:srgbClr val="000000"/>
               </a:buClr>
               <a:buSzPct val="45000"/>
-              <a:buFont typeface="Wingdings"/>
-              <a:buChar char="l"/>
+              <a:buFont typeface="Wingdings" charset="2"/>
+              <a:buChar char=""/>
             </a:pPr>
             <a:r>
               <a:rPr b="0" lang="en-US" sz="2200" spc="-1" strike="noStrike">
-                <a:latin typeface="Arial"/>
+                <a:solidFill>
+                  <a:srgbClr val="000000"/>
+                </a:solidFill>
+                <a:latin typeface="Arial"/>
+                <a:ea typeface="DejaVu Sans"/>
               </a:rPr>
               <a:t>Brief history of computer performance</a:t>
             </a:r>
@@ -13965,7 +14846,7 @@
             </a:endParaRPr>
           </a:p>
           <a:p>
-            <a:pPr marL="216000" indent="-216000">
+            <a:pPr marL="216000" indent="-215640">
               <a:lnSpc>
                 <a:spcPct val="100000"/>
               </a:lnSpc>
@@ -13973,12 +14854,16 @@
                 <a:srgbClr val="000000"/>
               </a:buClr>
               <a:buSzPct val="45000"/>
-              <a:buFont typeface="Wingdings"/>
-              <a:buChar char="l"/>
+              <a:buFont typeface="Wingdings" charset="2"/>
+              <a:buChar char=""/>
             </a:pPr>
             <a:r>
               <a:rPr b="0" lang="en-US" sz="2200" spc="-1" strike="noStrike">
-                <a:latin typeface="Arial"/>
+                <a:solidFill>
+                  <a:srgbClr val="000000"/>
+                </a:solidFill>
+                <a:latin typeface="Arial"/>
+                <a:ea typeface="DejaVu Sans"/>
               </a:rPr>
               <a:t>Computer components ( Structure)</a:t>
             </a:r>
@@ -13987,7 +14872,7 @@
             </a:endParaRPr>
           </a:p>
           <a:p>
-            <a:pPr marL="216000" indent="-216000">
+            <a:pPr marL="216000" indent="-215640">
               <a:lnSpc>
                 <a:spcPct val="100000"/>
               </a:lnSpc>
@@ -13995,12 +14880,16 @@
                 <a:srgbClr val="000000"/>
               </a:buClr>
               <a:buSzPct val="45000"/>
-              <a:buFont typeface="Wingdings"/>
-              <a:buChar char="l"/>
+              <a:buFont typeface="Wingdings" charset="2"/>
+              <a:buChar char=""/>
             </a:pPr>
             <a:r>
               <a:rPr b="0" lang="en-US" sz="2200" spc="-1" strike="noStrike">
-                <a:latin typeface="Arial"/>
+                <a:solidFill>
+                  <a:srgbClr val="000000"/>
+                </a:solidFill>
+                <a:latin typeface="Arial"/>
+                <a:ea typeface="DejaVu Sans"/>
               </a:rPr>
               <a:t>Computer function</a:t>
             </a:r>
@@ -14009,7 +14898,7 @@
             </a:endParaRPr>
           </a:p>
           <a:p>
-            <a:pPr marL="216000" indent="-216000">
+            <a:pPr marL="216000" indent="-215640">
               <a:lnSpc>
                 <a:spcPct val="100000"/>
               </a:lnSpc>
@@ -14017,12 +14906,16 @@
                 <a:srgbClr val="000000"/>
               </a:buClr>
               <a:buSzPct val="45000"/>
-              <a:buFont typeface="Wingdings"/>
-              <a:buChar char="l"/>
+              <a:buFont typeface="Wingdings" charset="2"/>
+              <a:buChar char=""/>
             </a:pPr>
             <a:r>
               <a:rPr b="0" lang="en-US" sz="2200" spc="-1" strike="noStrike">
-                <a:latin typeface="Arial"/>
+                <a:solidFill>
+                  <a:srgbClr val="000000"/>
+                </a:solidFill>
+                <a:latin typeface="Arial"/>
+                <a:ea typeface="DejaVu Sans"/>
               </a:rPr>
               <a:t>Interconnection structures</a:t>
             </a:r>
@@ -14031,7 +14924,7 @@
             </a:endParaRPr>
           </a:p>
           <a:p>
-            <a:pPr marL="216000" indent="-216000">
+            <a:pPr marL="216000" indent="-215640">
               <a:lnSpc>
                 <a:spcPct val="100000"/>
               </a:lnSpc>
@@ -14039,12 +14932,16 @@
                 <a:srgbClr val="000000"/>
               </a:buClr>
               <a:buSzPct val="45000"/>
-              <a:buFont typeface="Wingdings"/>
-              <a:buChar char="l"/>
+              <a:buFont typeface="Wingdings" charset="2"/>
+              <a:buChar char=""/>
             </a:pPr>
             <a:r>
               <a:rPr b="0" lang="en-US" sz="2200" spc="-1" strike="noStrike">
-                <a:latin typeface="Arial"/>
+                <a:solidFill>
+                  <a:srgbClr val="000000"/>
+                </a:solidFill>
+                <a:latin typeface="Arial"/>
+                <a:ea typeface="DejaVu Sans"/>
               </a:rPr>
               <a:t>Memory</a:t>
             </a:r>
@@ -14053,7 +14950,7 @@
             </a:endParaRPr>
           </a:p>
           <a:p>
-            <a:pPr marL="216000" indent="-216000">
+            <a:pPr marL="216000" indent="-215640">
               <a:lnSpc>
                 <a:spcPct val="100000"/>
               </a:lnSpc>
@@ -14061,12 +14958,16 @@
                 <a:srgbClr val="000000"/>
               </a:buClr>
               <a:buSzPct val="45000"/>
-              <a:buFont typeface="Wingdings"/>
-              <a:buChar char="l"/>
+              <a:buFont typeface="Wingdings" charset="2"/>
+              <a:buChar char=""/>
             </a:pPr>
             <a:r>
               <a:rPr b="0" lang="en-US" sz="2200" spc="-1" strike="noStrike">
-                <a:latin typeface="Arial"/>
+                <a:solidFill>
+                  <a:srgbClr val="000000"/>
+                </a:solidFill>
+                <a:latin typeface="Arial"/>
+                <a:ea typeface="DejaVu Sans"/>
               </a:rPr>
               <a:t>Input /Output Module </a:t>
             </a:r>
@@ -14075,7 +14976,7 @@
             </a:endParaRPr>
           </a:p>
           <a:p>
-            <a:pPr marL="216000" indent="-216000">
+            <a:pPr marL="216000" indent="-215640">
               <a:lnSpc>
                 <a:spcPct val="100000"/>
               </a:lnSpc>
@@ -14083,12 +14984,16 @@
                 <a:srgbClr val="000000"/>
               </a:buClr>
               <a:buSzPct val="45000"/>
-              <a:buFont typeface="Wingdings"/>
-              <a:buChar char="l"/>
+              <a:buFont typeface="Wingdings" charset="2"/>
+              <a:buChar char=""/>
             </a:pPr>
             <a:r>
               <a:rPr b="0" lang="en-US" sz="2200" spc="-1" strike="noStrike">
-                <a:latin typeface="Arial"/>
+                <a:solidFill>
+                  <a:srgbClr val="000000"/>
+                </a:solidFill>
+                <a:latin typeface="Arial"/>
+                <a:ea typeface="DejaVu Sans"/>
               </a:rPr>
               <a:t>CPU structure and function</a:t>
             </a:r>
@@ -14097,7 +15002,7 @@
             </a:endParaRPr>
           </a:p>
           <a:p>
-            <a:pPr marL="216000" indent="-216000">
+            <a:pPr marL="216000" indent="-215640">
               <a:lnSpc>
                 <a:spcPct val="100000"/>
               </a:lnSpc>
@@ -14105,12 +15010,16 @@
                 <a:srgbClr val="000000"/>
               </a:buClr>
               <a:buSzPct val="45000"/>
-              <a:buFont typeface="Wingdings"/>
-              <a:buChar char="l"/>
+              <a:buFont typeface="Wingdings" charset="2"/>
+              <a:buChar char=""/>
             </a:pPr>
             <a:r>
               <a:rPr b="0" lang="en-US" sz="2200" spc="-1" strike="noStrike">
-                <a:latin typeface="Arial"/>
+                <a:solidFill>
+                  <a:srgbClr val="000000"/>
+                </a:solidFill>
+                <a:latin typeface="Arial"/>
+                <a:ea typeface="DejaVu Sans"/>
               </a:rPr>
               <a:t>Computer arithmetic</a:t>
             </a:r>
@@ -14119,7 +15028,7 @@
             </a:endParaRPr>
           </a:p>
           <a:p>
-            <a:pPr marL="216000" indent="-216000">
+            <a:pPr marL="216000" indent="-215640">
               <a:lnSpc>
                 <a:spcPct val="100000"/>
               </a:lnSpc>
@@ -14127,12 +15036,16 @@
                 <a:srgbClr val="000000"/>
               </a:buClr>
               <a:buSzPct val="45000"/>
-              <a:buFont typeface="Wingdings"/>
-              <a:buChar char="l"/>
+              <a:buFont typeface="Wingdings" charset="2"/>
+              <a:buChar char=""/>
             </a:pPr>
             <a:r>
               <a:rPr b="0" lang="en-US" sz="2200" spc="-1" strike="noStrike">
-                <a:latin typeface="Arial"/>
+                <a:solidFill>
+                  <a:srgbClr val="000000"/>
+                </a:solidFill>
+                <a:latin typeface="Arial"/>
+                <a:ea typeface="DejaVu Sans"/>
               </a:rPr>
               <a:t>Control unit operation</a:t>
             </a:r>
@@ -14141,7 +15054,7 @@
             </a:endParaRPr>
           </a:p>
           <a:p>
-            <a:pPr marL="216000" indent="-216000">
+            <a:pPr marL="216000" indent="-215640">
               <a:lnSpc>
                 <a:spcPct val="100000"/>
               </a:lnSpc>
@@ -14149,12 +15062,16 @@
                 <a:srgbClr val="000000"/>
               </a:buClr>
               <a:buSzPct val="45000"/>
-              <a:buFont typeface="Wingdings"/>
-              <a:buChar char="l"/>
+              <a:buFont typeface="Wingdings" charset="2"/>
+              <a:buChar char=""/>
             </a:pPr>
             <a:r>
               <a:rPr b="0" lang="en-US" sz="2200" spc="-1" strike="noStrike">
-                <a:latin typeface="Arial"/>
+                <a:solidFill>
+                  <a:srgbClr val="000000"/>
+                </a:solidFill>
+                <a:latin typeface="Arial"/>
+                <a:ea typeface="DejaVu Sans"/>
               </a:rPr>
               <a:t>Digital Logic</a:t>
             </a:r>
@@ -14222,7 +15139,7 @@
         <p:spPr>
           <a:xfrm>
             <a:off x="504000" y="301320"/>
-            <a:ext cx="9071280" cy="1261800"/>
+            <a:ext cx="9070920" cy="1261440"/>
           </a:xfrm>
           <a:prstGeom prst="rect">
             <a:avLst/>
@@ -14248,7 +15165,11 @@
             </a:pPr>
             <a:r>
               <a:rPr b="0" lang="en-US" sz="4400" spc="-1" strike="noStrike">
-                <a:latin typeface="Arial"/>
+                <a:solidFill>
+                  <a:srgbClr val="000000"/>
+                </a:solidFill>
+                <a:latin typeface="Arial"/>
+                <a:ea typeface="DejaVu Sans"/>
               </a:rPr>
               <a:t>Reference </a:t>
             </a:r>
@@ -14267,7 +15188,7 @@
         <p:spPr>
           <a:xfrm>
             <a:off x="504000" y="1769040"/>
-            <a:ext cx="9071280" cy="4384080"/>
+            <a:ext cx="9070920" cy="4383720"/>
           </a:xfrm>
           <a:prstGeom prst="rect">
             <a:avLst/>
@@ -14286,7 +15207,7 @@
         <p:txBody>
           <a:bodyPr lIns="0" rIns="0" tIns="0" bIns="0"/>
           <a:p>
-            <a:pPr marL="216000" indent="-216000">
+            <a:pPr marL="216000" indent="-215640">
               <a:lnSpc>
                 <a:spcPct val="100000"/>
               </a:lnSpc>
@@ -14294,12 +15215,16 @@
                 <a:srgbClr val="000000"/>
               </a:buClr>
               <a:buSzPct val="45000"/>
-              <a:buFont typeface="Wingdings"/>
-              <a:buChar char="l"/>
+              <a:buFont typeface="Wingdings" charset="2"/>
+              <a:buChar char=""/>
             </a:pPr>
             <a:r>
               <a:rPr b="0" lang="en-US" sz="2400" spc="-1" strike="noStrike">
-                <a:latin typeface="Arial"/>
+                <a:solidFill>
+                  <a:srgbClr val="000000"/>
+                </a:solidFill>
+                <a:latin typeface="Arial"/>
+                <a:ea typeface="DejaVu Sans"/>
               </a:rPr>
               <a:t>Lecture notes will be mainly derived from William Stallings book on Computer Organization and Architecture: Designing for Performance</a:t>
             </a:r>
@@ -14318,7 +15243,7 @@
             </a:endParaRPr>
           </a:p>
           <a:p>
-            <a:pPr marL="216000" indent="-216000">
+            <a:pPr marL="216000" indent="-215640">
               <a:lnSpc>
                 <a:spcPct val="100000"/>
               </a:lnSpc>
@@ -14326,24 +15251,36 @@
                 <a:srgbClr val="000000"/>
               </a:buClr>
               <a:buSzPct val="45000"/>
-              <a:buFont typeface="Wingdings"/>
-              <a:buChar char="l"/>
+              <a:buFont typeface="Wingdings" charset="2"/>
+              <a:buChar char=""/>
             </a:pPr>
             <a:r>
               <a:rPr b="0" lang="en-US" sz="2400" spc="-1" strike="noStrike">
-                <a:latin typeface="Arial"/>
+                <a:solidFill>
+                  <a:srgbClr val="000000"/>
+                </a:solidFill>
+                <a:latin typeface="Arial"/>
+                <a:ea typeface="DejaVu Sans"/>
               </a:rPr>
               <a:t>David Tarnoff: Computer Organization and Design Fundamentals e-Book (Pub.www.lulu.com 2007). This is a </a:t>
             </a:r>
             <a:r>
               <a:rPr b="1" lang="en-US" sz="2400" spc="-1" strike="noStrike">
-                <a:latin typeface="Arial"/>
+                <a:solidFill>
+                  <a:srgbClr val="000000"/>
+                </a:solidFill>
+                <a:latin typeface="Arial"/>
+                <a:ea typeface="DejaVu Sans"/>
               </a:rPr>
               <a:t>very good free e-book</a:t>
             </a:r>
             <a:r>
               <a:rPr b="0" lang="en-US" sz="2400" spc="-1" strike="noStrike">
-                <a:latin typeface="Arial"/>
+                <a:solidFill>
+                  <a:srgbClr val="000000"/>
+                </a:solidFill>
+                <a:latin typeface="Arial"/>
+                <a:ea typeface="DejaVu Sans"/>
               </a:rPr>
               <a:t>. </a:t>
             </a:r>
@@ -14362,7 +15299,7 @@
             </a:endParaRPr>
           </a:p>
           <a:p>
-            <a:pPr marL="216000" indent="-216000">
+            <a:pPr marL="216000" indent="-215640">
               <a:lnSpc>
                 <a:spcPct val="100000"/>
               </a:lnSpc>
@@ -14370,12 +15307,16 @@
                 <a:srgbClr val="000000"/>
               </a:buClr>
               <a:buSzPct val="45000"/>
-              <a:buFont typeface="Wingdings"/>
-              <a:buChar char="l"/>
+              <a:buFont typeface="Wingdings" charset="2"/>
+              <a:buChar char=""/>
             </a:pPr>
             <a:r>
               <a:rPr b="0" lang="en-US" sz="2400" spc="-1" strike="noStrike">
-                <a:latin typeface="Arial"/>
+                <a:solidFill>
+                  <a:srgbClr val="000000"/>
+                </a:solidFill>
+                <a:latin typeface="Arial"/>
+                <a:ea typeface="DejaVu Sans"/>
               </a:rPr>
               <a:t>T.C. Bartee: Computer Architecture and Logic Design (McGraw-Hill, 1991).</a:t>
             </a:r>
@@ -14443,7 +15384,7 @@
         <p:spPr>
           <a:xfrm>
             <a:off x="504000" y="301320"/>
-            <a:ext cx="9071280" cy="1261800"/>
+            <a:ext cx="9070920" cy="1261440"/>
           </a:xfrm>
           <a:prstGeom prst="rect">
             <a:avLst/>
@@ -14469,7 +15410,11 @@
             </a:pPr>
             <a:r>
               <a:rPr b="0" lang="en-US" sz="4400" spc="-1" strike="noStrike">
-                <a:latin typeface="Arial"/>
+                <a:solidFill>
+                  <a:srgbClr val="000000"/>
+                </a:solidFill>
+                <a:latin typeface="Arial"/>
+                <a:ea typeface="DejaVu Sans"/>
               </a:rPr>
               <a:t>Computer Organization</a:t>
             </a:r>
@@ -14488,7 +15433,7 @@
         <p:spPr>
           <a:xfrm>
             <a:off x="365760" y="1742040"/>
-            <a:ext cx="9071280" cy="4384080"/>
+            <a:ext cx="9070920" cy="4383720"/>
           </a:xfrm>
           <a:prstGeom prst="rect">
             <a:avLst/>
@@ -14507,7 +15452,7 @@
         <p:txBody>
           <a:bodyPr lIns="0" rIns="0" tIns="0" bIns="0"/>
           <a:p>
-            <a:pPr marL="216000" indent="-216000">
+            <a:pPr marL="216000" indent="-215640">
               <a:lnSpc>
                 <a:spcPct val="100000"/>
               </a:lnSpc>
@@ -14515,12 +15460,16 @@
                 <a:srgbClr val="000000"/>
               </a:buClr>
               <a:buSzPct val="45000"/>
-              <a:buFont typeface="Wingdings"/>
-              <a:buChar char="l"/>
+              <a:buFont typeface="Wingdings" charset="2"/>
+              <a:buChar char=""/>
             </a:pPr>
             <a:r>
               <a:rPr b="0" lang="en-US" sz="3200" spc="-1" strike="noStrike">
-                <a:latin typeface="Arial"/>
+                <a:solidFill>
+                  <a:srgbClr val="000000"/>
+                </a:solidFill>
+                <a:latin typeface="Arial"/>
+                <a:ea typeface="DejaVu Sans"/>
               </a:rPr>
               <a:t>Formal definition:</a:t>
             </a:r>
@@ -14529,7 +15478,7 @@
             </a:endParaRPr>
           </a:p>
           <a:p>
-            <a:pPr marL="216000" indent="-216000">
+            <a:pPr marL="216000" indent="-215640">
               <a:lnSpc>
                 <a:spcPct val="100000"/>
               </a:lnSpc>
@@ -14537,12 +15486,16 @@
                 <a:srgbClr val="000000"/>
               </a:buClr>
               <a:buSzPct val="45000"/>
-              <a:buFont typeface="Wingdings"/>
-              <a:buChar char="l"/>
+              <a:buFont typeface="Wingdings" charset="2"/>
+              <a:buChar char=""/>
             </a:pPr>
             <a:r>
               <a:rPr b="0" lang="en-US" sz="3200" spc="-1" strike="noStrike">
-                <a:latin typeface="Arial"/>
+                <a:solidFill>
+                  <a:srgbClr val="000000"/>
+                </a:solidFill>
+                <a:latin typeface="Arial"/>
+                <a:ea typeface="DejaVu Sans"/>
               </a:rPr>
               <a:t>Refers to the operational units and the interconnections that realize the architectural specifications of the computer.</a:t>
             </a:r>
@@ -14561,7 +15514,7 @@
             </a:endParaRPr>
           </a:p>
           <a:p>
-            <a:pPr marL="216000" indent="-216000">
+            <a:pPr marL="216000" indent="-215640">
               <a:lnSpc>
                 <a:spcPct val="100000"/>
               </a:lnSpc>
@@ -14569,12 +15522,16 @@
                 <a:srgbClr val="000000"/>
               </a:buClr>
               <a:buSzPct val="45000"/>
-              <a:buFont typeface="Wingdings"/>
-              <a:buChar char="l"/>
+              <a:buFont typeface="Wingdings" charset="2"/>
+              <a:buChar char=""/>
             </a:pPr>
             <a:r>
               <a:rPr b="0" lang="en-US" sz="3200" spc="-1" strike="noStrike">
-                <a:latin typeface="Arial"/>
+                <a:solidFill>
+                  <a:srgbClr val="000000"/>
+                </a:solidFill>
+                <a:latin typeface="Arial"/>
+                <a:ea typeface="DejaVu Sans"/>
               </a:rPr>
               <a:t>Organizational attributes include those hardware details transparent to the programmer, such as interfaces between the computer and peripheral and the memory technology used.</a:t>
             </a:r>
@@ -14642,7 +15599,7 @@
         <p:spPr>
           <a:xfrm>
             <a:off x="504000" y="301320"/>
-            <a:ext cx="9071280" cy="1261800"/>
+            <a:ext cx="9070920" cy="1261440"/>
           </a:xfrm>
           <a:prstGeom prst="rect">
             <a:avLst/>
@@ -14668,7 +15625,11 @@
             </a:pPr>
             <a:r>
               <a:rPr b="0" lang="en-US" sz="4400" spc="-1" strike="noStrike">
-                <a:latin typeface="Arial"/>
+                <a:solidFill>
+                  <a:srgbClr val="000000"/>
+                </a:solidFill>
+                <a:latin typeface="Arial"/>
+                <a:ea typeface="DejaVu Sans"/>
               </a:rPr>
               <a:t>Definitions</a:t>
             </a:r>
@@ -14687,7 +15648,7 @@
         <p:spPr>
           <a:xfrm>
             <a:off x="504000" y="1769040"/>
-            <a:ext cx="9071280" cy="4384080"/>
+            <a:ext cx="9070920" cy="4383720"/>
           </a:xfrm>
           <a:prstGeom prst="rect">
             <a:avLst/>
@@ -14713,13 +15674,21 @@
             </a:pPr>
             <a:r>
               <a:rPr b="1" i="1" lang="en-US" sz="3200" spc="-1" strike="noStrike">
-                <a:latin typeface="Arial"/>
+                <a:solidFill>
+                  <a:srgbClr val="000000"/>
+                </a:solidFill>
+                <a:latin typeface="Arial"/>
+                <a:ea typeface="DejaVu Sans"/>
               </a:rPr>
               <a:t>Computer Architecture</a:t>
             </a:r>
             <a:r>
               <a:rPr b="0" lang="en-US" sz="3200" spc="-1" strike="noStrike">
-                <a:latin typeface="Arial"/>
+                <a:solidFill>
+                  <a:srgbClr val="000000"/>
+                </a:solidFill>
+                <a:latin typeface="Arial"/>
+                <a:ea typeface="DejaVu Sans"/>
               </a:rPr>
               <a:t> refers to attributes  that have a direct impact on the logical execution of a program.</a:t>
             </a:r>
@@ -14745,7 +15714,11 @@
             </a:pPr>
             <a:r>
               <a:rPr b="0" lang="en-US" sz="3200" spc="-1" strike="noStrike">
-                <a:latin typeface="Arial"/>
+                <a:solidFill>
+                  <a:srgbClr val="000000"/>
+                </a:solidFill>
+                <a:latin typeface="Arial"/>
+                <a:ea typeface="DejaVu Sans"/>
               </a:rPr>
               <a:t>For example the logic in which numeric data and character data are represented internally in a particular operating environment.  </a:t>
             </a:r>
@@ -14813,7 +15786,7 @@
         <p:spPr>
           <a:xfrm>
             <a:off x="504000" y="301320"/>
-            <a:ext cx="9071280" cy="1261800"/>
+            <a:ext cx="9070920" cy="1261440"/>
           </a:xfrm>
           <a:prstGeom prst="rect">
             <a:avLst/>
@@ -14839,7 +15812,11 @@
             </a:pPr>
             <a:r>
               <a:rPr b="0" lang="en-US" sz="4400" spc="-1" strike="noStrike">
-                <a:latin typeface="Arial"/>
+                <a:solidFill>
+                  <a:srgbClr val="000000"/>
+                </a:solidFill>
+                <a:latin typeface="Arial"/>
+                <a:ea typeface="DejaVu Sans"/>
               </a:rPr>
               <a:t>Computer organization and architecture</a:t>
             </a:r>
@@ -14858,7 +15835,7 @@
         <p:spPr>
           <a:xfrm>
             <a:off x="504000" y="1769040"/>
-            <a:ext cx="9071280" cy="4384080"/>
+            <a:ext cx="9070920" cy="4383720"/>
           </a:xfrm>
           <a:prstGeom prst="rect">
             <a:avLst/>
@@ -14877,7 +15854,7 @@
         <p:txBody>
           <a:bodyPr lIns="0" rIns="0" tIns="0" bIns="0"/>
           <a:p>
-            <a:pPr marL="216000" indent="-216000">
+            <a:pPr marL="216000" indent="-215640">
               <a:lnSpc>
                 <a:spcPct val="100000"/>
               </a:lnSpc>
@@ -14885,12 +15862,16 @@
                 <a:srgbClr val="000000"/>
               </a:buClr>
               <a:buSzPct val="45000"/>
-              <a:buFont typeface="Wingdings"/>
-              <a:buChar char="l"/>
+              <a:buFont typeface="Wingdings" charset="2"/>
+              <a:buChar char=""/>
             </a:pPr>
             <a:r>
               <a:rPr b="0" lang="en-US" sz="3200" spc="-1" strike="noStrike">
-                <a:latin typeface="Arial"/>
+                <a:solidFill>
+                  <a:srgbClr val="000000"/>
+                </a:solidFill>
+                <a:latin typeface="Arial"/>
+                <a:ea typeface="DejaVu Sans"/>
               </a:rPr>
               <a:t>Computer organization is the components from which computers are built</a:t>
             </a:r>
@@ -14899,7 +15880,7 @@
             </a:endParaRPr>
           </a:p>
           <a:p>
-            <a:pPr marL="216000" indent="-216000">
+            <a:pPr marL="216000" indent="-215640">
               <a:lnSpc>
                 <a:spcPct val="100000"/>
               </a:lnSpc>
@@ -14907,12 +15888,16 @@
                 <a:srgbClr val="000000"/>
               </a:buClr>
               <a:buSzPct val="45000"/>
-              <a:buFont typeface="Wingdings"/>
-              <a:buChar char="l"/>
+              <a:buFont typeface="Wingdings" charset="2"/>
+              <a:buChar char=""/>
             </a:pPr>
             <a:r>
               <a:rPr b="0" lang="en-US" sz="3200" spc="-1" strike="noStrike">
-                <a:latin typeface="Arial"/>
+                <a:solidFill>
+                  <a:srgbClr val="000000"/>
+                </a:solidFill>
+                <a:latin typeface="Arial"/>
+                <a:ea typeface="DejaVu Sans"/>
               </a:rPr>
               <a:t>In contrast computer architecture is the science of integrating those components to achieve a level of functionality and performance</a:t>
             </a:r>
@@ -14921,7 +15906,7 @@
             </a:endParaRPr>
           </a:p>
           <a:p>
-            <a:pPr marL="216000" indent="-216000">
+            <a:pPr marL="216000" indent="-215640">
               <a:lnSpc>
                 <a:spcPct val="100000"/>
               </a:lnSpc>
@@ -14929,12 +15914,16 @@
                 <a:srgbClr val="000000"/>
               </a:buClr>
               <a:buSzPct val="45000"/>
-              <a:buFont typeface="Wingdings"/>
-              <a:buChar char="l"/>
+              <a:buFont typeface="Wingdings" charset="2"/>
+              <a:buChar char=""/>
             </a:pPr>
             <a:r>
               <a:rPr b="0" lang="en-US" sz="3200" spc="-1" strike="noStrike">
-                <a:latin typeface="Arial"/>
+                <a:solidFill>
+                  <a:srgbClr val="000000"/>
+                </a:solidFill>
+                <a:latin typeface="Arial"/>
+                <a:ea typeface="DejaVu Sans"/>
               </a:rPr>
               <a:t>It is as if organization examines the bricks, cement, nails and other building material</a:t>
             </a:r>
@@ -14943,7 +15932,7 @@
             </a:endParaRPr>
           </a:p>
           <a:p>
-            <a:pPr marL="216000" indent="-216000">
+            <a:pPr marL="216000" indent="-215640">
               <a:lnSpc>
                 <a:spcPct val="100000"/>
               </a:lnSpc>
@@ -14951,12 +15940,16 @@
                 <a:srgbClr val="000000"/>
               </a:buClr>
               <a:buSzPct val="45000"/>
-              <a:buFont typeface="Wingdings"/>
-              <a:buChar char="l"/>
+              <a:buFont typeface="Wingdings" charset="2"/>
+              <a:buChar char=""/>
             </a:pPr>
             <a:r>
               <a:rPr b="0" lang="en-US" sz="3200" spc="-1" strike="noStrike">
-                <a:latin typeface="Arial"/>
+                <a:solidFill>
+                  <a:srgbClr val="000000"/>
+                </a:solidFill>
+                <a:latin typeface="Arial"/>
+                <a:ea typeface="DejaVu Sans"/>
               </a:rPr>
               <a:t>While computer architecture looks at the design of the house </a:t>
             </a:r>
@@ -15024,7 +16017,7 @@
         <p:spPr>
           <a:xfrm>
             <a:off x="504000" y="301320"/>
-            <a:ext cx="9071280" cy="1261800"/>
+            <a:ext cx="9070920" cy="1261440"/>
           </a:xfrm>
           <a:prstGeom prst="rect">
             <a:avLst/>
@@ -15050,7 +16043,11 @@
             </a:pPr>
             <a:r>
               <a:rPr b="0" lang="en-US" sz="3900" spc="-1" strike="noStrike">
-                <a:latin typeface="Arial"/>
+                <a:solidFill>
+                  <a:srgbClr val="000000"/>
+                </a:solidFill>
+                <a:latin typeface="Arial"/>
+                <a:ea typeface="DejaVu Sans"/>
               </a:rPr>
               <a:t>Distinction btn Arch. And Org</a:t>
             </a:r>
@@ -15069,7 +16066,7 @@
         <p:spPr>
           <a:xfrm>
             <a:off x="504000" y="1769040"/>
-            <a:ext cx="9071280" cy="4384080"/>
+            <a:ext cx="9070920" cy="4383720"/>
           </a:xfrm>
           <a:prstGeom prst="rect">
             <a:avLst/>
@@ -15095,7 +16092,11 @@
             </a:pPr>
             <a:r>
               <a:rPr b="0" lang="en-US" sz="3200" spc="-1" strike="noStrike">
-                <a:latin typeface="Arial"/>
+                <a:solidFill>
+                  <a:srgbClr val="000000"/>
+                </a:solidFill>
+                <a:latin typeface="Arial"/>
+                <a:ea typeface="DejaVu Sans"/>
               </a:rPr>
               <a:t>The distinction between architecture and organization has been an important one. </a:t>
             </a:r>
@@ -15121,7 +16122,11 @@
             </a:pPr>
             <a:r>
               <a:rPr b="0" lang="en-US" sz="3200" spc="-1" strike="noStrike">
-                <a:latin typeface="Arial"/>
+                <a:solidFill>
+                  <a:srgbClr val="000000"/>
+                </a:solidFill>
+                <a:latin typeface="Arial"/>
+                <a:ea typeface="DejaVu Sans"/>
               </a:rPr>
               <a:t>Many computer manufacturers offer a family of computer models all with the same architecture but with difference in organization.   And thus differing in costs .</a:t>
             </a:r>
